--- a/Zahnlos GmbH & Co.pptx
+++ b/Zahnlos GmbH & Co.pptx
@@ -6,11 +6,12 @@
   </p:sldMasterIdLst>
   <p:sldIdLst>
     <p:sldId id="266" r:id="rId5"/>
-    <p:sldId id="268" r:id="rId6"/>
-    <p:sldId id="267" r:id="rId7"/>
-    <p:sldId id="270" r:id="rId8"/>
-    <p:sldId id="269" r:id="rId9"/>
+    <p:sldId id="271" r:id="rId6"/>
+    <p:sldId id="268" r:id="rId7"/>
+    <p:sldId id="267" r:id="rId8"/>
+    <p:sldId id="270" r:id="rId9"/>
     <p:sldId id="262" r:id="rId10"/>
+    <p:sldId id="269" r:id="rId11"/>
   </p:sldIdLst>
   <p:sldSz cx="9144000" cy="6858000" type="screen4x3"/>
   <p:notesSz cx="6858000" cy="9144000"/>
@@ -4042,7 +4043,13 @@
       </p:grpSpPr>
       <p:sp>
         <p:nvSpPr>
-          <p:cNvPr id="2" name="Title 1"/>
+          <p:cNvPr id="2" name="Titel 1">
+            <a:extLst>
+              <a:ext uri="{FF2B5EF4-FFF2-40B4-BE49-F238E27FC236}">
+                <a16:creationId xmlns:a16="http://schemas.microsoft.com/office/drawing/2014/main" id="{F6B8817F-ADFC-47DF-930D-9A60450996B6}"/>
+              </a:ext>
+            </a:extLst>
+          </p:cNvPr>
           <p:cNvSpPr>
             <a:spLocks noGrp="1"/>
           </p:cNvSpPr>
@@ -4063,14 +4070,20 @@
                   <a:srgbClr val="F8F8F8"/>
                 </a:solidFill>
               </a:rPr>
-              <a:t>Unternehmenszielsetzung</a:t>
-            </a:r>
-          </a:p>
-        </p:txBody>
-      </p:sp>
-      <p:sp>
-        <p:nvSpPr>
-          <p:cNvPr id="3" name="Content Placeholder 2"/>
+              <a:t>Das Unternehmen</a:t>
+            </a:r>
+          </a:p>
+        </p:txBody>
+      </p:sp>
+      <p:sp>
+        <p:nvSpPr>
+          <p:cNvPr id="3" name="Inhaltsplatzhalter 2">
+            <a:extLst>
+              <a:ext uri="{FF2B5EF4-FFF2-40B4-BE49-F238E27FC236}">
+                <a16:creationId xmlns:a16="http://schemas.microsoft.com/office/drawing/2014/main" id="{44CD3403-3CE8-4F8A-A960-791924F9DD58}"/>
+              </a:ext>
+            </a:extLst>
+          </p:cNvPr>
           <p:cNvSpPr>
             <a:spLocks noGrp="1"/>
           </p:cNvSpPr>
@@ -4094,13 +4107,18 @@
                   </a:schemeClr>
                 </a:solidFill>
               </a:rPr>
-              <a:t>Wir die Firma Zahnlos GmbH &amp; Co. KG möchten ihnen gerne heute den ersten Entwurf unseres Programmes mit einer Grafischen Oberfläche präsentieren. Die es ihnen ermöglichen soll, einfach und unkompliziert ihren gewünschten Zahnradtyp zu berechnen.</a:t>
-            </a:r>
-          </a:p>
-          <a:p>
-            <a:pPr marL="0" indent="0">
-              <a:buNone/>
-            </a:pPr>
+              <a:t>Die Firma „Zahnlos GmbH &amp; Co. KG“ ist ein sehr junges und Zielstrebiges Unternehmen welches erst im 3. Quartal dieses Jahres gegründet wurde. Bei den Mitarbeitern handelt es sich um ein Nationales Team welches sehr breit aufgestellt ist. Die Programmierung liegt uns sehr am Herzen und wir freuen uns die Firma „Zahnrad Zar GmbH &amp; Co. KG“ als unseren ersten Kunden begrüßen zu dürfen. Als Persönlicher Ansprechpartner wurde uns der Geschäftsführer „Kai </a:t>
+            </a:r>
+            <a:r>
+              <a:rPr lang="de-DE" sz="2000" dirty="0" err="1">
+                <a:solidFill>
+                  <a:schemeClr val="bg1">
+                    <a:lumMod val="10000"/>
+                  </a:schemeClr>
+                </a:solidFill>
+              </a:rPr>
+              <a:t>Mecke</a:t>
+            </a:r>
             <a:r>
               <a:rPr lang="de-DE" sz="2000" dirty="0">
                 <a:solidFill>
@@ -4109,12 +4127,53 @@
                   </a:schemeClr>
                 </a:solidFill>
               </a:rPr>
-              <a:t>Dabei ist es uns sehr wichtig in diesem „Review Meeting“ Verbesserung und Wünsche ihrerseits hier zu besprechen und anschließend umzusetzen.</a:t>
-            </a:r>
-          </a:p>
-        </p:txBody>
-      </p:sp>
+              <a:t>“ benannt. Daher freuen wir uns auf die weitere Zusammenarbeit.</a:t>
+            </a:r>
+          </a:p>
+        </p:txBody>
+      </p:sp>
+      <p:pic>
+        <p:nvPicPr>
+          <p:cNvPr id="5" name="Grafik 4">
+            <a:extLst>
+              <a:ext uri="{FF2B5EF4-FFF2-40B4-BE49-F238E27FC236}">
+                <a16:creationId xmlns:a16="http://schemas.microsoft.com/office/drawing/2014/main" id="{605EDA49-0681-40FA-8CB1-838FEA0C9EDD}"/>
+              </a:ext>
+            </a:extLst>
+          </p:cNvPr>
+          <p:cNvPicPr>
+            <a:picLocks noChangeAspect="1"/>
+          </p:cNvPicPr>
+          <p:nvPr/>
+        </p:nvPicPr>
+        <p:blipFill>
+          <a:blip r:embed="rId2" cstate="print">
+            <a:extLst>
+              <a:ext uri="{28A0092B-C50C-407E-A947-70E740481C1C}">
+                <a14:useLocalDpi xmlns:a14="http://schemas.microsoft.com/office/drawing/2010/main" val="0"/>
+              </a:ext>
+            </a:extLst>
+          </a:blip>
+          <a:stretch>
+            <a:fillRect/>
+          </a:stretch>
+        </p:blipFill>
+        <p:spPr>
+          <a:xfrm>
+            <a:off x="1745940" y="4511352"/>
+            <a:ext cx="5652120" cy="1805538"/>
+          </a:xfrm>
+          <a:prstGeom prst="rect">
+            <a:avLst/>
+          </a:prstGeom>
+        </p:spPr>
+      </p:pic>
     </p:spTree>
+    <p:extLst>
+      <p:ext uri="{BB962C8B-B14F-4D97-AF65-F5344CB8AC3E}">
+        <p14:creationId xmlns:p14="http://schemas.microsoft.com/office/powerpoint/2010/main" val="1587491669"/>
+      </p:ext>
+    </p:extLst>
   </p:cSld>
   <p:clrMapOvr>
     <a:masterClrMapping/>
@@ -4151,16 +4210,18 @@
         </p:nvSpPr>
         <p:spPr/>
         <p:txBody>
-          <a:bodyPr/>
+          <a:bodyPr>
+            <a:normAutofit/>
+          </a:bodyPr>
           <a:lstStyle/>
           <a:p>
             <a:r>
-              <a:rPr lang="de-DE" dirty="0">
+              <a:rPr lang="de-DE" sz="2400" dirty="0">
                 <a:solidFill>
                   <a:srgbClr val="F8F8F8"/>
                 </a:solidFill>
               </a:rPr>
-              <a:t>Teamvorstellung</a:t>
+              <a:t>Unternehmenszielsetzung</a:t>
             </a:r>
           </a:p>
         </p:txBody>
@@ -4175,12 +4236,7 @@
             <p:ph idx="1"/>
           </p:nvPr>
         </p:nvSpPr>
-        <p:spPr>
-          <a:xfrm>
-            <a:off x="609600" y="1752600"/>
-            <a:ext cx="8305800" cy="4819672"/>
-          </a:xfrm>
-        </p:spPr>
+        <p:spPr/>
         <p:txBody>
           <a:bodyPr/>
           <a:lstStyle/>
@@ -4196,22 +4252,13 @@
                   </a:schemeClr>
                 </a:solidFill>
               </a:rPr>
-              <a:t>Das Team besteht auf 4 Mitgliedern verschiedener Nationalitäten. Welche Übergreifend und Hauptsächlich im Home Office das Programm für Sie entwickelt hat. Dabei standen die Entwickler vor verschiedenen schwierigen Hindernissen, die wir hoffentlich zur Ihrer und Unserer Zufriedenheit überwinden konnten. Sollten Sie Fragen haben oder Verbesserungswünsche, scheuen Sie sich nicht uns anzusprechen.</a:t>
+              <a:t>Wir die Firma Zahnlos GmbH &amp; Co. KG möchten ihnen gerne heute den ersten Entwurf unseres Programmes mit einer Grafischen Oberfläche präsentieren. Diese sollte ihnen ermöglichen, einfach und unkompliziert ihren gewünschten Zahnradtyp zu berechnen.</a:t>
             </a:r>
           </a:p>
           <a:p>
             <a:pPr marL="0" indent="0">
               <a:buNone/>
             </a:pPr>
-            <a:endParaRPr lang="de-DE" sz="2000" dirty="0">
-              <a:solidFill>
-                <a:schemeClr val="bg1">
-                  <a:lumMod val="10000"/>
-                </a:schemeClr>
-              </a:solidFill>
-            </a:endParaRPr>
-          </a:p>
-          <a:p>
             <a:r>
               <a:rPr lang="de-DE" sz="2000" dirty="0">
                 <a:solidFill>
@@ -4220,218 +4267,62 @@
                   </a:schemeClr>
                 </a:solidFill>
               </a:rPr>
-              <a:t>1. </a:t>
-            </a:r>
-            <a:r>
-              <a:rPr lang="de-DE" sz="2000" i="1" dirty="0">
+              <a:t>Da wir uns vorerst auf den Berechnungen aus „Sprint 1“ beruhen, haben wir zunächst nur 2 Zahnradtypen zur Auswahl. Dieses kann aber nach Absprache gerne noch korrigiert werden.</a:t>
+            </a:r>
+          </a:p>
+          <a:p>
+            <a:pPr marL="0" indent="0">
+              <a:buNone/>
+            </a:pPr>
+            <a:r>
+              <a:rPr lang="de-DE" sz="2000" dirty="0">
                 <a:solidFill>
                   <a:schemeClr val="bg1">
                     <a:lumMod val="10000"/>
                   </a:schemeClr>
                 </a:solidFill>
               </a:rPr>
-              <a:t>Patrik Detmer </a:t>
-            </a:r>
-            <a:r>
-              <a:rPr lang="de-DE" sz="2000" b="1" dirty="0">
-                <a:solidFill>
-                  <a:schemeClr val="bg1">
-                    <a:lumMod val="10000"/>
-                  </a:schemeClr>
-                </a:solidFill>
-              </a:rPr>
-              <a:t>( </a:t>
-            </a:r>
-            <a:r>
-              <a:rPr lang="de-DE" sz="2000" b="1" dirty="0" err="1">
-                <a:solidFill>
-                  <a:schemeClr val="bg1">
-                    <a:lumMod val="10000"/>
-                  </a:schemeClr>
-                </a:solidFill>
-              </a:rPr>
-              <a:t>Product</a:t>
-            </a:r>
-            <a:r>
-              <a:rPr lang="de-DE" sz="2000" b="1" dirty="0">
-                <a:solidFill>
-                  <a:schemeClr val="bg1">
-                    <a:lumMod val="10000"/>
-                  </a:schemeClr>
-                </a:solidFill>
-              </a:rPr>
-              <a:t> </a:t>
-            </a:r>
-            <a:r>
-              <a:rPr lang="de-DE" sz="2000" b="1" dirty="0" err="1">
-                <a:solidFill>
-                  <a:schemeClr val="bg1">
-                    <a:lumMod val="10000"/>
-                  </a:schemeClr>
-                </a:solidFill>
-              </a:rPr>
-              <a:t>Owner</a:t>
-            </a:r>
-            <a:r>
-              <a:rPr lang="de-DE" sz="2000" b="1" dirty="0">
-                <a:solidFill>
-                  <a:schemeClr val="bg1">
-                    <a:lumMod val="10000"/>
-                  </a:schemeClr>
-                </a:solidFill>
-              </a:rPr>
-              <a:t>)</a:t>
-            </a:r>
-          </a:p>
-          <a:p>
-            <a:r>
-              <a:rPr lang="de-DE" sz="2000" i="1" dirty="0">
-                <a:solidFill>
-                  <a:schemeClr val="bg1">
-                    <a:lumMod val="10000"/>
-                  </a:schemeClr>
-                </a:solidFill>
-              </a:rPr>
-              <a:t>2. Eike Lennart </a:t>
-            </a:r>
-            <a:r>
-              <a:rPr lang="de-DE" sz="2000" i="1" dirty="0" err="1">
-                <a:solidFill>
-                  <a:schemeClr val="bg1">
-                    <a:lumMod val="10000"/>
-                  </a:schemeClr>
-                </a:solidFill>
-              </a:rPr>
-              <a:t>Siemen</a:t>
-            </a:r>
-            <a:r>
-              <a:rPr lang="de-DE" sz="2000" i="1" dirty="0">
-                <a:solidFill>
-                  <a:schemeClr val="bg1">
-                    <a:lumMod val="10000"/>
-                  </a:schemeClr>
-                </a:solidFill>
-              </a:rPr>
-              <a:t> </a:t>
-            </a:r>
-            <a:r>
-              <a:rPr lang="de-DE" sz="2000" b="1" dirty="0">
-                <a:solidFill>
-                  <a:schemeClr val="bg1">
-                    <a:lumMod val="10000"/>
-                  </a:schemeClr>
-                </a:solidFill>
-              </a:rPr>
-              <a:t>(</a:t>
-            </a:r>
-            <a:r>
-              <a:rPr lang="de-DE" sz="2000" b="1" dirty="0" err="1">
-                <a:solidFill>
-                  <a:schemeClr val="bg1">
-                    <a:lumMod val="10000"/>
-                  </a:schemeClr>
-                </a:solidFill>
-              </a:rPr>
-              <a:t>Scrum</a:t>
-            </a:r>
-            <a:r>
-              <a:rPr lang="de-DE" sz="2000" b="1" dirty="0">
-                <a:solidFill>
-                  <a:schemeClr val="bg1">
-                    <a:lumMod val="10000"/>
-                  </a:schemeClr>
-                </a:solidFill>
-              </a:rPr>
-              <a:t> Master)</a:t>
-            </a:r>
-          </a:p>
-          <a:p>
-            <a:r>
-              <a:rPr lang="de-DE" sz="2000" i="1" dirty="0">
-                <a:solidFill>
-                  <a:schemeClr val="bg1">
-                    <a:lumMod val="10000"/>
-                  </a:schemeClr>
-                </a:solidFill>
-              </a:rPr>
-              <a:t>3. Chen Peng </a:t>
-            </a:r>
-            <a:r>
-              <a:rPr lang="de-DE" sz="2000" b="1" dirty="0">
-                <a:solidFill>
-                  <a:schemeClr val="bg1">
-                    <a:lumMod val="10000"/>
-                  </a:schemeClr>
-                </a:solidFill>
-              </a:rPr>
-              <a:t>(Entwicklungsteam)</a:t>
-            </a:r>
-          </a:p>
-          <a:p>
-            <a:r>
-              <a:rPr lang="de-DE" sz="2000" i="1" dirty="0">
-                <a:solidFill>
-                  <a:schemeClr val="bg1">
-                    <a:lumMod val="10000"/>
-                  </a:schemeClr>
-                </a:solidFill>
-              </a:rPr>
-              <a:t>4. Cemil Can </a:t>
-            </a:r>
-            <a:r>
-              <a:rPr lang="de-DE" sz="2000" i="1" dirty="0" err="1">
-                <a:solidFill>
-                  <a:schemeClr val="bg1">
-                    <a:lumMod val="10000"/>
-                  </a:schemeClr>
-                </a:solidFill>
-              </a:rPr>
-              <a:t>Özbörme</a:t>
-            </a:r>
-            <a:r>
-              <a:rPr lang="de-DE" sz="2000" i="1" dirty="0">
-                <a:solidFill>
-                  <a:schemeClr val="bg1">
-                    <a:lumMod val="10000"/>
-                  </a:schemeClr>
-                </a:solidFill>
-              </a:rPr>
-              <a:t> </a:t>
-            </a:r>
-            <a:r>
-              <a:rPr lang="de-DE" sz="2000" b="1" dirty="0">
-                <a:solidFill>
-                  <a:schemeClr val="bg1">
-                    <a:lumMod val="10000"/>
-                  </a:schemeClr>
-                </a:solidFill>
-              </a:rPr>
-              <a:t>(Entwicklungsteam)</a:t>
-            </a:r>
-          </a:p>
-          <a:p>
-            <a:endParaRPr lang="de-DE" sz="2000" b="1" dirty="0">
-              <a:solidFill>
-                <a:schemeClr val="bg1">
-                  <a:lumMod val="10000"/>
-                </a:schemeClr>
-              </a:solidFill>
-            </a:endParaRPr>
-          </a:p>
-          <a:p>
-            <a:pPr marL="0" indent="0">
-              <a:buNone/>
-            </a:pPr>
-            <a:endParaRPr lang="de-DE" sz="2000" dirty="0">
-              <a:solidFill>
-                <a:schemeClr val="bg1">
-                  <a:lumMod val="10000"/>
-                </a:schemeClr>
-              </a:solidFill>
-            </a:endParaRPr>
-          </a:p>
-        </p:txBody>
-      </p:sp>
+              <a:t>Dabei ist es uns sehr wichtig in diesem „Review Meeting“ Verbesserung und Wünsche ihrerseits hier zu besprechen und anschließend umzusetzen.</a:t>
+            </a:r>
+          </a:p>
+        </p:txBody>
+      </p:sp>
+      <p:pic>
+        <p:nvPicPr>
+          <p:cNvPr id="5" name="Grafik 4">
+            <a:extLst>
+              <a:ext uri="{FF2B5EF4-FFF2-40B4-BE49-F238E27FC236}">
+                <a16:creationId xmlns:a16="http://schemas.microsoft.com/office/drawing/2014/main" id="{0837935B-D183-433D-B076-29F342AD9E00}"/>
+              </a:ext>
+            </a:extLst>
+          </p:cNvPr>
+          <p:cNvPicPr>
+            <a:picLocks noChangeAspect="1"/>
+          </p:cNvPicPr>
+          <p:nvPr/>
+        </p:nvPicPr>
+        <p:blipFill>
+          <a:blip r:embed="rId2" cstate="print">
+            <a:extLst>
+              <a:ext uri="{28A0092B-C50C-407E-A947-70E740481C1C}">
+                <a14:useLocalDpi xmlns:a14="http://schemas.microsoft.com/office/drawing/2010/main" val="0"/>
+              </a:ext>
+            </a:extLst>
+          </a:blip>
+          <a:stretch>
+            <a:fillRect/>
+          </a:stretch>
+        </p:blipFill>
+        <p:spPr>
+          <a:xfrm>
+            <a:off x="2771800" y="4869160"/>
+            <a:ext cx="4499992" cy="1730766"/>
+          </a:xfrm>
+          <a:prstGeom prst="rect">
+            <a:avLst/>
+          </a:prstGeom>
+        </p:spPr>
+      </p:pic>
     </p:spTree>
   </p:cSld>
   <p:clrMapOvr>
@@ -4459,66 +4350,334 @@
       </p:grpSpPr>
       <p:sp>
         <p:nvSpPr>
-          <p:cNvPr id="2" name="Titel 1">
+          <p:cNvPr id="2" name="Title 1"/>
+          <p:cNvSpPr>
+            <a:spLocks noGrp="1"/>
+          </p:cNvSpPr>
+          <p:nvPr>
+            <p:ph type="title"/>
+          </p:nvPr>
+        </p:nvSpPr>
+        <p:spPr/>
+        <p:txBody>
+          <a:bodyPr/>
+          <a:lstStyle/>
+          <a:p>
+            <a:r>
+              <a:rPr lang="de-DE" dirty="0">
+                <a:solidFill>
+                  <a:srgbClr val="F8F8F8"/>
+                </a:solidFill>
+              </a:rPr>
+              <a:t>Teamvorstellung</a:t>
+            </a:r>
+          </a:p>
+        </p:txBody>
+      </p:sp>
+      <p:sp>
+        <p:nvSpPr>
+          <p:cNvPr id="3" name="Content Placeholder 2"/>
+          <p:cNvSpPr>
+            <a:spLocks noGrp="1"/>
+          </p:cNvSpPr>
+          <p:nvPr>
+            <p:ph idx="1"/>
+          </p:nvPr>
+        </p:nvSpPr>
+        <p:spPr>
+          <a:xfrm>
+            <a:off x="609600" y="1752600"/>
+            <a:ext cx="8305800" cy="4819672"/>
+          </a:xfrm>
+        </p:spPr>
+        <p:txBody>
+          <a:bodyPr/>
+          <a:lstStyle/>
+          <a:p>
+            <a:pPr marL="0" indent="0">
+              <a:buNone/>
+            </a:pPr>
+            <a:r>
+              <a:rPr lang="de-DE" sz="2000" dirty="0">
+                <a:solidFill>
+                  <a:schemeClr val="bg1">
+                    <a:lumMod val="10000"/>
+                  </a:schemeClr>
+                </a:solidFill>
+              </a:rPr>
+              <a:t>Das Team besteht auf 4 Mitgliedern verschiedener Nationalitäten. Welche Übergreifend und Hauptsächlich im Home Office das Programm für Sie entwickelt hat. Dabei standen die Entwickler vor verschiedenen schwierigen Hindernissen, die wir hoffentlich zur Ihrer und Unserer Zufriedenheit überwinden konnten. Sollten Sie Fragen haben oder Verbesserungswünsche, scheuen Sie sich nicht uns anzusprechen.</a:t>
+            </a:r>
+          </a:p>
+          <a:p>
+            <a:pPr marL="0" indent="0">
+              <a:buNone/>
+            </a:pPr>
+            <a:endParaRPr lang="de-DE" sz="2000" dirty="0">
+              <a:solidFill>
+                <a:schemeClr val="bg1">
+                  <a:lumMod val="10000"/>
+                </a:schemeClr>
+              </a:solidFill>
+            </a:endParaRPr>
+          </a:p>
+          <a:p>
+            <a:r>
+              <a:rPr lang="de-DE" sz="2000" dirty="0">
+                <a:solidFill>
+                  <a:schemeClr val="bg1">
+                    <a:lumMod val="10000"/>
+                  </a:schemeClr>
+                </a:solidFill>
+              </a:rPr>
+              <a:t>1. </a:t>
+            </a:r>
+            <a:r>
+              <a:rPr lang="de-DE" sz="2000" i="1" dirty="0">
+                <a:solidFill>
+                  <a:schemeClr val="bg1">
+                    <a:lumMod val="10000"/>
+                  </a:schemeClr>
+                </a:solidFill>
+              </a:rPr>
+              <a:t>Patrik Detmer </a:t>
+            </a:r>
+            <a:r>
+              <a:rPr lang="de-DE" sz="2000" b="1" dirty="0">
+                <a:solidFill>
+                  <a:schemeClr val="bg1">
+                    <a:lumMod val="10000"/>
+                  </a:schemeClr>
+                </a:solidFill>
+              </a:rPr>
+              <a:t>( </a:t>
+            </a:r>
+            <a:r>
+              <a:rPr lang="de-DE" sz="2000" b="1" dirty="0" err="1">
+                <a:solidFill>
+                  <a:schemeClr val="bg1">
+                    <a:lumMod val="10000"/>
+                  </a:schemeClr>
+                </a:solidFill>
+              </a:rPr>
+              <a:t>Product</a:t>
+            </a:r>
+            <a:r>
+              <a:rPr lang="de-DE" sz="2000" b="1" dirty="0">
+                <a:solidFill>
+                  <a:schemeClr val="bg1">
+                    <a:lumMod val="10000"/>
+                  </a:schemeClr>
+                </a:solidFill>
+              </a:rPr>
+              <a:t> </a:t>
+            </a:r>
+            <a:r>
+              <a:rPr lang="de-DE" sz="2000" b="1" dirty="0" err="1">
+                <a:solidFill>
+                  <a:schemeClr val="bg1">
+                    <a:lumMod val="10000"/>
+                  </a:schemeClr>
+                </a:solidFill>
+              </a:rPr>
+              <a:t>Owner</a:t>
+            </a:r>
+            <a:r>
+              <a:rPr lang="de-DE" sz="2000" b="1" dirty="0">
+                <a:solidFill>
+                  <a:schemeClr val="bg1">
+                    <a:lumMod val="10000"/>
+                  </a:schemeClr>
+                </a:solidFill>
+              </a:rPr>
+              <a:t>)</a:t>
+            </a:r>
+          </a:p>
+          <a:p>
+            <a:r>
+              <a:rPr lang="de-DE" sz="2000" i="1" dirty="0">
+                <a:solidFill>
+                  <a:schemeClr val="bg1">
+                    <a:lumMod val="10000"/>
+                  </a:schemeClr>
+                </a:solidFill>
+              </a:rPr>
+              <a:t>2. Eike Lennart </a:t>
+            </a:r>
+            <a:r>
+              <a:rPr lang="de-DE" sz="2000" i="1" dirty="0" err="1">
+                <a:solidFill>
+                  <a:schemeClr val="bg1">
+                    <a:lumMod val="10000"/>
+                  </a:schemeClr>
+                </a:solidFill>
+              </a:rPr>
+              <a:t>Siemen</a:t>
+            </a:r>
+            <a:r>
+              <a:rPr lang="de-DE" sz="2000" i="1" dirty="0">
+                <a:solidFill>
+                  <a:schemeClr val="bg1">
+                    <a:lumMod val="10000"/>
+                  </a:schemeClr>
+                </a:solidFill>
+              </a:rPr>
+              <a:t> </a:t>
+            </a:r>
+            <a:r>
+              <a:rPr lang="de-DE" sz="2000" b="1" dirty="0">
+                <a:solidFill>
+                  <a:schemeClr val="bg1">
+                    <a:lumMod val="10000"/>
+                  </a:schemeClr>
+                </a:solidFill>
+              </a:rPr>
+              <a:t>(</a:t>
+            </a:r>
+            <a:r>
+              <a:rPr lang="de-DE" sz="2000" b="1" dirty="0" err="1">
+                <a:solidFill>
+                  <a:schemeClr val="bg1">
+                    <a:lumMod val="10000"/>
+                  </a:schemeClr>
+                </a:solidFill>
+              </a:rPr>
+              <a:t>Scrum</a:t>
+            </a:r>
+            <a:r>
+              <a:rPr lang="de-DE" sz="2000" b="1" dirty="0">
+                <a:solidFill>
+                  <a:schemeClr val="bg1">
+                    <a:lumMod val="10000"/>
+                  </a:schemeClr>
+                </a:solidFill>
+              </a:rPr>
+              <a:t> Master)</a:t>
+            </a:r>
+          </a:p>
+          <a:p>
+            <a:r>
+              <a:rPr lang="de-DE" sz="2000" i="1" dirty="0">
+                <a:solidFill>
+                  <a:schemeClr val="bg1">
+                    <a:lumMod val="10000"/>
+                  </a:schemeClr>
+                </a:solidFill>
+              </a:rPr>
+              <a:t>3. Chen Peng </a:t>
+            </a:r>
+            <a:r>
+              <a:rPr lang="de-DE" sz="2000" b="1" dirty="0">
+                <a:solidFill>
+                  <a:schemeClr val="bg1">
+                    <a:lumMod val="10000"/>
+                  </a:schemeClr>
+                </a:solidFill>
+              </a:rPr>
+              <a:t>(Entwicklungsteam)</a:t>
+            </a:r>
+          </a:p>
+          <a:p>
+            <a:r>
+              <a:rPr lang="de-DE" sz="2000" i="1" dirty="0">
+                <a:solidFill>
+                  <a:schemeClr val="bg1">
+                    <a:lumMod val="10000"/>
+                  </a:schemeClr>
+                </a:solidFill>
+              </a:rPr>
+              <a:t>4. Cemil Can </a:t>
+            </a:r>
+            <a:r>
+              <a:rPr lang="de-DE" sz="2000" i="1" dirty="0" err="1">
+                <a:solidFill>
+                  <a:schemeClr val="bg1">
+                    <a:lumMod val="10000"/>
+                  </a:schemeClr>
+                </a:solidFill>
+              </a:rPr>
+              <a:t>Özbörme</a:t>
+            </a:r>
+            <a:r>
+              <a:rPr lang="de-DE" sz="2000" i="1" dirty="0">
+                <a:solidFill>
+                  <a:schemeClr val="bg1">
+                    <a:lumMod val="10000"/>
+                  </a:schemeClr>
+                </a:solidFill>
+              </a:rPr>
+              <a:t> </a:t>
+            </a:r>
+            <a:r>
+              <a:rPr lang="de-DE" sz="2000" b="1" dirty="0">
+                <a:solidFill>
+                  <a:schemeClr val="bg1">
+                    <a:lumMod val="10000"/>
+                  </a:schemeClr>
+                </a:solidFill>
+              </a:rPr>
+              <a:t>(Entwicklungsteam)</a:t>
+            </a:r>
+          </a:p>
+          <a:p>
+            <a:endParaRPr lang="de-DE" sz="2000" b="1" dirty="0">
+              <a:solidFill>
+                <a:schemeClr val="bg1">
+                  <a:lumMod val="10000"/>
+                </a:schemeClr>
+              </a:solidFill>
+            </a:endParaRPr>
+          </a:p>
+          <a:p>
+            <a:pPr marL="0" indent="0">
+              <a:buNone/>
+            </a:pPr>
+            <a:endParaRPr lang="de-DE" sz="2000" dirty="0">
+              <a:solidFill>
+                <a:schemeClr val="bg1">
+                  <a:lumMod val="10000"/>
+                </a:schemeClr>
+              </a:solidFill>
+            </a:endParaRPr>
+          </a:p>
+        </p:txBody>
+      </p:sp>
+      <p:pic>
+        <p:nvPicPr>
+          <p:cNvPr id="5" name="Grafik 4">
             <a:extLst>
               <a:ext uri="{FF2B5EF4-FFF2-40B4-BE49-F238E27FC236}">
-                <a16:creationId xmlns:a16="http://schemas.microsoft.com/office/drawing/2014/main" id="{BE62BAB1-4727-41BD-8FF0-5DA9E4AA5F25}"/>
+                <a16:creationId xmlns:a16="http://schemas.microsoft.com/office/drawing/2014/main" id="{1DD0AE4B-E380-49FD-8625-E2A441A2B9A3}"/>
               </a:ext>
             </a:extLst>
           </p:cNvPr>
-          <p:cNvSpPr>
-            <a:spLocks noGrp="1"/>
-          </p:cNvSpPr>
-          <p:nvPr>
-            <p:ph type="title"/>
-          </p:nvPr>
-        </p:nvSpPr>
-        <p:spPr/>
-        <p:txBody>
-          <a:bodyPr>
-            <a:normAutofit/>
-          </a:bodyPr>
-          <a:lstStyle/>
-          <a:p>
-            <a:endParaRPr lang="de-DE" sz="2400" dirty="0">
-              <a:solidFill>
-                <a:srgbClr val="F8F8F8"/>
-              </a:solidFill>
-            </a:endParaRPr>
-          </a:p>
-        </p:txBody>
-      </p:sp>
-      <p:sp>
-        <p:nvSpPr>
-          <p:cNvPr id="3" name="Inhaltsplatzhalter 2">
+          <p:cNvPicPr>
+            <a:picLocks noChangeAspect="1"/>
+          </p:cNvPicPr>
+          <p:nvPr/>
+        </p:nvPicPr>
+        <p:blipFill>
+          <a:blip r:embed="rId2" cstate="print">
             <a:extLst>
-              <a:ext uri="{FF2B5EF4-FFF2-40B4-BE49-F238E27FC236}">
-                <a16:creationId xmlns:a16="http://schemas.microsoft.com/office/drawing/2014/main" id="{2F336EDA-7A39-4E95-BFE0-D1C33ADDD3A6}"/>
+              <a:ext uri="{28A0092B-C50C-407E-A947-70E740481C1C}">
+                <a14:useLocalDpi xmlns:a14="http://schemas.microsoft.com/office/drawing/2010/main" val="0"/>
               </a:ext>
             </a:extLst>
-          </p:cNvPr>
-          <p:cNvSpPr>
-            <a:spLocks noGrp="1"/>
-          </p:cNvSpPr>
-          <p:nvPr>
-            <p:ph idx="1"/>
-          </p:nvPr>
-        </p:nvSpPr>
-        <p:spPr/>
-        <p:txBody>
-          <a:bodyPr/>
-          <a:lstStyle/>
-          <a:p>
-            <a:endParaRPr lang="de-DE"/>
-          </a:p>
-        </p:txBody>
-      </p:sp>
+          </a:blip>
+          <a:stretch>
+            <a:fillRect/>
+          </a:stretch>
+        </p:blipFill>
+        <p:spPr>
+          <a:xfrm>
+            <a:off x="6300192" y="4077072"/>
+            <a:ext cx="2448272" cy="1312121"/>
+          </a:xfrm>
+          <a:prstGeom prst="rect">
+            <a:avLst/>
+          </a:prstGeom>
+        </p:spPr>
+      </p:pic>
     </p:spTree>
-    <p:extLst>
-      <p:ext uri="{BB962C8B-B14F-4D97-AF65-F5344CB8AC3E}">
-        <p14:creationId xmlns:p14="http://schemas.microsoft.com/office/powerpoint/2010/main" val="1127700186"/>
-      </p:ext>
-    </p:extLst>
   </p:cSld>
   <p:clrMapOvr>
     <a:masterClrMapping/>
@@ -4545,7 +4704,13 @@
       </p:grpSpPr>
       <p:sp>
         <p:nvSpPr>
-          <p:cNvPr id="2" name="Title 1"/>
+          <p:cNvPr id="2" name="Titel 1">
+            <a:extLst>
+              <a:ext uri="{FF2B5EF4-FFF2-40B4-BE49-F238E27FC236}">
+                <a16:creationId xmlns:a16="http://schemas.microsoft.com/office/drawing/2014/main" id="{BE62BAB1-4727-41BD-8FF0-5DA9E4AA5F25}"/>
+              </a:ext>
+            </a:extLst>
+          </p:cNvPr>
           <p:cNvSpPr>
             <a:spLocks noGrp="1"/>
           </p:cNvSpPr>
@@ -4556,27 +4721,27 @@
         <p:spPr/>
         <p:txBody>
           <a:bodyPr>
-            <a:normAutofit fontScale="90000"/>
+            <a:normAutofit/>
           </a:bodyPr>
           <a:lstStyle/>
           <a:p>
             <a:r>
-              <a:rPr lang="de-DE" dirty="0">
+              <a:rPr lang="de-DE" sz="2400" dirty="0">
                 <a:solidFill>
                   <a:srgbClr val="F8F8F8"/>
                 </a:solidFill>
               </a:rPr>
-              <a:t>Verkäufe nach Produkttyp</a:t>
-            </a:r>
-          </a:p>
-        </p:txBody>
-      </p:sp>
-      <p:sp>
-        <p:nvSpPr>
-          <p:cNvPr id="4" name="Inhaltsplatzhalter 3">
+              <a:t>Das Produkt</a:t>
+            </a:r>
+          </a:p>
+        </p:txBody>
+      </p:sp>
+      <p:sp>
+        <p:nvSpPr>
+          <p:cNvPr id="3" name="Inhaltsplatzhalter 2">
             <a:extLst>
               <a:ext uri="{FF2B5EF4-FFF2-40B4-BE49-F238E27FC236}">
-                <a16:creationId xmlns:a16="http://schemas.microsoft.com/office/drawing/2014/main" id="{D125F3EA-B28C-404A-84AE-9E5A670BD4ED}"/>
+                <a16:creationId xmlns:a16="http://schemas.microsoft.com/office/drawing/2014/main" id="{2F336EDA-7A39-4E95-BFE0-D1C33ADDD3A6}"/>
               </a:ext>
             </a:extLst>
           </p:cNvPr>
@@ -4587,21 +4752,53 @@
             <p:ph idx="1"/>
           </p:nvPr>
         </p:nvSpPr>
-        <p:spPr>
-          <a:xfrm>
-            <a:off x="755576" y="1916832"/>
-            <a:ext cx="7657728" cy="4195192"/>
-          </a:xfrm>
-        </p:spPr>
+        <p:spPr/>
         <p:txBody>
           <a:bodyPr/>
           <a:lstStyle/>
           <a:p>
-            <a:endParaRPr lang="de-DE" dirty="0"/>
+            <a:pPr marL="0" indent="0">
+              <a:buNone/>
+            </a:pPr>
+            <a:r>
+              <a:rPr lang="de-DE" sz="1800" dirty="0">
+                <a:solidFill>
+                  <a:schemeClr val="bg1">
+                    <a:lumMod val="10000"/>
+                  </a:schemeClr>
+                </a:solidFill>
+              </a:rPr>
+              <a:t>Bei dem Produkt für die Firma „Zahnrad Zar GmbH &amp; Co. KG“ handelt es sich um ein auf C# basierendes Programm welches mittels „Windows Visual Studio“ entwickelt wurde und auch ständig weiter entwickelt wird. Das Programm wurde wie in Sprint 1 gezeigt zunächst rein in der „Programmiersprache“ geschrieben, nun in unserem 2. Sprint haben wir das Programm weitestgehend übernommen und es mittels „Windows </a:t>
+            </a:r>
+            <a:r>
+              <a:rPr lang="de-DE" sz="1800" dirty="0" err="1">
+                <a:solidFill>
+                  <a:schemeClr val="bg1">
+                    <a:lumMod val="10000"/>
+                  </a:schemeClr>
+                </a:solidFill>
+              </a:rPr>
+              <a:t>Presentation</a:t>
+            </a:r>
+            <a:r>
+              <a:rPr lang="de-DE" sz="1800" dirty="0">
+                <a:solidFill>
+                  <a:schemeClr val="bg1">
+                    <a:lumMod val="10000"/>
+                  </a:schemeClr>
+                </a:solidFill>
+              </a:rPr>
+              <a:t> Framework“ (WPF) in eine grafische Benutzeroberfläche umgewandelt. Diese haben wir versucht grafisch sowie funktionell möglichst effizient zu gestalten. Damit auch ungeübte Benutzer sich schnell in das Programm einarbeiten können.</a:t>
+            </a:r>
           </a:p>
         </p:txBody>
       </p:sp>
     </p:spTree>
+    <p:extLst>
+      <p:ext uri="{BB962C8B-B14F-4D97-AF65-F5344CB8AC3E}">
+        <p14:creationId xmlns:p14="http://schemas.microsoft.com/office/powerpoint/2010/main" val="1127700186"/>
+      </p:ext>
+    </p:extLst>
   </p:cSld>
   <p:clrMapOvr>
     <a:masterClrMapping/>
@@ -4649,7 +4846,7 @@
                   <a:srgbClr val="F8F8F8"/>
                 </a:solidFill>
               </a:rPr>
-              <a:t>Zielsetzungen für die 3 Review Meetings</a:t>
+              <a:t>Literaturverzeichnis GUI Programm</a:t>
             </a:r>
           </a:p>
         </p:txBody>
@@ -4666,15 +4863,317 @@
         </p:nvSpPr>
         <p:spPr>
           <a:xfrm>
-            <a:off x="609600" y="1752600"/>
-            <a:ext cx="8305800" cy="4419600"/>
+            <a:off x="539552" y="1772816"/>
+            <a:ext cx="8305800" cy="4752528"/>
           </a:xfrm>
         </p:spPr>
         <p:txBody>
           <a:bodyPr/>
           <a:lstStyle/>
           <a:p>
+            <a:pPr marL="0" indent="0">
+              <a:buNone/>
+            </a:pPr>
+            <a:r>
+              <a:rPr lang="de-DE" sz="2000" dirty="0">
+                <a:solidFill>
+                  <a:schemeClr val="bg1">
+                    <a:lumMod val="10000"/>
+                  </a:schemeClr>
+                </a:solidFill>
+              </a:rPr>
+              <a:t>Anbei geben wir ihnen ein kleines Literaturverzeichnis. Da wir die Bilder für die Grafische Oberfläche im Programm (Bilder von Zahnräder) zur Demonstration, aus einer öffentlichen Quelle benutzt habe. Daher weisen wir ausdrücklich daraufhin das die Bilder nicht von uns stammen. Dieses werden jedoch zeitnah durch eigene „Catia“ Bilder von uns ersetzt.</a:t>
+            </a:r>
+          </a:p>
+          <a:p>
+            <a:pPr marL="0" indent="0">
+              <a:buNone/>
+            </a:pPr>
             <a:endParaRPr lang="de-DE" sz="2000" dirty="0"/>
+          </a:p>
+          <a:p>
+            <a:pPr marL="0" indent="0">
+              <a:buNone/>
+            </a:pPr>
+            <a:r>
+              <a:rPr lang="de-DE" sz="2000" i="1" u="sng" dirty="0"/>
+              <a:t>Innenzahnrad: </a:t>
+            </a:r>
+            <a:r>
+              <a:rPr lang="de-DE" sz="2000" dirty="0">
+                <a:solidFill>
+                  <a:srgbClr val="99CCFF"/>
+                </a:solidFill>
+                <a:hlinkClick r:id="rId2">
+                  <a:extLst>
+                    <a:ext uri="{A12FA001-AC4F-418D-AE19-62706E023703}">
+                      <ahyp:hlinkClr xmlns:ahyp="http://schemas.microsoft.com/office/drawing/2018/hyperlinkcolor" val="tx"/>
+                    </a:ext>
+                  </a:extLst>
+                </a:hlinkClick>
+              </a:rPr>
+              <a:t>https://www.vario-helicopter.biz/de/Zahnraeder/Innenzahnraeder/Innenzahnrad::36846.html</a:t>
+            </a:r>
+            <a:endParaRPr lang="de-DE" sz="2000" dirty="0">
+              <a:solidFill>
+                <a:srgbClr val="99CCFF"/>
+              </a:solidFill>
+            </a:endParaRPr>
+          </a:p>
+          <a:p>
+            <a:pPr marL="0" indent="0">
+              <a:buNone/>
+            </a:pPr>
+            <a:endParaRPr lang="de-DE" sz="2000" dirty="0"/>
+          </a:p>
+          <a:p>
+            <a:pPr marL="0" indent="0">
+              <a:buNone/>
+            </a:pPr>
+            <a:r>
+              <a:rPr lang="de-DE" sz="2000" i="1" u="sng" dirty="0"/>
+              <a:t>Zahnrad „Gradverzahnt“: </a:t>
+            </a:r>
+            <a:r>
+              <a:rPr lang="de-DE" sz="2000" i="1" u="sng" dirty="0">
+                <a:solidFill>
+                  <a:srgbClr val="99CCFF"/>
+                </a:solidFill>
+              </a:rPr>
+              <a:t>https://www.vario-helicopter.biz/de/Zahnraeder/Zahnraeder-Modul-1-5/Zahnrad-17-mm-47-Zaehne::100833.html</a:t>
+            </a:r>
+            <a:endParaRPr lang="de-DE" sz="2000" dirty="0">
+              <a:solidFill>
+                <a:srgbClr val="99CCFF"/>
+              </a:solidFill>
+            </a:endParaRPr>
+          </a:p>
+        </p:txBody>
+      </p:sp>
+      <p:pic>
+        <p:nvPicPr>
+          <p:cNvPr id="3" name="Grafik 2">
+            <a:extLst>
+              <a:ext uri="{FF2B5EF4-FFF2-40B4-BE49-F238E27FC236}">
+                <a16:creationId xmlns:a16="http://schemas.microsoft.com/office/drawing/2014/main" id="{B6EC3BE2-264C-46A5-A4F7-0B9BC97D08B0}"/>
+              </a:ext>
+            </a:extLst>
+          </p:cNvPr>
+          <p:cNvPicPr>
+            <a:picLocks noChangeAspect="1"/>
+          </p:cNvPicPr>
+          <p:nvPr/>
+        </p:nvPicPr>
+        <p:blipFill>
+          <a:blip r:embed="rId3" cstate="print">
+            <a:extLst>
+              <a:ext uri="{28A0092B-C50C-407E-A947-70E740481C1C}">
+                <a14:useLocalDpi xmlns:a14="http://schemas.microsoft.com/office/drawing/2010/main" val="0"/>
+              </a:ext>
+            </a:extLst>
+          </a:blip>
+          <a:stretch>
+            <a:fillRect/>
+          </a:stretch>
+        </p:blipFill>
+        <p:spPr>
+          <a:xfrm>
+            <a:off x="6090984" y="3284984"/>
+            <a:ext cx="1217712" cy="990913"/>
+          </a:xfrm>
+          <a:prstGeom prst="rect">
+            <a:avLst/>
+          </a:prstGeom>
+        </p:spPr>
+      </p:pic>
+      <p:pic>
+        <p:nvPicPr>
+          <p:cNvPr id="5" name="Grafik 4">
+            <a:extLst>
+              <a:ext uri="{FF2B5EF4-FFF2-40B4-BE49-F238E27FC236}">
+                <a16:creationId xmlns:a16="http://schemas.microsoft.com/office/drawing/2014/main" id="{C1555DCB-0197-44A2-A4AB-F63DEF0C369C}"/>
+              </a:ext>
+            </a:extLst>
+          </p:cNvPr>
+          <p:cNvPicPr>
+            <a:picLocks noChangeAspect="1"/>
+          </p:cNvPicPr>
+          <p:nvPr/>
+        </p:nvPicPr>
+        <p:blipFill>
+          <a:blip r:embed="rId4" cstate="print">
+            <a:extLst>
+              <a:ext uri="{28A0092B-C50C-407E-A947-70E740481C1C}">
+                <a14:useLocalDpi xmlns:a14="http://schemas.microsoft.com/office/drawing/2010/main" val="0"/>
+              </a:ext>
+            </a:extLst>
+          </a:blip>
+          <a:stretch>
+            <a:fillRect/>
+          </a:stretch>
+        </p:blipFill>
+        <p:spPr>
+          <a:xfrm>
+            <a:off x="6191691" y="4793955"/>
+            <a:ext cx="1016298" cy="980728"/>
+          </a:xfrm>
+          <a:prstGeom prst="rect">
+            <a:avLst/>
+          </a:prstGeom>
+        </p:spPr>
+      </p:pic>
+    </p:spTree>
+  </p:cSld>
+  <p:clrMapOvr>
+    <a:masterClrMapping/>
+  </p:clrMapOvr>
+</p:sld>
+</file>
+
+<file path=ppt/slides/slide7.xml><?xml version="1.0" encoding="utf-8"?>
+<p:sld xmlns:a="http://schemas.openxmlformats.org/drawingml/2006/main" xmlns:r="http://schemas.openxmlformats.org/officeDocument/2006/relationships" xmlns:p="http://schemas.openxmlformats.org/presentationml/2006/main">
+  <p:cSld>
+    <p:spTree>
+      <p:nvGrpSpPr>
+        <p:cNvPr id="1" name=""/>
+        <p:cNvGrpSpPr/>
+        <p:nvPr/>
+      </p:nvGrpSpPr>
+      <p:grpSpPr>
+        <a:xfrm>
+          <a:off x="0" y="0"/>
+          <a:ext cx="0" cy="0"/>
+          <a:chOff x="0" y="0"/>
+          <a:chExt cx="0" cy="0"/>
+        </a:xfrm>
+      </p:grpSpPr>
+      <p:sp>
+        <p:nvSpPr>
+          <p:cNvPr id="2" name="Title 1"/>
+          <p:cNvSpPr>
+            <a:spLocks noGrp="1"/>
+          </p:cNvSpPr>
+          <p:nvPr>
+            <p:ph type="title"/>
+          </p:nvPr>
+        </p:nvSpPr>
+        <p:spPr/>
+        <p:txBody>
+          <a:bodyPr>
+            <a:normAutofit/>
+          </a:bodyPr>
+          <a:lstStyle/>
+          <a:p>
+            <a:r>
+              <a:rPr lang="de-DE" sz="2800" dirty="0">
+                <a:solidFill>
+                  <a:srgbClr val="F8F8F8"/>
+                </a:solidFill>
+              </a:rPr>
+              <a:t>Literaturverzeichnis Präsentation</a:t>
+            </a:r>
+          </a:p>
+        </p:txBody>
+      </p:sp>
+      <p:sp>
+        <p:nvSpPr>
+          <p:cNvPr id="4" name="Inhaltsplatzhalter 3">
+            <a:extLst>
+              <a:ext uri="{FF2B5EF4-FFF2-40B4-BE49-F238E27FC236}">
+                <a16:creationId xmlns:a16="http://schemas.microsoft.com/office/drawing/2014/main" id="{D125F3EA-B28C-404A-84AE-9E5A670BD4ED}"/>
+              </a:ext>
+            </a:extLst>
+          </p:cNvPr>
+          <p:cNvSpPr>
+            <a:spLocks noGrp="1"/>
+          </p:cNvSpPr>
+          <p:nvPr>
+            <p:ph idx="1"/>
+          </p:nvPr>
+        </p:nvSpPr>
+        <p:spPr>
+          <a:xfrm>
+            <a:off x="755576" y="1916832"/>
+            <a:ext cx="7657728" cy="4195192"/>
+          </a:xfrm>
+        </p:spPr>
+        <p:txBody>
+          <a:bodyPr/>
+          <a:lstStyle/>
+          <a:p>
+            <a:pPr marL="0" indent="0">
+              <a:buNone/>
+            </a:pPr>
+            <a:r>
+              <a:rPr lang="de-DE" sz="1600" dirty="0"/>
+              <a:t>Abb. 1: </a:t>
+            </a:r>
+            <a:r>
+              <a:rPr lang="de-DE" sz="1600" dirty="0">
+                <a:solidFill>
+                  <a:srgbClr val="99CCFF"/>
+                </a:solidFill>
+                <a:hlinkClick r:id="rId2">
+                  <a:extLst>
+                    <a:ext uri="{A12FA001-AC4F-418D-AE19-62706E023703}">
+                      <ahyp:hlinkClr xmlns:ahyp="http://schemas.microsoft.com/office/drawing/2018/hyperlinkcolor" val="tx"/>
+                    </a:ext>
+                  </a:extLst>
+                </a:hlinkClick>
+              </a:rPr>
+              <a:t>https://www.leonardocompany.com/o/adaptive-media/image/5157133/h_560/LDO_banner_software.jpg?t=1550744881800</a:t>
+            </a:r>
+            <a:endParaRPr lang="de-DE" sz="1600" dirty="0">
+              <a:solidFill>
+                <a:srgbClr val="99CCFF"/>
+              </a:solidFill>
+            </a:endParaRPr>
+          </a:p>
+          <a:p>
+            <a:pPr marL="0" indent="0">
+              <a:buNone/>
+            </a:pPr>
+            <a:endParaRPr lang="de-DE" sz="1600" dirty="0"/>
+          </a:p>
+          <a:p>
+            <a:pPr marL="0" indent="0">
+              <a:buNone/>
+            </a:pPr>
+            <a:r>
+              <a:rPr lang="de-DE" sz="1600" dirty="0"/>
+              <a:t>Abb. 2: </a:t>
+            </a:r>
+            <a:r>
+              <a:rPr lang="de-DE" sz="1600" u="sng" dirty="0">
+                <a:solidFill>
+                  <a:srgbClr val="99CCFF"/>
+                </a:solidFill>
+              </a:rPr>
+              <a:t>https://www.leonardocompany.com/o/adaptive-media/image/5157133/h_560/LDO_banner_software.jpg?t=1550744881800</a:t>
+            </a:r>
+          </a:p>
+          <a:p>
+            <a:pPr marL="0" indent="0">
+              <a:buNone/>
+            </a:pPr>
+            <a:endParaRPr lang="de-DE" sz="1600" dirty="0"/>
+          </a:p>
+          <a:p>
+            <a:pPr marL="0" indent="0">
+              <a:buNone/>
+            </a:pPr>
+            <a:r>
+              <a:rPr lang="de-DE" sz="1600" dirty="0"/>
+              <a:t>Abb. 3: </a:t>
+            </a:r>
+            <a:r>
+              <a:rPr lang="de-DE" sz="1600" u="sng" dirty="0">
+                <a:solidFill>
+                  <a:srgbClr val="99CCFF"/>
+                </a:solidFill>
+              </a:rPr>
+              <a:t>https://caso.com/wp-content/uploads/2019/12/Team-Photo-scaled.jpg</a:t>
+            </a:r>
           </a:p>
         </p:txBody>
       </p:sp>
@@ -5530,1062 +6029,12 @@
 </file>
 
 <file path=customXml/item1.xml><?xml version="1.0" encoding="utf-8"?>
-<ct:contentTypeSchema xmlns:ct="http://schemas.microsoft.com/office/2006/metadata/contentType" xmlns:ma="http://schemas.microsoft.com/office/2006/metadata/properties/metaAttributes" ct:_="" ma:_="" ma:contentTypeName="TemplateFile" ma:contentTypeID="0x01010037696D9D1D95EC45A9440548E782419D04008C4669C20C93454ABB50E332FADBDDBE" ma:contentTypeVersion="55" ma:contentTypeDescription="Create a new document." ma:contentTypeScope="" ma:versionID="0862fa1d3c98dca9116b8c2bbf050b2c">
-  <xsd:schema xmlns:xsd="http://www.w3.org/2001/XMLSchema" xmlns:xs="http://www.w3.org/2001/XMLSchema" xmlns:p="http://schemas.microsoft.com/office/2006/metadata/properties" xmlns:ns2="f105ad54-119a-4495-aa55-0e28b6b4ad2f" xmlns:ns3="c7af2036-029c-470e-8042-297c68a41472" targetNamespace="http://schemas.microsoft.com/office/2006/metadata/properties" ma:root="true" ma:fieldsID="efcf89ea05a71204977c7c6a0a118372" ns2:_="" ns3:_="">
-    <xsd:import namespace="f105ad54-119a-4495-aa55-0e28b6b4ad2f"/>
-    <xsd:import namespace="c7af2036-029c-470e-8042-297c68a41472"/>
-    <xsd:element name="properties">
-      <xsd:complexType>
-        <xsd:sequence>
-          <xsd:element name="documentManagement">
-            <xsd:complexType>
-              <xsd:all>
-                <xsd:element ref="ns2:AcquiredFrom" minOccurs="0"/>
-                <xsd:element ref="ns2:UACurrentWords" minOccurs="0"/>
-                <xsd:element ref="ns2:TPApplication" minOccurs="0"/>
-                <xsd:element ref="ns2:ApprovalLog" minOccurs="0"/>
-                <xsd:element ref="ns2:ApprovalStatus" minOccurs="0"/>
-                <xsd:element ref="ns2:AssetStart" minOccurs="0"/>
-                <xsd:element ref="ns2:AssetExpire" minOccurs="0"/>
-                <xsd:element ref="ns2:AssetId" minOccurs="0"/>
-                <xsd:element ref="ns2:IsSearchable" minOccurs="0"/>
-                <xsd:element ref="ns2:AssetType" minOccurs="0"/>
-                <xsd:element ref="ns2:APAuthor" minOccurs="0"/>
-                <xsd:element ref="ns2:AverageRating" minOccurs="0"/>
-                <xsd:element ref="ns2:BlockPublish" minOccurs="0"/>
-                <xsd:element ref="ns2:BugNumber" minOccurs="0"/>
-                <xsd:element ref="ns2:CampaignTagsTaxHTField0" minOccurs="0"/>
-                <xsd:element ref="ns2:TPClientViewer" minOccurs="0"/>
-                <xsd:element ref="ns2:ClipArtFilename" minOccurs="0"/>
-                <xsd:element ref="ns2:TPCommandLine" minOccurs="0"/>
-                <xsd:element ref="ns2:TPComponent" minOccurs="0"/>
-                <xsd:element ref="ns2:ContentItem" minOccurs="0"/>
-                <xsd:element ref="ns2:CrawlForDependencies" minOccurs="0"/>
-                <xsd:element ref="ns2:CSXHash" minOccurs="0"/>
-                <xsd:element ref="ns2:CSXSubmissionMarket" minOccurs="0"/>
-                <xsd:element ref="ns2:CSXUpdate" minOccurs="0"/>
-                <xsd:element ref="ns2:IntlLangReviewDate" minOccurs="0"/>
-                <xsd:element ref="ns2:IsDeleted" minOccurs="0"/>
-                <xsd:element ref="ns2:APDescription" minOccurs="0"/>
-                <xsd:element ref="ns2:DirectSourceMarket" minOccurs="0"/>
-                <xsd:element ref="ns2:Downloads" minOccurs="0"/>
-                <xsd:element ref="ns2:DSATActionTaken" minOccurs="0"/>
-                <xsd:element ref="ns2:APEditor" minOccurs="0"/>
-                <xsd:element ref="ns2:EditorialStatus" minOccurs="0"/>
-                <xsd:element ref="ns2:EditorialTags" minOccurs="0"/>
-                <xsd:element ref="ns2:TPExecutable" minOccurs="0"/>
-                <xsd:element ref="ns2:FeatureTagsTaxHTField0" minOccurs="0"/>
-                <xsd:element ref="ns2:TPFriendlyName" minOccurs="0"/>
-                <xsd:element ref="ns2:FriendlyTitle" minOccurs="0"/>
-                <xsd:element ref="ns2:PrimaryImageGen" minOccurs="0"/>
-                <xsd:element ref="ns2:HandoffToMSDN" minOccurs="0"/>
-                <xsd:element ref="ns2:InProjectListLookup" minOccurs="0"/>
-                <xsd:element ref="ns2:TPInstallLocation" minOccurs="0"/>
-                <xsd:element ref="ns2:InternalTagsTaxHTField0" minOccurs="0"/>
-                <xsd:element ref="ns2:IntlLangReview" minOccurs="0"/>
-                <xsd:element ref="ns2:IntlLangReviewer" minOccurs="0"/>
-                <xsd:element ref="ns2:MarketSpecific" minOccurs="0"/>
-                <xsd:element ref="ns2:LastCompleteVersionLookup" minOccurs="0"/>
-                <xsd:element ref="ns2:LastHandOff" minOccurs="0"/>
-                <xsd:element ref="ns2:LastModifiedDateTime" minOccurs="0"/>
-                <xsd:element ref="ns2:LastPreviewErrorLookup" minOccurs="0"/>
-                <xsd:element ref="ns2:LastPreviewResultLookup" minOccurs="0"/>
-                <xsd:element ref="ns2:LastPreviewAttemptDateLookup" minOccurs="0"/>
-                <xsd:element ref="ns2:LastPreviewedByLookup" minOccurs="0"/>
-                <xsd:element ref="ns2:LastPreviewTimeLookup" minOccurs="0"/>
-                <xsd:element ref="ns2:LastPreviewVersionLookup" minOccurs="0"/>
-                <xsd:element ref="ns2:LastPublishErrorLookup" minOccurs="0"/>
-                <xsd:element ref="ns2:LastPublishResultLookup" minOccurs="0"/>
-                <xsd:element ref="ns2:LastPublishAttemptDateLookup" minOccurs="0"/>
-                <xsd:element ref="ns2:LastPublishedByLookup" minOccurs="0"/>
-                <xsd:element ref="ns2:LastPublishTimeLookup" minOccurs="0"/>
-                <xsd:element ref="ns2:LastPublishVersionLookup" minOccurs="0"/>
-                <xsd:element ref="ns2:TPLaunchHelpLinkType" minOccurs="0"/>
-                <xsd:element ref="ns2:LegacyData" minOccurs="0"/>
-                <xsd:element ref="ns2:TPLaunchHelpLink" minOccurs="0"/>
-                <xsd:element ref="ns2:LocComments" minOccurs="0"/>
-                <xsd:element ref="ns2:LocLastLocAttemptVersionLookup" minOccurs="0"/>
-                <xsd:element ref="ns2:LocLastLocAttemptVersionTypeLookup" minOccurs="0"/>
-                <xsd:element ref="ns2:LocManualTestRequired" minOccurs="0"/>
-                <xsd:element ref="ns2:LocMarketGroupTiers2" minOccurs="0"/>
-                <xsd:element ref="ns2:LocNewPublishedVersionLookup" minOccurs="0"/>
-                <xsd:element ref="ns2:LocOverallHandbackStatusLookup" minOccurs="0"/>
-                <xsd:element ref="ns2:LocOverallLocStatusLookup" minOccurs="0"/>
-                <xsd:element ref="ns2:LocOverallPreviewStatusLookup" minOccurs="0"/>
-                <xsd:element ref="ns2:LocOverallPublishStatusLookup" minOccurs="0"/>
-                <xsd:element ref="ns2:IntlLocPriority" minOccurs="0"/>
-                <xsd:element ref="ns2:LocProcessedForHandoffsLookup" minOccurs="0"/>
-                <xsd:element ref="ns2:LocProcessedForMarketsLookup" minOccurs="0"/>
-                <xsd:element ref="ns2:LocPublishedDependentAssetsLookup" minOccurs="0"/>
-                <xsd:element ref="ns2:LocPublishedLinkedAssetsLookup" minOccurs="0"/>
-                <xsd:element ref="ns2:LocRecommendedHandoff" minOccurs="0"/>
-                <xsd:element ref="ns2:LocalizationTagsTaxHTField0" minOccurs="0"/>
-                <xsd:element ref="ns2:MachineTranslated" minOccurs="0"/>
-                <xsd:element ref="ns2:Manager" minOccurs="0"/>
-                <xsd:element ref="ns2:Markets" minOccurs="0"/>
-                <xsd:element ref="ns2:Milestone" minOccurs="0"/>
-                <xsd:element ref="ns2:TPNamespace" minOccurs="0"/>
-                <xsd:element ref="ns2:NumericId" minOccurs="0"/>
-                <xsd:element ref="ns2:NumOfRatingsLookup" minOccurs="0"/>
-                <xsd:element ref="ns2:OOCacheId" minOccurs="0"/>
-                <xsd:element ref="ns2:OpenTemplate" minOccurs="0"/>
-                <xsd:element ref="ns2:OriginAsset" minOccurs="0"/>
-                <xsd:element ref="ns2:OriginalRelease" minOccurs="0"/>
-                <xsd:element ref="ns2:OriginalSourceMarket" minOccurs="0"/>
-                <xsd:element ref="ns2:OutputCachingOn" minOccurs="0"/>
-                <xsd:element ref="ns2:ParentAssetId" minOccurs="0"/>
-                <xsd:element ref="ns2:PlannedPubDate" minOccurs="0"/>
-                <xsd:element ref="ns2:PolicheckWords" minOccurs="0"/>
-                <xsd:element ref="ns2:BusinessGroup" minOccurs="0"/>
-                <xsd:element ref="ns2:UAProjectedTotalWords" minOccurs="0"/>
-                <xsd:element ref="ns2:Provider" minOccurs="0"/>
-                <xsd:element ref="ns2:Providers" minOccurs="0"/>
-                <xsd:element ref="ns2:PublishStatusLookup" minOccurs="0"/>
-                <xsd:element ref="ns2:PublishTargets" minOccurs="0"/>
-                <xsd:element ref="ns2:RecommendationsModifier" minOccurs="0"/>
-                <xsd:element ref="ns2:ArtSampleDocs" minOccurs="0"/>
-                <xsd:element ref="ns2:ScenarioTagsTaxHTField0" minOccurs="0"/>
-                <xsd:element ref="ns2:ShowIn" minOccurs="0"/>
-                <xsd:element ref="ns2:SourceTitle" minOccurs="0"/>
-                <xsd:element ref="ns2:CSXSubmissionDate" minOccurs="0"/>
-                <xsd:element ref="ns2:SubmitterId" minOccurs="0"/>
-                <xsd:element ref="ns2:TaxCatchAll" minOccurs="0"/>
-                <xsd:element ref="ns2:TaxCatchAllLabel" minOccurs="0"/>
-                <xsd:element ref="ns2:TemplateStatus" minOccurs="0"/>
-                <xsd:element ref="ns2:TemplateTemplateType" minOccurs="0"/>
-                <xsd:element ref="ns2:ThumbnailAssetId" minOccurs="0"/>
-                <xsd:element ref="ns2:TimesCloned" minOccurs="0"/>
-                <xsd:element ref="ns2:TrustLevel" minOccurs="0"/>
-                <xsd:element ref="ns2:UALocComments" minOccurs="0"/>
-                <xsd:element ref="ns2:UALocRecommendation" minOccurs="0"/>
-                <xsd:element ref="ns2:UANotes" minOccurs="0"/>
-                <xsd:element ref="ns2:TPAppVersion" minOccurs="0"/>
-                <xsd:element ref="ns2:VoteCount" minOccurs="0"/>
-                <xsd:element ref="ns3:Description0" minOccurs="0"/>
-                <xsd:element ref="ns3:Component" minOccurs="0"/>
-              </xsd:all>
-            </xsd:complexType>
-          </xsd:element>
-        </xsd:sequence>
-      </xsd:complexType>
-    </xsd:element>
-  </xsd:schema>
-  <xsd:schema xmlns:xsd="http://www.w3.org/2001/XMLSchema" xmlns:xs="http://www.w3.org/2001/XMLSchema" xmlns:dms="http://schemas.microsoft.com/office/2006/documentManagement/types" xmlns:pc="http://schemas.microsoft.com/office/infopath/2007/PartnerControls" targetNamespace="f105ad54-119a-4495-aa55-0e28b6b4ad2f" elementFormDefault="qualified">
-    <xsd:import namespace="http://schemas.microsoft.com/office/2006/documentManagement/types"/>
-    <xsd:import namespace="http://schemas.microsoft.com/office/infopath/2007/PartnerControls"/>
-    <xsd:element name="AcquiredFrom" ma:index="1" nillable="true" ma:displayName="Acquired From" ma:default="Internal MS" ma:internalName="AcquiredFrom" ma:readOnly="false">
-      <xsd:simpleType>
-        <xsd:restriction base="dms:Choice">
-          <xsd:enumeration value="Internal MS"/>
-          <xsd:enumeration value="Community"/>
-          <xsd:enumeration value="MVP"/>
-          <xsd:enumeration value="Publisher"/>
-          <xsd:enumeration value="Partner"/>
-          <xsd:enumeration value="None"/>
-        </xsd:restriction>
-      </xsd:simpleType>
-    </xsd:element>
-    <xsd:element name="UACurrentWords" ma:index="2" nillable="true" ma:displayName="Actual Word Count" ma:default="" ma:internalName="UACurrentWords" ma:readOnly="false">
-      <xsd:simpleType>
-        <xsd:restriction base="dms:Unknown"/>
-      </xsd:simpleType>
-    </xsd:element>
-    <xsd:element name="TPApplication" ma:index="3" nillable="true" ma:displayName="Application to Open Template With" ma:default="" ma:internalName="TPApplication">
-      <xsd:simpleType>
-        <xsd:restriction base="dms:Text"/>
-      </xsd:simpleType>
-    </xsd:element>
-    <xsd:element name="ApprovalLog" ma:index="4" nillable="true" ma:displayName="Approval Log" ma:default="" ma:hidden="true" ma:internalName="ApprovalLog" ma:readOnly="false">
-      <xsd:simpleType>
-        <xsd:restriction base="dms:Note"/>
-      </xsd:simpleType>
-    </xsd:element>
-    <xsd:element name="ApprovalStatus" ma:index="5" nillable="true" ma:displayName="Approval Status" ma:default="InProgress" ma:internalName="ApprovalStatus" ma:readOnly="false">
-      <xsd:simpleType>
-        <xsd:restriction base="dms:Choice">
-          <xsd:enumeration value="InProgress"/>
-          <xsd:enumeration value="Rejected"/>
-          <xsd:enumeration value="Questionable"/>
-          <xsd:enumeration value="ApprovedAutomatic"/>
-          <xsd:enumeration value="ApprovedManual"/>
-          <xsd:enumeration value="On Hold"/>
-          <xsd:enumeration value="Needs Review"/>
-          <xsd:enumeration value="A Violation"/>
-          <xsd:enumeration value="Unpublished Violation"/>
-        </xsd:restriction>
-      </xsd:simpleType>
-    </xsd:element>
-    <xsd:element name="AssetStart" ma:index="6" nillable="true" ma:displayName="Asset Begin Date" ma:default="[Today]" ma:internalName="AssetStart" ma:readOnly="false">
-      <xsd:simpleType>
-        <xsd:restriction base="dms:DateTime"/>
-      </xsd:simpleType>
-    </xsd:element>
-    <xsd:element name="AssetExpire" ma:index="7" nillable="true" ma:displayName="Asset End Date" ma:default="2029-01-01T00:00:00Z" ma:internalName="AssetExpire" ma:readOnly="false">
-      <xsd:simpleType>
-        <xsd:restriction base="dms:DateTime"/>
-      </xsd:simpleType>
-    </xsd:element>
-    <xsd:element name="AssetId" ma:index="8" nillable="true" ma:displayName="Asset ID" ma:default="" ma:indexed="true" ma:internalName="AssetId" ma:readOnly="false">
-      <xsd:simpleType>
-        <xsd:restriction base="dms:Text">
-          <xsd:maxLength value="255"/>
-        </xsd:restriction>
-      </xsd:simpleType>
-    </xsd:element>
-    <xsd:element name="IsSearchable" ma:index="9" nillable="true" ma:displayName="Asset Searchable?" ma:default="true" ma:internalName="IsSearchable" ma:readOnly="false">
-      <xsd:simpleType>
-        <xsd:restriction base="dms:Boolean"/>
-      </xsd:simpleType>
-    </xsd:element>
-    <xsd:element name="AssetType" ma:index="10" nillable="true" ma:displayName="Asset Type" ma:default="" ma:internalName="AssetType" ma:readOnly="false">
-      <xsd:simpleType>
-        <xsd:restriction base="dms:Unknown"/>
-      </xsd:simpleType>
-    </xsd:element>
-    <xsd:element name="APAuthor" ma:index="11" nillable="true" ma:displayName="Author" ma:default="" ma:list="UserInfo" ma:internalName="APAuthor" ma:readOnly="false">
-      <xsd:complexType>
-        <xsd:complexContent>
-          <xsd:extension base="dms:User">
-            <xsd:sequence>
-              <xsd:element name="UserInfo" minOccurs="0" maxOccurs="unbounded">
-                <xsd:complexType>
-                  <xsd:sequence>
-                    <xsd:element name="DisplayName" type="xsd:string" minOccurs="0"/>
-                    <xsd:element name="AccountId" type="dms:UserId" minOccurs="0" nillable="true"/>
-                    <xsd:element name="AccountType" type="xsd:string" minOccurs="0"/>
-                  </xsd:sequence>
-                </xsd:complexType>
-              </xsd:element>
-            </xsd:sequence>
-          </xsd:extension>
-        </xsd:complexContent>
-      </xsd:complexType>
-    </xsd:element>
-    <xsd:element name="AverageRating" ma:index="12" nillable="true" ma:displayName="Average Rating" ma:internalName="AverageRating" ma:readOnly="false">
-      <xsd:simpleType>
-        <xsd:restriction base="dms:Text"/>
-      </xsd:simpleType>
-    </xsd:element>
-    <xsd:element name="BlockPublish" ma:index="13" nillable="true" ma:displayName="Block from Publishing?" ma:default="" ma:internalName="BlockPublish" ma:readOnly="false">
-      <xsd:simpleType>
-        <xsd:restriction base="dms:Boolean"/>
-      </xsd:simpleType>
-    </xsd:element>
-    <xsd:element name="BugNumber" ma:index="14" nillable="true" ma:displayName="Bug Number" ma:default="" ma:internalName="BugNumber" ma:readOnly="false">
-      <xsd:simpleType>
-        <xsd:restriction base="dms:Text"/>
-      </xsd:simpleType>
-    </xsd:element>
-    <xsd:element name="CampaignTagsTaxHTField0" ma:index="16" nillable="true" ma:taxonomy="true" ma:internalName="CampaignTagsTaxHTField0" ma:taxonomyFieldName="CampaignTags" ma:displayName="Campaigns" ma:readOnly="false" ma:default="" ma:fieldId="{fcc66ca1-c804-4edc-95c8-efd5040409e2}" ma:taxonomyMulti="true" ma:sspId="8f79753a-75d3-41f5-8ca3-40b843941b4f" ma:termSetId="ca0e50d4-faa1-44ce-961e-bb1441c60e66" ma:anchorId="00000000-0000-0000-0000-000000000000" ma:open="false" ma:isKeyword="false">
-      <xsd:complexType>
-        <xsd:sequence>
-          <xsd:element ref="pc:Terms" minOccurs="0" maxOccurs="1"/>
-        </xsd:sequence>
-      </xsd:complexType>
-    </xsd:element>
-    <xsd:element name="TPClientViewer" ma:index="17" nillable="true" ma:displayName="Client Viewer" ma:default="" ma:internalName="TPClientViewer">
-      <xsd:simpleType>
-        <xsd:restriction base="dms:Text"/>
-      </xsd:simpleType>
-    </xsd:element>
-    <xsd:element name="ClipArtFilename" ma:index="18" nillable="true" ma:displayName="Clip Art Name" ma:default="" ma:internalName="ClipArtFilename" ma:readOnly="false">
-      <xsd:simpleType>
-        <xsd:restriction base="dms:Text"/>
-      </xsd:simpleType>
-    </xsd:element>
-    <xsd:element name="TPCommandLine" ma:index="19" nillable="true" ma:displayName="Command Line" ma:default="" ma:internalName="TPCommandLine">
-      <xsd:simpleType>
-        <xsd:restriction base="dms:Text"/>
-      </xsd:simpleType>
-    </xsd:element>
-    <xsd:element name="TPComponent" ma:index="20" nillable="true" ma:displayName="Component" ma:default="" ma:internalName="TPComponent">
-      <xsd:simpleType>
-        <xsd:restriction base="dms:Text"/>
-      </xsd:simpleType>
-    </xsd:element>
-    <xsd:element name="ContentItem" ma:index="21" nillable="true" ma:displayName="Content Item" ma:default="" ma:hidden="true" ma:internalName="ContentItem" ma:readOnly="false">
-      <xsd:simpleType>
-        <xsd:restriction base="dms:Unknown"/>
-      </xsd:simpleType>
-    </xsd:element>
-    <xsd:element name="CrawlForDependencies" ma:index="23" nillable="true" ma:displayName="Crawl for Dependencies?" ma:default="true" ma:internalName="CrawlForDependencies" ma:readOnly="false">
-      <xsd:simpleType>
-        <xsd:restriction base="dms:Boolean"/>
-      </xsd:simpleType>
-    </xsd:element>
-    <xsd:element name="CSXHash" ma:index="26" nillable="true" ma:displayName="CSX Hash" ma:default="" ma:indexed="true" ma:internalName="CSXHash" ma:readOnly="false">
-      <xsd:simpleType>
-        <xsd:restriction base="dms:Text"/>
-      </xsd:simpleType>
-    </xsd:element>
-    <xsd:element name="CSXSubmissionMarket" ma:index="27" nillable="true" ma:displayName="CSX Submission Market" ma:default="" ma:list="{77ED1C39-458B-43CB-92CF-2BB5034D6716}" ma:internalName="CSXSubmissionMarket" ma:readOnly="false" ma:showField="MarketName" ma:web="f105ad54-119a-4495-aa55-0e28b6b4ad2f">
-      <xsd:simpleType>
-        <xsd:restriction base="dms:Lookup"/>
-      </xsd:simpleType>
-    </xsd:element>
-    <xsd:element name="CSXUpdate" ma:index="28" nillable="true" ma:displayName="CSX Updated?" ma:default="false" ma:internalName="CSXUpdate" ma:readOnly="false">
-      <xsd:simpleType>
-        <xsd:restriction base="dms:Boolean"/>
-      </xsd:simpleType>
-    </xsd:element>
-    <xsd:element name="IntlLangReviewDate" ma:index="29" nillable="true" ma:displayName="Date to Complete Intl QA" ma:default="" ma:internalName="IntlLangReviewDate" ma:readOnly="false">
-      <xsd:simpleType>
-        <xsd:restriction base="dms:DateTime"/>
-      </xsd:simpleType>
-    </xsd:element>
-    <xsd:element name="IsDeleted" ma:index="30" nillable="true" ma:displayName="Deleted?" ma:default="" ma:internalName="IsDeleted" ma:readOnly="false">
-      <xsd:simpleType>
-        <xsd:restriction base="dms:Boolean"/>
-      </xsd:simpleType>
-    </xsd:element>
-    <xsd:element name="APDescription" ma:index="31" nillable="true" ma:displayName="Description" ma:default="" ma:internalName="APDescription" ma:readOnly="false">
-      <xsd:simpleType>
-        <xsd:restriction base="dms:Note"/>
-      </xsd:simpleType>
-    </xsd:element>
-    <xsd:element name="DirectSourceMarket" ma:index="32" nillable="true" ma:displayName="Direct Source Market Group" ma:default="" ma:internalName="DirectSourceMarket" ma:readOnly="false">
-      <xsd:simpleType>
-        <xsd:restriction base="dms:Text"/>
-      </xsd:simpleType>
-    </xsd:element>
-    <xsd:element name="Downloads" ma:index="33" nillable="true" ma:displayName="Downloads" ma:default="0" ma:hidden="true" ma:internalName="Downloads" ma:readOnly="false">
-      <xsd:simpleType>
-        <xsd:restriction base="dms:Unknown"/>
-      </xsd:simpleType>
-    </xsd:element>
-    <xsd:element name="DSATActionTaken" ma:index="34" nillable="true" ma:displayName="DSAT Action Taken" ma:default="" ma:internalName="DSATActionTaken" ma:readOnly="false">
-      <xsd:simpleType>
-        <xsd:restriction base="dms:Choice">
-          <xsd:enumeration value="Best Bets"/>
-          <xsd:enumeration value="Expire"/>
-          <xsd:enumeration value="Hide"/>
-          <xsd:enumeration value="None"/>
-        </xsd:restriction>
-      </xsd:simpleType>
-    </xsd:element>
-    <xsd:element name="APEditor" ma:index="35" nillable="true" ma:displayName="Editor" ma:default="" ma:list="UserInfo" ma:internalName="APEditor" ma:readOnly="false">
-      <xsd:complexType>
-        <xsd:complexContent>
-          <xsd:extension base="dms:User">
-            <xsd:sequence>
-              <xsd:element name="UserInfo" minOccurs="0" maxOccurs="unbounded">
-                <xsd:complexType>
-                  <xsd:sequence>
-                    <xsd:element name="DisplayName" type="xsd:string" minOccurs="0"/>
-                    <xsd:element name="AccountId" type="dms:UserId" minOccurs="0" nillable="true"/>
-                    <xsd:element name="AccountType" type="xsd:string" minOccurs="0"/>
-                  </xsd:sequence>
-                </xsd:complexType>
-              </xsd:element>
-            </xsd:sequence>
-          </xsd:extension>
-        </xsd:complexContent>
-      </xsd:complexType>
-    </xsd:element>
-    <xsd:element name="EditorialStatus" ma:index="36" nillable="true" ma:displayName="Editorial Status" ma:default="" ma:internalName="EditorialStatus" ma:readOnly="false">
-      <xsd:simpleType>
-        <xsd:restriction base="dms:Unknown"/>
-      </xsd:simpleType>
-    </xsd:element>
-    <xsd:element name="EditorialTags" ma:index="37" nillable="true" ma:displayName="Editorial Tags" ma:default="" ma:internalName="EditorialTags">
-      <xsd:simpleType>
-        <xsd:restriction base="dms:Unknown"/>
-      </xsd:simpleType>
-    </xsd:element>
-    <xsd:element name="TPExecutable" ma:index="38" nillable="true" ma:displayName="Executable" ma:default="" ma:internalName="TPExecutable">
-      <xsd:simpleType>
-        <xsd:restriction base="dms:Text"/>
-      </xsd:simpleType>
-    </xsd:element>
-    <xsd:element name="FeatureTagsTaxHTField0" ma:index="40" nillable="true" ma:taxonomy="true" ma:internalName="FeatureTagsTaxHTField0" ma:taxonomyFieldName="FeatureTags" ma:displayName="Features" ma:readOnly="false" ma:default="" ma:fieldId="{6cd481e8-ffbe-48c6-a0d2-a06a66f62d0e}" ma:taxonomyMulti="true" ma:sspId="8f79753a-75d3-41f5-8ca3-40b843941b4f" ma:termSetId="f1ab6845-967d-4854-a0ba-4ec07f0f8113" ma:anchorId="00000000-0000-0000-0000-000000000000" ma:open="false" ma:isKeyword="false">
-      <xsd:complexType>
-        <xsd:sequence>
-          <xsd:element ref="pc:Terms" minOccurs="0" maxOccurs="1"/>
-        </xsd:sequence>
-      </xsd:complexType>
-    </xsd:element>
-    <xsd:element name="TPFriendlyName" ma:index="41" nillable="true" ma:displayName="Friendly Name" ma:default="" ma:internalName="TPFriendlyName">
-      <xsd:simpleType>
-        <xsd:restriction base="dms:Text"/>
-      </xsd:simpleType>
-    </xsd:element>
-    <xsd:element name="FriendlyTitle" ma:index="42" nillable="true" ma:displayName="Friendly Title" ma:default="" ma:description="Shorter title to be used when displaying search results" ma:internalName="FriendlyTitle" ma:readOnly="false">
-      <xsd:simpleType>
-        <xsd:restriction base="dms:Text"/>
-      </xsd:simpleType>
-    </xsd:element>
-    <xsd:element name="PrimaryImageGen" ma:index="43" nillable="true" ma:displayName="Generate Images?" ma:default="true" ma:internalName="PrimaryImageGen">
-      <xsd:simpleType>
-        <xsd:restriction base="dms:Boolean"/>
-      </xsd:simpleType>
-    </xsd:element>
-    <xsd:element name="HandoffToMSDN" ma:index="44" nillable="true" ma:displayName="Handoff To MSDN Date" ma:default="" ma:internalName="HandoffToMSDN" ma:readOnly="false">
-      <xsd:simpleType>
-        <xsd:restriction base="dms:DateTime"/>
-      </xsd:simpleType>
-    </xsd:element>
-    <xsd:element name="InProjectListLookup" ma:index="45" nillable="true" ma:displayName="InProjectListLookup" ma:list="{48E76E2C-5BED-4E0E-9D91-D053B66F5ED2}" ma:internalName="InProjectListLookup" ma:readOnly="true" ma:showField="InProjectList" ma:web="f105ad54-119a-4495-aa55-0e28b6b4ad2f">
-      <xsd:complexType>
-        <xsd:complexContent>
-          <xsd:extension base="dms:MultiChoiceLookup">
-            <xsd:sequence>
-              <xsd:element name="Value" type="dms:Lookup" maxOccurs="unbounded" minOccurs="0" nillable="true"/>
-            </xsd:sequence>
-          </xsd:extension>
-        </xsd:complexContent>
-      </xsd:complexType>
-    </xsd:element>
-    <xsd:element name="TPInstallLocation" ma:index="46" nillable="true" ma:displayName="Install Location" ma:default="" ma:internalName="TPInstallLocation">
-      <xsd:simpleType>
-        <xsd:restriction base="dms:Text"/>
-      </xsd:simpleType>
-    </xsd:element>
-    <xsd:element name="InternalTagsTaxHTField0" ma:index="48" nillable="true" ma:taxonomy="true" ma:internalName="InternalTagsTaxHTField0" ma:taxonomyFieldName="InternalTags" ma:displayName="Internal Tags" ma:readOnly="false" ma:default="" ma:fieldId="{49953ee0-cdd8-4a42-ac76-36ba2a8fee2f}" ma:taxonomyMulti="true" ma:sspId="8f79753a-75d3-41f5-8ca3-40b843941b4f" ma:termSetId="82b6639e-f7fc-4c18-ad2d-003a6e707765" ma:anchorId="00000000-0000-0000-0000-000000000000" ma:open="false" ma:isKeyword="false">
-      <xsd:complexType>
-        <xsd:sequence>
-          <xsd:element ref="pc:Terms" minOccurs="0" maxOccurs="1"/>
-        </xsd:sequence>
-      </xsd:complexType>
-    </xsd:element>
-    <xsd:element name="IntlLangReview" ma:index="49" nillable="true" ma:displayName="Intl Lang QA Review Required?" ma:default="" ma:internalName="IntlLangReview" ma:readOnly="false">
-      <xsd:simpleType>
-        <xsd:restriction base="dms:Boolean"/>
-      </xsd:simpleType>
-    </xsd:element>
-    <xsd:element name="IntlLangReviewer" ma:index="50" nillable="true" ma:displayName="Intl Lang QA Reviewer" ma:default="" ma:internalName="IntlLangReviewer" ma:readOnly="false">
-      <xsd:simpleType>
-        <xsd:restriction base="dms:Text"/>
-      </xsd:simpleType>
-    </xsd:element>
-    <xsd:element name="MarketSpecific" ma:index="51" nillable="true" ma:displayName="Is Market Specific?" ma:default="" ma:internalName="MarketSpecific" ma:readOnly="false">
-      <xsd:simpleType>
-        <xsd:restriction base="dms:Boolean"/>
-      </xsd:simpleType>
-    </xsd:element>
-    <xsd:element name="LastCompleteVersionLookup" ma:index="52" nillable="true" ma:displayName="Last Complete Version Lookup" ma:default="" ma:list="{48E76E2C-5BED-4E0E-9D91-D053B66F5ED2}" ma:internalName="LastCompleteVersionLookup" ma:readOnly="true" ma:showField="LastCompleteVersion" ma:web="f105ad54-119a-4495-aa55-0e28b6b4ad2f">
-      <xsd:complexType>
-        <xsd:complexContent>
-          <xsd:extension base="dms:MultiChoiceLookup">
-            <xsd:sequence>
-              <xsd:element name="Value" type="dms:Lookup" maxOccurs="unbounded" minOccurs="0" nillable="true"/>
-            </xsd:sequence>
-          </xsd:extension>
-        </xsd:complexContent>
-      </xsd:complexType>
-    </xsd:element>
-    <xsd:element name="LastHandOff" ma:index="53" nillable="true" ma:displayName="Last Hand-off" ma:default="" ma:internalName="LastHandOff" ma:readOnly="false">
-      <xsd:simpleType>
-        <xsd:restriction base="dms:DateTime"/>
-      </xsd:simpleType>
-    </xsd:element>
-    <xsd:element name="LastModifiedDateTime" ma:index="54" nillable="true" ma:displayName="Last Modified Date" ma:default="" ma:internalName="LastModifiedDateTime" ma:readOnly="false">
-      <xsd:simpleType>
-        <xsd:restriction base="dms:DateTime"/>
-      </xsd:simpleType>
-    </xsd:element>
-    <xsd:element name="LastPreviewErrorLookup" ma:index="55" nillable="true" ma:displayName="Last Preview Attempt Error" ma:default="" ma:list="{48E76E2C-5BED-4E0E-9D91-D053B66F5ED2}" ma:internalName="LastPreviewErrorLookup" ma:readOnly="true" ma:showField="LastPreviewError" ma:web="f105ad54-119a-4495-aa55-0e28b6b4ad2f">
-      <xsd:complexType>
-        <xsd:complexContent>
-          <xsd:extension base="dms:MultiChoiceLookup">
-            <xsd:sequence>
-              <xsd:element name="Value" type="dms:Lookup" maxOccurs="unbounded" minOccurs="0" nillable="true"/>
-            </xsd:sequence>
-          </xsd:extension>
-        </xsd:complexContent>
-      </xsd:complexType>
-    </xsd:element>
-    <xsd:element name="LastPreviewResultLookup" ma:index="56" nillable="true" ma:displayName="Last Preview Attempt Result" ma:default="" ma:list="{48E76E2C-5BED-4E0E-9D91-D053B66F5ED2}" ma:internalName="LastPreviewResultLookup" ma:readOnly="true" ma:showField="LastPreviewResult" ma:web="f105ad54-119a-4495-aa55-0e28b6b4ad2f">
-      <xsd:complexType>
-        <xsd:complexContent>
-          <xsd:extension base="dms:MultiChoiceLookup">
-            <xsd:sequence>
-              <xsd:element name="Value" type="dms:Lookup" maxOccurs="unbounded" minOccurs="0" nillable="true"/>
-            </xsd:sequence>
-          </xsd:extension>
-        </xsd:complexContent>
-      </xsd:complexType>
-    </xsd:element>
-    <xsd:element name="LastPreviewAttemptDateLookup" ma:index="57" nillable="true" ma:displayName="Last Preview Attempted On" ma:default="" ma:list="{48E76E2C-5BED-4E0E-9D91-D053B66F5ED2}" ma:internalName="LastPreviewAttemptDateLookup" ma:readOnly="true" ma:showField="LastPreviewAttemptDate" ma:web="f105ad54-119a-4495-aa55-0e28b6b4ad2f">
-      <xsd:complexType>
-        <xsd:complexContent>
-          <xsd:extension base="dms:MultiChoiceLookup">
-            <xsd:sequence>
-              <xsd:element name="Value" type="dms:Lookup" maxOccurs="unbounded" minOccurs="0" nillable="true"/>
-            </xsd:sequence>
-          </xsd:extension>
-        </xsd:complexContent>
-      </xsd:complexType>
-    </xsd:element>
-    <xsd:element name="LastPreviewedByLookup" ma:index="58" nillable="true" ma:displayName="Last Previewed By" ma:default="" ma:list="{48E76E2C-5BED-4E0E-9D91-D053B66F5ED2}" ma:internalName="LastPreviewedByLookup" ma:readOnly="true" ma:showField="LastPreviewedBy" ma:web="f105ad54-119a-4495-aa55-0e28b6b4ad2f">
-      <xsd:complexType>
-        <xsd:complexContent>
-          <xsd:extension base="dms:MultiChoiceLookup">
-            <xsd:sequence>
-              <xsd:element name="Value" type="dms:Lookup" maxOccurs="unbounded" minOccurs="0" nillable="true"/>
-            </xsd:sequence>
-          </xsd:extension>
-        </xsd:complexContent>
-      </xsd:complexType>
-    </xsd:element>
-    <xsd:element name="LastPreviewTimeLookup" ma:index="59" nillable="true" ma:displayName="Last Previewed Date" ma:default="" ma:list="{48E76E2C-5BED-4E0E-9D91-D053B66F5ED2}" ma:internalName="LastPreviewTimeLookup" ma:readOnly="true" ma:showField="LastPreviewTime" ma:web="f105ad54-119a-4495-aa55-0e28b6b4ad2f">
-      <xsd:complexType>
-        <xsd:complexContent>
-          <xsd:extension base="dms:MultiChoiceLookup">
-            <xsd:sequence>
-              <xsd:element name="Value" type="dms:Lookup" maxOccurs="unbounded" minOccurs="0" nillable="true"/>
-            </xsd:sequence>
-          </xsd:extension>
-        </xsd:complexContent>
-      </xsd:complexType>
-    </xsd:element>
-    <xsd:element name="LastPreviewVersionLookup" ma:index="60" nillable="true" ma:displayName="Last Previewed Version" ma:default="" ma:list="{48E76E2C-5BED-4E0E-9D91-D053B66F5ED2}" ma:internalName="LastPreviewVersionLookup" ma:readOnly="true" ma:showField="LastPreviewVersion" ma:web="f105ad54-119a-4495-aa55-0e28b6b4ad2f">
-      <xsd:complexType>
-        <xsd:complexContent>
-          <xsd:extension base="dms:MultiChoiceLookup">
-            <xsd:sequence>
-              <xsd:element name="Value" type="dms:Lookup" maxOccurs="unbounded" minOccurs="0" nillable="true"/>
-            </xsd:sequence>
-          </xsd:extension>
-        </xsd:complexContent>
-      </xsd:complexType>
-    </xsd:element>
-    <xsd:element name="LastPublishErrorLookup" ma:index="61" nillable="true" ma:displayName="Last Publish Attempt Error" ma:default="" ma:list="{48E76E2C-5BED-4E0E-9D91-D053B66F5ED2}" ma:internalName="LastPublishErrorLookup" ma:readOnly="true" ma:showField="LastPublishError" ma:web="f105ad54-119a-4495-aa55-0e28b6b4ad2f">
-      <xsd:complexType>
-        <xsd:complexContent>
-          <xsd:extension base="dms:MultiChoiceLookup">
-            <xsd:sequence>
-              <xsd:element name="Value" type="dms:Lookup" maxOccurs="unbounded" minOccurs="0" nillable="true"/>
-            </xsd:sequence>
-          </xsd:extension>
-        </xsd:complexContent>
-      </xsd:complexType>
-    </xsd:element>
-    <xsd:element name="LastPublishResultLookup" ma:index="62" nillable="true" ma:displayName="Last Publish Attempt Result" ma:default="" ma:list="{48E76E2C-5BED-4E0E-9D91-D053B66F5ED2}" ma:internalName="LastPublishResultLookup" ma:readOnly="true" ma:showField="LastPublishResult" ma:web="f105ad54-119a-4495-aa55-0e28b6b4ad2f">
-      <xsd:complexType>
-        <xsd:complexContent>
-          <xsd:extension base="dms:MultiChoiceLookup">
-            <xsd:sequence>
-              <xsd:element name="Value" type="dms:Lookup" maxOccurs="unbounded" minOccurs="0" nillable="true"/>
-            </xsd:sequence>
-          </xsd:extension>
-        </xsd:complexContent>
-      </xsd:complexType>
-    </xsd:element>
-    <xsd:element name="LastPublishAttemptDateLookup" ma:index="63" nillable="true" ma:displayName="Last Publish Attempted On" ma:default="" ma:list="{48E76E2C-5BED-4E0E-9D91-D053B66F5ED2}" ma:internalName="LastPublishAttemptDateLookup" ma:readOnly="true" ma:showField="LastPublishAttemptDate" ma:web="f105ad54-119a-4495-aa55-0e28b6b4ad2f">
-      <xsd:complexType>
-        <xsd:complexContent>
-          <xsd:extension base="dms:MultiChoiceLookup">
-            <xsd:sequence>
-              <xsd:element name="Value" type="dms:Lookup" maxOccurs="unbounded" minOccurs="0" nillable="true"/>
-            </xsd:sequence>
-          </xsd:extension>
-        </xsd:complexContent>
-      </xsd:complexType>
-    </xsd:element>
-    <xsd:element name="LastPublishedByLookup" ma:index="64" nillable="true" ma:displayName="Last Published By" ma:default="" ma:list="{48E76E2C-5BED-4E0E-9D91-D053B66F5ED2}" ma:internalName="LastPublishedByLookup" ma:readOnly="true" ma:showField="LastPublishedBy" ma:web="f105ad54-119a-4495-aa55-0e28b6b4ad2f">
-      <xsd:complexType>
-        <xsd:complexContent>
-          <xsd:extension base="dms:MultiChoiceLookup">
-            <xsd:sequence>
-              <xsd:element name="Value" type="dms:Lookup" maxOccurs="unbounded" minOccurs="0" nillable="true"/>
-            </xsd:sequence>
-          </xsd:extension>
-        </xsd:complexContent>
-      </xsd:complexType>
-    </xsd:element>
-    <xsd:element name="LastPublishTimeLookup" ma:index="65" nillable="true" ma:displayName="Last Published Date" ma:default="" ma:list="{48E76E2C-5BED-4E0E-9D91-D053B66F5ED2}" ma:internalName="LastPublishTimeLookup" ma:readOnly="true" ma:showField="LastPublishTime" ma:web="f105ad54-119a-4495-aa55-0e28b6b4ad2f">
-      <xsd:complexType>
-        <xsd:complexContent>
-          <xsd:extension base="dms:MultiChoiceLookup">
-            <xsd:sequence>
-              <xsd:element name="Value" type="dms:Lookup" maxOccurs="unbounded" minOccurs="0" nillable="true"/>
-            </xsd:sequence>
-          </xsd:extension>
-        </xsd:complexContent>
-      </xsd:complexType>
-    </xsd:element>
-    <xsd:element name="LastPublishVersionLookup" ma:index="66" nillable="true" ma:displayName="Last Published Version" ma:default="" ma:list="{48E76E2C-5BED-4E0E-9D91-D053B66F5ED2}" ma:internalName="LastPublishVersionLookup" ma:readOnly="true" ma:showField="LastPublishVersion" ma:web="f105ad54-119a-4495-aa55-0e28b6b4ad2f">
-      <xsd:complexType>
-        <xsd:complexContent>
-          <xsd:extension base="dms:MultiChoiceLookup">
-            <xsd:sequence>
-              <xsd:element name="Value" type="dms:Lookup" maxOccurs="unbounded" minOccurs="0" nillable="true"/>
-            </xsd:sequence>
-          </xsd:extension>
-        </xsd:complexContent>
-      </xsd:complexType>
-    </xsd:element>
-    <xsd:element name="TPLaunchHelpLinkType" ma:index="67" nillable="true" ma:displayName="Launch Help Link Type" ma:default="Template" ma:internalName="TPLaunchHelpLinkType">
-      <xsd:simpleType>
-        <xsd:restriction base="dms:Choice">
-          <xsd:enumeration value="Template"/>
-          <xsd:enumeration value="Training"/>
-          <xsd:enumeration value="URL"/>
-          <xsd:enumeration value="None"/>
-        </xsd:restriction>
-      </xsd:simpleType>
-    </xsd:element>
-    <xsd:element name="LegacyData" ma:index="68" nillable="true" ma:displayName="Legacy Data" ma:default="" ma:internalName="LegacyData" ma:readOnly="false">
-      <xsd:simpleType>
-        <xsd:restriction base="dms:Note"/>
-      </xsd:simpleType>
-    </xsd:element>
-    <xsd:element name="TPLaunchHelpLink" ma:index="69" nillable="true" ma:displayName="Link to Launch Help Topic" ma:default="" ma:internalName="TPLaunchHelpLink">
-      <xsd:simpleType>
-        <xsd:restriction base="dms:Text"/>
-      </xsd:simpleType>
-    </xsd:element>
-    <xsd:element name="LocComments" ma:index="70" nillable="true" ma:displayName="Loc Approval Comments" ma:default="" ma:internalName="LocComments" ma:readOnly="false">
-      <xsd:simpleType>
-        <xsd:restriction base="dms:Note"/>
-      </xsd:simpleType>
-    </xsd:element>
-    <xsd:element name="LocLastLocAttemptVersionLookup" ma:index="71" nillable="true" ma:displayName="Loc Last Loc Attempt Version" ma:default="" ma:list="{F611A6F9-FC3A-482F-805C-5B55AA6502C0}" ma:internalName="LocLastLocAttemptVersionLookup" ma:readOnly="false" ma:showField="LastLocAttemptVersion" ma:web="f105ad54-119a-4495-aa55-0e28b6b4ad2f">
-      <xsd:simpleType>
-        <xsd:restriction base="dms:Lookup"/>
-      </xsd:simpleType>
-    </xsd:element>
-    <xsd:element name="LocLastLocAttemptVersionTypeLookup" ma:index="72" nillable="true" ma:displayName="Loc Last Loc Attempt Version Type" ma:default="" ma:list="{F611A6F9-FC3A-482F-805C-5B55AA6502C0}" ma:internalName="LocLastLocAttemptVersionTypeLookup" ma:readOnly="true" ma:showField="LastLocAttemptVersionType" ma:web="f105ad54-119a-4495-aa55-0e28b6b4ad2f">
-      <xsd:simpleType>
-        <xsd:restriction base="dms:Lookup"/>
-      </xsd:simpleType>
-    </xsd:element>
-    <xsd:element name="LocManualTestRequired" ma:index="73" nillable="true" ma:displayName="Loc Manual Test Required" ma:default="" ma:internalName="LocManualTestRequired" ma:readOnly="false">
-      <xsd:simpleType>
-        <xsd:restriction base="dms:Boolean"/>
-      </xsd:simpleType>
-    </xsd:element>
-    <xsd:element name="LocMarketGroupTiers2" ma:index="74" nillable="true" ma:displayName="Loc Market Group Tiers" ma:internalName="LocMarketGroupTiers2" ma:readOnly="false">
-      <xsd:simpleType>
-        <xsd:restriction base="dms:Unknown"/>
-      </xsd:simpleType>
-    </xsd:element>
-    <xsd:element name="LocNewPublishedVersionLookup" ma:index="75" nillable="true" ma:displayName="Loc New Published Version Lookup" ma:default="" ma:list="{F611A6F9-FC3A-482F-805C-5B55AA6502C0}" ma:internalName="LocNewPublishedVersionLookup" ma:readOnly="true" ma:showField="NewPublishedVersion" ma:web="f105ad54-119a-4495-aa55-0e28b6b4ad2f">
-      <xsd:simpleType>
-        <xsd:restriction base="dms:Lookup"/>
-      </xsd:simpleType>
-    </xsd:element>
-    <xsd:element name="LocOverallHandbackStatusLookup" ma:index="76" nillable="true" ma:displayName="Loc Overall Handback Status" ma:default="" ma:list="{F611A6F9-FC3A-482F-805C-5B55AA6502C0}" ma:internalName="LocOverallHandbackStatusLookup" ma:readOnly="true" ma:showField="OverallHandbackStatus" ma:web="f105ad54-119a-4495-aa55-0e28b6b4ad2f">
-      <xsd:simpleType>
-        <xsd:restriction base="dms:Lookup"/>
-      </xsd:simpleType>
-    </xsd:element>
-    <xsd:element name="LocOverallLocStatusLookup" ma:index="77" nillable="true" ma:displayName="Loc Overall Localize Status" ma:default="" ma:list="{F611A6F9-FC3A-482F-805C-5B55AA6502C0}" ma:internalName="LocOverallLocStatusLookup" ma:readOnly="true" ma:showField="OverallLocStatus" ma:web="f105ad54-119a-4495-aa55-0e28b6b4ad2f">
-      <xsd:simpleType>
-        <xsd:restriction base="dms:Lookup"/>
-      </xsd:simpleType>
-    </xsd:element>
-    <xsd:element name="LocOverallPreviewStatusLookup" ma:index="78" nillable="true" ma:displayName="Loc Overall Preview Status" ma:default="" ma:list="{F611A6F9-FC3A-482F-805C-5B55AA6502C0}" ma:internalName="LocOverallPreviewStatusLookup" ma:readOnly="true" ma:showField="OverallPreviewStatus" ma:web="f105ad54-119a-4495-aa55-0e28b6b4ad2f">
-      <xsd:simpleType>
-        <xsd:restriction base="dms:Lookup"/>
-      </xsd:simpleType>
-    </xsd:element>
-    <xsd:element name="LocOverallPublishStatusLookup" ma:index="79" nillable="true" ma:displayName="Loc Overall Publish Status" ma:default="" ma:list="{F611A6F9-FC3A-482F-805C-5B55AA6502C0}" ma:internalName="LocOverallPublishStatusLookup" ma:readOnly="true" ma:showField="OverallPublishStatus" ma:web="f105ad54-119a-4495-aa55-0e28b6b4ad2f">
-      <xsd:simpleType>
-        <xsd:restriction base="dms:Lookup"/>
-      </xsd:simpleType>
-    </xsd:element>
-    <xsd:element name="IntlLocPriority" ma:index="80" nillable="true" ma:displayName="Loc Priority" ma:default="" ma:internalName="IntlLocPriority" ma:readOnly="false">
-      <xsd:simpleType>
-        <xsd:restriction base="dms:Unknown"/>
-      </xsd:simpleType>
-    </xsd:element>
-    <xsd:element name="LocProcessedForHandoffsLookup" ma:index="81" nillable="true" ma:displayName="Loc Processed For Handoffs" ma:default="" ma:list="{F611A6F9-FC3A-482F-805C-5B55AA6502C0}" ma:internalName="LocProcessedForHandoffsLookup" ma:readOnly="true" ma:showField="ProcessedForHandoffs" ma:web="f105ad54-119a-4495-aa55-0e28b6b4ad2f">
-      <xsd:simpleType>
-        <xsd:restriction base="dms:Lookup"/>
-      </xsd:simpleType>
-    </xsd:element>
-    <xsd:element name="LocProcessedForMarketsLookup" ma:index="82" nillable="true" ma:displayName="Loc Processed For Markets" ma:default="" ma:list="{F611A6F9-FC3A-482F-805C-5B55AA6502C0}" ma:internalName="LocProcessedForMarketsLookup" ma:readOnly="true" ma:showField="ProcessedForMarkets" ma:web="f105ad54-119a-4495-aa55-0e28b6b4ad2f">
-      <xsd:simpleType>
-        <xsd:restriction base="dms:Lookup"/>
-      </xsd:simpleType>
-    </xsd:element>
-    <xsd:element name="LocPublishedDependentAssetsLookup" ma:index="83" nillable="true" ma:displayName="Loc Published Dependent Assets" ma:default="" ma:list="{F611A6F9-FC3A-482F-805C-5B55AA6502C0}" ma:internalName="LocPublishedDependentAssetsLookup" ma:readOnly="true" ma:showField="PublishedDependentAssets" ma:web="f105ad54-119a-4495-aa55-0e28b6b4ad2f">
-      <xsd:simpleType>
-        <xsd:restriction base="dms:Lookup"/>
-      </xsd:simpleType>
-    </xsd:element>
-    <xsd:element name="LocPublishedLinkedAssetsLookup" ma:index="84" nillable="true" ma:displayName="Loc Published Linked Assets" ma:default="" ma:list="{F611A6F9-FC3A-482F-805C-5B55AA6502C0}" ma:internalName="LocPublishedLinkedAssetsLookup" ma:readOnly="true" ma:showField="PublishedLinkedAssets" ma:web="f105ad54-119a-4495-aa55-0e28b6b4ad2f">
-      <xsd:simpleType>
-        <xsd:restriction base="dms:Lookup"/>
-      </xsd:simpleType>
-    </xsd:element>
-    <xsd:element name="LocRecommendedHandoff" ma:index="85" nillable="true" ma:displayName="Loc Recommended Handoff" ma:default="" ma:indexed="true" ma:internalName="LocRecommendedHandoff" ma:readOnly="false">
-      <xsd:simpleType>
-        <xsd:restriction base="dms:Text"/>
-      </xsd:simpleType>
-    </xsd:element>
-    <xsd:element name="LocalizationTagsTaxHTField0" ma:index="87" nillable="true" ma:taxonomy="true" ma:internalName="LocalizationTagsTaxHTField0" ma:taxonomyFieldName="LocalizationTags" ma:displayName="Localization Tags" ma:readOnly="false" ma:default="" ma:fieldId="{e3ccb7f3-e095-4e60-89e4-99358a9e407b}" ma:taxonomyMulti="true" ma:sspId="8f79753a-75d3-41f5-8ca3-40b843941b4f" ma:termSetId="5b7703a5-8e8b-4b58-8b31-1cea35331da3" ma:anchorId="00000000-0000-0000-0000-000000000000" ma:open="false" ma:isKeyword="false">
-      <xsd:complexType>
-        <xsd:sequence>
-          <xsd:element ref="pc:Terms" minOccurs="0" maxOccurs="1"/>
-        </xsd:sequence>
-      </xsd:complexType>
-    </xsd:element>
-    <xsd:element name="MachineTranslated" ma:index="88" nillable="true" ma:displayName="Machine Translated" ma:default="" ma:internalName="MachineTranslated" ma:readOnly="false">
-      <xsd:simpleType>
-        <xsd:restriction base="dms:Boolean"/>
-      </xsd:simpleType>
-    </xsd:element>
-    <xsd:element name="Manager" ma:index="89" nillable="true" ma:displayName="Manager" ma:hidden="true" ma:internalName="Manager" ma:readOnly="false">
-      <xsd:simpleType>
-        <xsd:restriction base="dms:Text"/>
-      </xsd:simpleType>
-    </xsd:element>
-    <xsd:element name="Markets" ma:index="90" nillable="true" ma:displayName="Markets" ma:default="" ma:description="Leave blank to show in all markets" ma:list="{77ED1C39-458B-43CB-92CF-2BB5034D6716}" ma:internalName="Markets" ma:readOnly="false" ma:showField="MarketName" ma:web="f105ad54-119a-4495-aa55-0e28b6b4ad2f">
-      <xsd:complexType>
-        <xsd:complexContent>
-          <xsd:extension base="dms:MultiChoiceLookup">
-            <xsd:sequence>
-              <xsd:element name="Value" type="dms:Lookup" maxOccurs="unbounded" minOccurs="0" nillable="true"/>
-            </xsd:sequence>
-          </xsd:extension>
-        </xsd:complexContent>
-      </xsd:complexType>
-    </xsd:element>
-    <xsd:element name="Milestone" ma:index="91" nillable="true" ma:displayName="Milestone" ma:default="" ma:internalName="Milestone" ma:readOnly="false">
-      <xsd:simpleType>
-        <xsd:restriction base="dms:Unknown"/>
-      </xsd:simpleType>
-    </xsd:element>
-    <xsd:element name="TPNamespace" ma:index="94" nillable="true" ma:displayName="Namespace" ma:default="" ma:internalName="TPNamespace">
-      <xsd:simpleType>
-        <xsd:restriction base="dms:Text"/>
-      </xsd:simpleType>
-    </xsd:element>
-    <xsd:element name="NumericId" ma:index="95" nillable="true" ma:displayName="Numeric ID" ma:default="" ma:indexed="true" ma:internalName="NumericId" ma:readOnly="false">
-      <xsd:simpleType>
-        <xsd:restriction base="dms:Number"/>
-      </xsd:simpleType>
-    </xsd:element>
-    <xsd:element name="NumOfRatingsLookup" ma:index="96" nillable="true" ma:displayName="NumOfRatings" ma:default="" ma:list="{48E76E2C-5BED-4E0E-9D91-D053B66F5ED2}" ma:internalName="NumOfRatingsLookup" ma:readOnly="true" ma:showField="NumOfRatings" ma:web="f105ad54-119a-4495-aa55-0e28b6b4ad2f">
-      <xsd:complexType>
-        <xsd:complexContent>
-          <xsd:extension base="dms:MultiChoiceLookup">
-            <xsd:sequence>
-              <xsd:element name="Value" type="dms:Lookup" maxOccurs="unbounded" minOccurs="0" nillable="true"/>
-            </xsd:sequence>
-          </xsd:extension>
-        </xsd:complexContent>
-      </xsd:complexType>
-    </xsd:element>
-    <xsd:element name="OOCacheId" ma:index="97" nillable="true" ma:displayName="OOCacheId" ma:internalName="OOCacheId" ma:readOnly="false">
-      <xsd:simpleType>
-        <xsd:restriction base="dms:Text"/>
-      </xsd:simpleType>
-    </xsd:element>
-    <xsd:element name="OpenTemplate" ma:index="98" nillable="true" ma:displayName="Open Template" ma:default="true" ma:internalName="OpenTemplate">
-      <xsd:simpleType>
-        <xsd:restriction base="dms:Boolean"/>
-      </xsd:simpleType>
-    </xsd:element>
-    <xsd:element name="OriginAsset" ma:index="99" nillable="true" ma:displayName="Origin Asset" ma:default="" ma:internalName="OriginAsset" ma:readOnly="false">
-      <xsd:simpleType>
-        <xsd:restriction base="dms:Text"/>
-      </xsd:simpleType>
-    </xsd:element>
-    <xsd:element name="OriginalRelease" ma:index="100" nillable="true" ma:displayName="Original Release" ma:default="15" ma:internalName="OriginalRelease" ma:readOnly="false">
-      <xsd:simpleType>
-        <xsd:restriction base="dms:Choice">
-          <xsd:enumeration value="14"/>
-          <xsd:enumeration value="15"/>
-          <xsd:enumeration value="16"/>
-        </xsd:restriction>
-      </xsd:simpleType>
-    </xsd:element>
-    <xsd:element name="OriginalSourceMarket" ma:index="101" nillable="true" ma:displayName="Original Source Market Group" ma:default="" ma:internalName="OriginalSourceMarket" ma:readOnly="false">
-      <xsd:simpleType>
-        <xsd:restriction base="dms:Text"/>
-      </xsd:simpleType>
-    </xsd:element>
-    <xsd:element name="OutputCachingOn" ma:index="102" nillable="true" ma:displayName="Output Caching" ma:default="true" ma:hidden="true" ma:internalName="OutputCachingOn" ma:readOnly="false">
-      <xsd:simpleType>
-        <xsd:restriction base="dms:Boolean"/>
-      </xsd:simpleType>
-    </xsd:element>
-    <xsd:element name="ParentAssetId" ma:index="103" nillable="true" ma:displayName="Parent Asset Id" ma:default="" ma:internalName="ParentAssetId" ma:readOnly="false">
-      <xsd:simpleType>
-        <xsd:restriction base="dms:Text"/>
-      </xsd:simpleType>
-    </xsd:element>
-    <xsd:element name="PlannedPubDate" ma:index="104" nillable="true" ma:displayName="Planned Publish Date" ma:default="" ma:indexed="true" ma:internalName="PlannedPubDate" ma:readOnly="false">
-      <xsd:simpleType>
-        <xsd:restriction base="dms:DateTime"/>
-      </xsd:simpleType>
-    </xsd:element>
-    <xsd:element name="PolicheckWords" ma:index="105" nillable="true" ma:displayName="Policheck Words" ma:default="" ma:internalName="PolicheckWords" ma:readOnly="false">
-      <xsd:simpleType>
-        <xsd:restriction base="dms:Text"/>
-      </xsd:simpleType>
-    </xsd:element>
-    <xsd:element name="BusinessGroup" ma:index="106" nillable="true" ma:displayName="Product Division Owner" ma:default="" ma:internalName="BusinessGroup" ma:readOnly="false">
-      <xsd:simpleType>
-        <xsd:restriction base="dms:Unknown"/>
-      </xsd:simpleType>
-    </xsd:element>
-    <xsd:element name="UAProjectedTotalWords" ma:index="107" nillable="true" ma:displayName="Projected Word Count" ma:default="" ma:internalName="UAProjectedTotalWords" ma:readOnly="false">
-      <xsd:simpleType>
-        <xsd:restriction base="dms:Unknown"/>
-      </xsd:simpleType>
-    </xsd:element>
-    <xsd:element name="Provider" ma:index="108" nillable="true" ma:displayName="Provider" ma:default="" ma:internalName="Provider" ma:readOnly="false">
-      <xsd:simpleType>
-        <xsd:restriction base="dms:Unknown"/>
-      </xsd:simpleType>
-    </xsd:element>
-    <xsd:element name="Providers" ma:index="109" nillable="true" ma:displayName="Providers" ma:default="" ma:internalName="Providers">
-      <xsd:simpleType>
-        <xsd:restriction base="dms:Unknown"/>
-      </xsd:simpleType>
-    </xsd:element>
-    <xsd:element name="PublishStatusLookup" ma:index="110" nillable="true" ma:displayName="Publish Status" ma:default="" ma:list="{48E76E2C-5BED-4E0E-9D91-D053B66F5ED2}" ma:internalName="PublishStatusLookup" ma:readOnly="false" ma:showField="PublishStatus" ma:web="f105ad54-119a-4495-aa55-0e28b6b4ad2f">
-      <xsd:complexType>
-        <xsd:complexContent>
-          <xsd:extension base="dms:MultiChoiceLookup">
-            <xsd:sequence>
-              <xsd:element name="Value" type="dms:Lookup" maxOccurs="unbounded" minOccurs="0" nillable="true"/>
-            </xsd:sequence>
-          </xsd:extension>
-        </xsd:complexContent>
-      </xsd:complexType>
-    </xsd:element>
-    <xsd:element name="PublishTargets" ma:index="111" nillable="true" ma:displayName="Publish Target" ma:default="OfficeOnlineVNext" ma:internalName="PublishTargets" ma:readOnly="false">
-      <xsd:simpleType>
-        <xsd:restriction base="dms:Unknown"/>
-      </xsd:simpleType>
-    </xsd:element>
-    <xsd:element name="RecommendationsModifier" ma:index="112" nillable="true" ma:displayName="Recommendations Modifier" ma:default="" ma:internalName="RecommendationsModifier" ma:readOnly="false">
-      <xsd:simpleType>
-        <xsd:restriction base="dms:Number"/>
-      </xsd:simpleType>
-    </xsd:element>
-    <xsd:element name="ArtSampleDocs" ma:index="113" nillable="true" ma:displayName="Sample Docs" ma:default="" ma:hidden="true" ma:internalName="ArtSampleDocs" ma:readOnly="false">
-      <xsd:simpleType>
-        <xsd:restriction base="dms:Text"/>
-      </xsd:simpleType>
-    </xsd:element>
-    <xsd:element name="ScenarioTagsTaxHTField0" ma:index="115" nillable="true" ma:taxonomy="true" ma:internalName="ScenarioTagsTaxHTField0" ma:taxonomyFieldName="ScenarioTags" ma:displayName="Scenarios" ma:readOnly="false" ma:default="" ma:fieldId="{faf1e1af-89ff-457d-b189-64e47bbed779}" ma:taxonomyMulti="true" ma:sspId="8f79753a-75d3-41f5-8ca3-40b843941b4f" ma:termSetId="4b7d5f16-e2f2-4fc0-bab3-6e8b931e57d6" ma:anchorId="00000000-0000-0000-0000-000000000000" ma:open="false" ma:isKeyword="false">
-      <xsd:complexType>
-        <xsd:sequence>
-          <xsd:element ref="pc:Terms" minOccurs="0" maxOccurs="1"/>
-        </xsd:sequence>
-      </xsd:complexType>
-    </xsd:element>
-    <xsd:element name="ShowIn" ma:index="117" nillable="true" ma:displayName="Show In" ma:default="Show everywhere" ma:internalName="ShowIn" ma:readOnly="false">
-      <xsd:simpleType>
-        <xsd:restriction base="dms:Choice">
-          <xsd:enumeration value="Hide on web"/>
-          <xsd:enumeration value="On Web no search"/>
-          <xsd:enumeration value="Show everywhere"/>
-          <xsd:enumeration value="Special use only"/>
-        </xsd:restriction>
-      </xsd:simpleType>
-    </xsd:element>
-    <xsd:element name="SourceTitle" ma:index="118" nillable="true" ma:displayName="Source Title" ma:default="" ma:indexed="true" ma:internalName="SourceTitle" ma:readOnly="false">
-      <xsd:simpleType>
-        <xsd:restriction base="dms:Text"/>
-      </xsd:simpleType>
-    </xsd:element>
-    <xsd:element name="CSXSubmissionDate" ma:index="119" nillable="true" ma:displayName="Submission Date" ma:default="" ma:internalName="CSXSubmissionDate" ma:readOnly="false">
-      <xsd:simpleType>
-        <xsd:restriction base="dms:DateTime"/>
-      </xsd:simpleType>
-    </xsd:element>
-    <xsd:element name="SubmitterId" ma:index="120" nillable="true" ma:displayName="Submitter ID" ma:default="" ma:internalName="SubmitterId" ma:readOnly="false">
-      <xsd:simpleType>
-        <xsd:restriction base="dms:Text"/>
-      </xsd:simpleType>
-    </xsd:element>
-    <xsd:element name="TaxCatchAll" ma:index="121" nillable="true" ma:displayName="Taxonomy Catch All Column" ma:hidden="true" ma:list="{14d3419f-9772-4c8d-a0a0-05446c45e95f}" ma:internalName="TaxCatchAll" ma:showField="CatchAllData" ma:web="f105ad54-119a-4495-aa55-0e28b6b4ad2f">
-      <xsd:complexType>
-        <xsd:complexContent>
-          <xsd:extension base="dms:MultiChoiceLookup">
-            <xsd:sequence>
-              <xsd:element name="Value" type="dms:Lookup" maxOccurs="unbounded" minOccurs="0" nillable="true"/>
-            </xsd:sequence>
-          </xsd:extension>
-        </xsd:complexContent>
-      </xsd:complexType>
-    </xsd:element>
-    <xsd:element name="TaxCatchAllLabel" ma:index="122" nillable="true" ma:displayName="Taxonomy Catch All Column1" ma:hidden="true" ma:list="{14d3419f-9772-4c8d-a0a0-05446c45e95f}" ma:internalName="TaxCatchAllLabel" ma:readOnly="true" ma:showField="CatchAllDataLabel" ma:web="f105ad54-119a-4495-aa55-0e28b6b4ad2f">
-      <xsd:complexType>
-        <xsd:complexContent>
-          <xsd:extension base="dms:MultiChoiceLookup">
-            <xsd:sequence>
-              <xsd:element name="Value" type="dms:Lookup" maxOccurs="unbounded" minOccurs="0" nillable="true"/>
-            </xsd:sequence>
-          </xsd:extension>
-        </xsd:complexContent>
-      </xsd:complexType>
-    </xsd:element>
-    <xsd:element name="TemplateStatus" ma:index="123" nillable="true" ma:displayName="Template Status" ma:default="" ma:internalName="TemplateStatus">
-      <xsd:simpleType>
-        <xsd:restriction base="dms:Unknown"/>
-      </xsd:simpleType>
-    </xsd:element>
-    <xsd:element name="TemplateTemplateType" ma:index="124" nillable="true" ma:displayName="Template Type" ma:default="" ma:internalName="TemplateTemplateType">
-      <xsd:simpleType>
-        <xsd:restriction base="dms:Unknown"/>
-      </xsd:simpleType>
-    </xsd:element>
-    <xsd:element name="ThumbnailAssetId" ma:index="125" nillable="true" ma:displayName="Thumbnail Image Asset" ma:default="" ma:internalName="ThumbnailAssetId" ma:readOnly="false">
-      <xsd:simpleType>
-        <xsd:restriction base="dms:Text"/>
-      </xsd:simpleType>
-    </xsd:element>
-    <xsd:element name="TimesCloned" ma:index="126" nillable="true" ma:displayName="Times Cloned" ma:default="" ma:internalName="TimesCloned" ma:readOnly="false">
-      <xsd:simpleType>
-        <xsd:restriction base="dms:Number"/>
-      </xsd:simpleType>
-    </xsd:element>
-    <xsd:element name="TrustLevel" ma:index="128" nillable="true" ma:displayName="Trust Level" ma:default="1 Microsoft Managed Content" ma:internalName="TrustLevel" ma:readOnly="false">
-      <xsd:simpleType>
-        <xsd:restriction base="dms:Unknown"/>
-      </xsd:simpleType>
-    </xsd:element>
-    <xsd:element name="UALocComments" ma:index="129" nillable="true" ma:displayName="UA Loc Comments" ma:default="" ma:internalName="UALocComments" ma:readOnly="false">
-      <xsd:simpleType>
-        <xsd:restriction base="dms:Note"/>
-      </xsd:simpleType>
-    </xsd:element>
-    <xsd:element name="UALocRecommendation" ma:index="130" nillable="true" ma:displayName="UA Loc Recommendation" ma:default="Localize" ma:internalName="UALocRecommendation" ma:readOnly="false">
-      <xsd:simpleType>
-        <xsd:restriction base="dms:Choice">
-          <xsd:enumeration value="Localize"/>
-          <xsd:enumeration value="Never Localize"/>
-          <xsd:enumeration value="Priority Localize"/>
-        </xsd:restriction>
-      </xsd:simpleType>
-    </xsd:element>
-    <xsd:element name="UANotes" ma:index="131" nillable="true" ma:displayName="UA Notes" ma:default="" ma:internalName="UANotes" ma:readOnly="false">
-      <xsd:simpleType>
-        <xsd:restriction base="dms:Note"/>
-      </xsd:simpleType>
-    </xsd:element>
-    <xsd:element name="TPAppVersion" ma:index="132" nillable="true" ma:displayName="Version" ma:default="" ma:internalName="TPAppVersion">
-      <xsd:simpleType>
-        <xsd:restriction base="dms:Text"/>
-      </xsd:simpleType>
-    </xsd:element>
-    <xsd:element name="VoteCount" ma:index="133" nillable="true" ma:displayName="Vote Count" ma:default="" ma:internalName="VoteCount" ma:readOnly="false">
-      <xsd:simpleType>
-        <xsd:restriction base="dms:Unknown"/>
-      </xsd:simpleType>
-    </xsd:element>
-  </xsd:schema>
-  <xsd:schema xmlns:xsd="http://www.w3.org/2001/XMLSchema" xmlns:xs="http://www.w3.org/2001/XMLSchema" xmlns:dms="http://schemas.microsoft.com/office/2006/documentManagement/types" xmlns:pc="http://schemas.microsoft.com/office/infopath/2007/PartnerControls" targetNamespace="c7af2036-029c-470e-8042-297c68a41472" elementFormDefault="qualified">
-    <xsd:import namespace="http://schemas.microsoft.com/office/2006/documentManagement/types"/>
-    <xsd:import namespace="http://schemas.microsoft.com/office/infopath/2007/PartnerControls"/>
-    <xsd:element name="Description0" ma:index="134" nillable="true" ma:displayName="Description" ma:internalName="Description0">
-      <xsd:simpleType>
-        <xsd:restriction base="dms:Note"/>
-      </xsd:simpleType>
-    </xsd:element>
-    <xsd:element name="Component" ma:index="135" nillable="true" ma:displayName="Component" ma:internalName="Component">
-      <xsd:simpleType>
-        <xsd:restriction base="dms:Text">
-          <xsd:maxLength value="255"/>
-        </xsd:restriction>
-      </xsd:simpleType>
-    </xsd:element>
-  </xsd:schema>
-  <xsd:schema xmlns="http://schemas.openxmlformats.org/package/2006/metadata/core-properties" xmlns:xsd="http://www.w3.org/2001/XMLSchema" xmlns:xsi="http://www.w3.org/2001/XMLSchema-instance" xmlns:dc="http://purl.org/dc/elements/1.1/" xmlns:dcterms="http://purl.org/dc/terms/" xmlns:odoc="http://schemas.microsoft.com/internal/obd" targetNamespace="http://schemas.openxmlformats.org/package/2006/metadata/core-properties" elementFormDefault="qualified" attributeFormDefault="unqualified" blockDefault="#all">
-    <xsd:import namespace="http://purl.org/dc/elements/1.1/" schemaLocation="http://dublincore.org/schemas/xmls/qdc/2003/04/02/dc.xsd"/>
-    <xsd:import namespace="http://purl.org/dc/terms/" schemaLocation="http://dublincore.org/schemas/xmls/qdc/2003/04/02/dcterms.xsd"/>
-    <xsd:element name="coreProperties" type="CT_coreProperties"/>
-    <xsd:complexType name="CT_coreProperties">
-      <xsd:all>
-        <xsd:element ref="dc:creator" minOccurs="0" maxOccurs="1"/>
-        <xsd:element ref="dcterms:created" minOccurs="0" maxOccurs="1"/>
-        <xsd:element ref="dc:identifier" minOccurs="0" maxOccurs="1"/>
-        <xsd:element name="contentType" minOccurs="0" maxOccurs="1" type="xsd:string" ma:index="22" ma:displayName="Content Type"/>
-        <xsd:element ref="dc:title" minOccurs="0" maxOccurs="1" ma:index="127" ma:displayName="Title"/>
-        <xsd:element ref="dc:subject" minOccurs="0" maxOccurs="1"/>
-        <xsd:element ref="dc:description" minOccurs="0" maxOccurs="1"/>
-        <xsd:element name="keywords" minOccurs="0" maxOccurs="1" type="xsd:string"/>
-        <xsd:element ref="dc:language" minOccurs="0" maxOccurs="1"/>
-        <xsd:element name="category" minOccurs="0" maxOccurs="1" type="xsd:string"/>
-        <xsd:element name="version" minOccurs="0" maxOccurs="1" type="xsd:string"/>
-        <xsd:element name="revision" minOccurs="0" maxOccurs="1" type="xsd:string">
-          <xsd:annotation>
-            <xsd:documentation>
-                        This value indicates the number of saves or revisions. The application is responsible for updating this value after each revision.
-                    </xsd:documentation>
-          </xsd:annotation>
-        </xsd:element>
-        <xsd:element name="lastModifiedBy" minOccurs="0" maxOccurs="1" type="xsd:string"/>
-        <xsd:element ref="dcterms:modified" minOccurs="0" maxOccurs="1"/>
-        <xsd:element name="contentStatus" minOccurs="0" maxOccurs="1" type="xsd:string"/>
-      </xsd:all>
-    </xsd:complexType>
-  </xsd:schema>
-  <xs:schema xmlns:pc="http://schemas.microsoft.com/office/infopath/2007/PartnerControls" xmlns:xs="http://www.w3.org/2001/XMLSchema" targetNamespace="http://schemas.microsoft.com/office/infopath/2007/PartnerControls" elementFormDefault="qualified" attributeFormDefault="unqualified">
-    <xs:element name="Person">
-      <xs:complexType>
-        <xs:sequence>
-          <xs:element ref="pc:DisplayName" minOccurs="0"/>
-          <xs:element ref="pc:AccountId" minOccurs="0"/>
-          <xs:element ref="pc:AccountType" minOccurs="0"/>
-        </xs:sequence>
-      </xs:complexType>
-    </xs:element>
-    <xs:element name="DisplayName" type="xs:string"/>
-    <xs:element name="AccountId" type="xs:string"/>
-    <xs:element name="AccountType" type="xs:string"/>
-    <xs:element name="BDCAssociatedEntity">
-      <xs:complexType>
-        <xs:sequence>
-          <xs:element ref="pc:BDCEntity" minOccurs="0" maxOccurs="unbounded"/>
-        </xs:sequence>
-        <xs:attribute ref="pc:EntityNamespace"/>
-        <xs:attribute ref="pc:EntityName"/>
-        <xs:attribute ref="pc:SystemInstanceName"/>
-        <xs:attribute ref="pc:AssociationName"/>
-      </xs:complexType>
-    </xs:element>
-    <xs:attribute name="EntityNamespace" type="xs:string"/>
-    <xs:attribute name="EntityName" type="xs:string"/>
-    <xs:attribute name="SystemInstanceName" type="xs:string"/>
-    <xs:attribute name="AssociationName" type="xs:string"/>
-    <xs:element name="BDCEntity">
-      <xs:complexType>
-        <xs:sequence>
-          <xs:element ref="pc:EntityDisplayName" minOccurs="0"/>
-          <xs:element ref="pc:EntityInstanceReference" minOccurs="0"/>
-          <xs:element ref="pc:EntityId1" minOccurs="0"/>
-          <xs:element ref="pc:EntityId2" minOccurs="0"/>
-          <xs:element ref="pc:EntityId3" minOccurs="0"/>
-          <xs:element ref="pc:EntityId4" minOccurs="0"/>
-          <xs:element ref="pc:EntityId5" minOccurs="0"/>
-        </xs:sequence>
-      </xs:complexType>
-    </xs:element>
-    <xs:element name="EntityDisplayName" type="xs:string"/>
-    <xs:element name="EntityInstanceReference" type="xs:string"/>
-    <xs:element name="EntityId1" type="xs:string"/>
-    <xs:element name="EntityId2" type="xs:string"/>
-    <xs:element name="EntityId3" type="xs:string"/>
-    <xs:element name="EntityId4" type="xs:string"/>
-    <xs:element name="EntityId5" type="xs:string"/>
-    <xs:element name="Terms">
-      <xs:complexType>
-        <xs:sequence>
-          <xs:element ref="pc:TermInfo" minOccurs="0" maxOccurs="unbounded"/>
-        </xs:sequence>
-      </xs:complexType>
-    </xs:element>
-    <xs:element name="TermInfo">
-      <xs:complexType>
-        <xs:sequence>
-          <xs:element ref="pc:TermName" minOccurs="0"/>
-          <xs:element ref="pc:TermId" minOccurs="0"/>
-        </xs:sequence>
-      </xs:complexType>
-    </xs:element>
-    <xs:element name="TermName" type="xs:string"/>
-    <xs:element name="TermId" type="xs:string"/>
-  </xs:schema>
-</ct:contentTypeSchema>
+<?mso-contentType ?>
+<FormTemplates xmlns="http://schemas.microsoft.com/sharepoint/v3/contenttype/forms">
+  <Display>DocumentLibraryForm</Display>
+  <Edit>AssetEditForm</Edit>
+  <New>DocumentLibraryForm</New>
+</FormTemplates>
 </file>
 
 <file path=customXml/item2.xml><?xml version="1.0" encoding="utf-8"?>
@@ -6729,15 +6178,1084 @@
 </file>
 
 <file path=customXml/item3.xml><?xml version="1.0" encoding="utf-8"?>
-<?mso-contentType ?>
-<FormTemplates xmlns="http://schemas.microsoft.com/sharepoint/v3/contenttype/forms">
-  <Display>DocumentLibraryForm</Display>
-  <Edit>AssetEditForm</Edit>
-  <New>DocumentLibraryForm</New>
-</FormTemplates>
+<ct:contentTypeSchema xmlns:ct="http://schemas.microsoft.com/office/2006/metadata/contentType" xmlns:ma="http://schemas.microsoft.com/office/2006/metadata/properties/metaAttributes" ct:_="" ma:_="" ma:contentTypeName="TemplateFile" ma:contentTypeID="0x01010037696D9D1D95EC45A9440548E782419D04008C4669C20C93454ABB50E332FADBDDBE" ma:contentTypeVersion="55" ma:contentTypeDescription="Create a new document." ma:contentTypeScope="" ma:versionID="0862fa1d3c98dca9116b8c2bbf050b2c">
+  <xsd:schema xmlns:xsd="http://www.w3.org/2001/XMLSchema" xmlns:xs="http://www.w3.org/2001/XMLSchema" xmlns:p="http://schemas.microsoft.com/office/2006/metadata/properties" xmlns:ns2="f105ad54-119a-4495-aa55-0e28b6b4ad2f" xmlns:ns3="c7af2036-029c-470e-8042-297c68a41472" targetNamespace="http://schemas.microsoft.com/office/2006/metadata/properties" ma:root="true" ma:fieldsID="efcf89ea05a71204977c7c6a0a118372" ns2:_="" ns3:_="">
+    <xsd:import namespace="f105ad54-119a-4495-aa55-0e28b6b4ad2f"/>
+    <xsd:import namespace="c7af2036-029c-470e-8042-297c68a41472"/>
+    <xsd:element name="properties">
+      <xsd:complexType>
+        <xsd:sequence>
+          <xsd:element name="documentManagement">
+            <xsd:complexType>
+              <xsd:all>
+                <xsd:element ref="ns2:AcquiredFrom" minOccurs="0"/>
+                <xsd:element ref="ns2:UACurrentWords" minOccurs="0"/>
+                <xsd:element ref="ns2:TPApplication" minOccurs="0"/>
+                <xsd:element ref="ns2:ApprovalLog" minOccurs="0"/>
+                <xsd:element ref="ns2:ApprovalStatus" minOccurs="0"/>
+                <xsd:element ref="ns2:AssetStart" minOccurs="0"/>
+                <xsd:element ref="ns2:AssetExpire" minOccurs="0"/>
+                <xsd:element ref="ns2:AssetId" minOccurs="0"/>
+                <xsd:element ref="ns2:IsSearchable" minOccurs="0"/>
+                <xsd:element ref="ns2:AssetType" minOccurs="0"/>
+                <xsd:element ref="ns2:APAuthor" minOccurs="0"/>
+                <xsd:element ref="ns2:AverageRating" minOccurs="0"/>
+                <xsd:element ref="ns2:BlockPublish" minOccurs="0"/>
+                <xsd:element ref="ns2:BugNumber" minOccurs="0"/>
+                <xsd:element ref="ns2:CampaignTagsTaxHTField0" minOccurs="0"/>
+                <xsd:element ref="ns2:TPClientViewer" minOccurs="0"/>
+                <xsd:element ref="ns2:ClipArtFilename" minOccurs="0"/>
+                <xsd:element ref="ns2:TPCommandLine" minOccurs="0"/>
+                <xsd:element ref="ns2:TPComponent" minOccurs="0"/>
+                <xsd:element ref="ns2:ContentItem" minOccurs="0"/>
+                <xsd:element ref="ns2:CrawlForDependencies" minOccurs="0"/>
+                <xsd:element ref="ns2:CSXHash" minOccurs="0"/>
+                <xsd:element ref="ns2:CSXSubmissionMarket" minOccurs="0"/>
+                <xsd:element ref="ns2:CSXUpdate" minOccurs="0"/>
+                <xsd:element ref="ns2:IntlLangReviewDate" minOccurs="0"/>
+                <xsd:element ref="ns2:IsDeleted" minOccurs="0"/>
+                <xsd:element ref="ns2:APDescription" minOccurs="0"/>
+                <xsd:element ref="ns2:DirectSourceMarket" minOccurs="0"/>
+                <xsd:element ref="ns2:Downloads" minOccurs="0"/>
+                <xsd:element ref="ns2:DSATActionTaken" minOccurs="0"/>
+                <xsd:element ref="ns2:APEditor" minOccurs="0"/>
+                <xsd:element ref="ns2:EditorialStatus" minOccurs="0"/>
+                <xsd:element ref="ns2:EditorialTags" minOccurs="0"/>
+                <xsd:element ref="ns2:TPExecutable" minOccurs="0"/>
+                <xsd:element ref="ns2:FeatureTagsTaxHTField0" minOccurs="0"/>
+                <xsd:element ref="ns2:TPFriendlyName" minOccurs="0"/>
+                <xsd:element ref="ns2:FriendlyTitle" minOccurs="0"/>
+                <xsd:element ref="ns2:PrimaryImageGen" minOccurs="0"/>
+                <xsd:element ref="ns2:HandoffToMSDN" minOccurs="0"/>
+                <xsd:element ref="ns2:InProjectListLookup" minOccurs="0"/>
+                <xsd:element ref="ns2:TPInstallLocation" minOccurs="0"/>
+                <xsd:element ref="ns2:InternalTagsTaxHTField0" minOccurs="0"/>
+                <xsd:element ref="ns2:IntlLangReview" minOccurs="0"/>
+                <xsd:element ref="ns2:IntlLangReviewer" minOccurs="0"/>
+                <xsd:element ref="ns2:MarketSpecific" minOccurs="0"/>
+                <xsd:element ref="ns2:LastCompleteVersionLookup" minOccurs="0"/>
+                <xsd:element ref="ns2:LastHandOff" minOccurs="0"/>
+                <xsd:element ref="ns2:LastModifiedDateTime" minOccurs="0"/>
+                <xsd:element ref="ns2:LastPreviewErrorLookup" minOccurs="0"/>
+                <xsd:element ref="ns2:LastPreviewResultLookup" minOccurs="0"/>
+                <xsd:element ref="ns2:LastPreviewAttemptDateLookup" minOccurs="0"/>
+                <xsd:element ref="ns2:LastPreviewedByLookup" minOccurs="0"/>
+                <xsd:element ref="ns2:LastPreviewTimeLookup" minOccurs="0"/>
+                <xsd:element ref="ns2:LastPreviewVersionLookup" minOccurs="0"/>
+                <xsd:element ref="ns2:LastPublishErrorLookup" minOccurs="0"/>
+                <xsd:element ref="ns2:LastPublishResultLookup" minOccurs="0"/>
+                <xsd:element ref="ns2:LastPublishAttemptDateLookup" minOccurs="0"/>
+                <xsd:element ref="ns2:LastPublishedByLookup" minOccurs="0"/>
+                <xsd:element ref="ns2:LastPublishTimeLookup" minOccurs="0"/>
+                <xsd:element ref="ns2:LastPublishVersionLookup" minOccurs="0"/>
+                <xsd:element ref="ns2:TPLaunchHelpLinkType" minOccurs="0"/>
+                <xsd:element ref="ns2:LegacyData" minOccurs="0"/>
+                <xsd:element ref="ns2:TPLaunchHelpLink" minOccurs="0"/>
+                <xsd:element ref="ns2:LocComments" minOccurs="0"/>
+                <xsd:element ref="ns2:LocLastLocAttemptVersionLookup" minOccurs="0"/>
+                <xsd:element ref="ns2:LocLastLocAttemptVersionTypeLookup" minOccurs="0"/>
+                <xsd:element ref="ns2:LocManualTestRequired" minOccurs="0"/>
+                <xsd:element ref="ns2:LocMarketGroupTiers2" minOccurs="0"/>
+                <xsd:element ref="ns2:LocNewPublishedVersionLookup" minOccurs="0"/>
+                <xsd:element ref="ns2:LocOverallHandbackStatusLookup" minOccurs="0"/>
+                <xsd:element ref="ns2:LocOverallLocStatusLookup" minOccurs="0"/>
+                <xsd:element ref="ns2:LocOverallPreviewStatusLookup" minOccurs="0"/>
+                <xsd:element ref="ns2:LocOverallPublishStatusLookup" minOccurs="0"/>
+                <xsd:element ref="ns2:IntlLocPriority" minOccurs="0"/>
+                <xsd:element ref="ns2:LocProcessedForHandoffsLookup" minOccurs="0"/>
+                <xsd:element ref="ns2:LocProcessedForMarketsLookup" minOccurs="0"/>
+                <xsd:element ref="ns2:LocPublishedDependentAssetsLookup" minOccurs="0"/>
+                <xsd:element ref="ns2:LocPublishedLinkedAssetsLookup" minOccurs="0"/>
+                <xsd:element ref="ns2:LocRecommendedHandoff" minOccurs="0"/>
+                <xsd:element ref="ns2:LocalizationTagsTaxHTField0" minOccurs="0"/>
+                <xsd:element ref="ns2:MachineTranslated" minOccurs="0"/>
+                <xsd:element ref="ns2:Manager" minOccurs="0"/>
+                <xsd:element ref="ns2:Markets" minOccurs="0"/>
+                <xsd:element ref="ns2:Milestone" minOccurs="0"/>
+                <xsd:element ref="ns2:TPNamespace" minOccurs="0"/>
+                <xsd:element ref="ns2:NumericId" minOccurs="0"/>
+                <xsd:element ref="ns2:NumOfRatingsLookup" minOccurs="0"/>
+                <xsd:element ref="ns2:OOCacheId" minOccurs="0"/>
+                <xsd:element ref="ns2:OpenTemplate" minOccurs="0"/>
+                <xsd:element ref="ns2:OriginAsset" minOccurs="0"/>
+                <xsd:element ref="ns2:OriginalRelease" minOccurs="0"/>
+                <xsd:element ref="ns2:OriginalSourceMarket" minOccurs="0"/>
+                <xsd:element ref="ns2:OutputCachingOn" minOccurs="0"/>
+                <xsd:element ref="ns2:ParentAssetId" minOccurs="0"/>
+                <xsd:element ref="ns2:PlannedPubDate" minOccurs="0"/>
+                <xsd:element ref="ns2:PolicheckWords" minOccurs="0"/>
+                <xsd:element ref="ns2:BusinessGroup" minOccurs="0"/>
+                <xsd:element ref="ns2:UAProjectedTotalWords" minOccurs="0"/>
+                <xsd:element ref="ns2:Provider" minOccurs="0"/>
+                <xsd:element ref="ns2:Providers" minOccurs="0"/>
+                <xsd:element ref="ns2:PublishStatusLookup" minOccurs="0"/>
+                <xsd:element ref="ns2:PublishTargets" minOccurs="0"/>
+                <xsd:element ref="ns2:RecommendationsModifier" minOccurs="0"/>
+                <xsd:element ref="ns2:ArtSampleDocs" minOccurs="0"/>
+                <xsd:element ref="ns2:ScenarioTagsTaxHTField0" minOccurs="0"/>
+                <xsd:element ref="ns2:ShowIn" minOccurs="0"/>
+                <xsd:element ref="ns2:SourceTitle" minOccurs="0"/>
+                <xsd:element ref="ns2:CSXSubmissionDate" minOccurs="0"/>
+                <xsd:element ref="ns2:SubmitterId" minOccurs="0"/>
+                <xsd:element ref="ns2:TaxCatchAll" minOccurs="0"/>
+                <xsd:element ref="ns2:TaxCatchAllLabel" minOccurs="0"/>
+                <xsd:element ref="ns2:TemplateStatus" minOccurs="0"/>
+                <xsd:element ref="ns2:TemplateTemplateType" minOccurs="0"/>
+                <xsd:element ref="ns2:ThumbnailAssetId" minOccurs="0"/>
+                <xsd:element ref="ns2:TimesCloned" minOccurs="0"/>
+                <xsd:element ref="ns2:TrustLevel" minOccurs="0"/>
+                <xsd:element ref="ns2:UALocComments" minOccurs="0"/>
+                <xsd:element ref="ns2:UALocRecommendation" minOccurs="0"/>
+                <xsd:element ref="ns2:UANotes" minOccurs="0"/>
+                <xsd:element ref="ns2:TPAppVersion" minOccurs="0"/>
+                <xsd:element ref="ns2:VoteCount" minOccurs="0"/>
+                <xsd:element ref="ns3:Description0" minOccurs="0"/>
+                <xsd:element ref="ns3:Component" minOccurs="0"/>
+              </xsd:all>
+            </xsd:complexType>
+          </xsd:element>
+        </xsd:sequence>
+      </xsd:complexType>
+    </xsd:element>
+  </xsd:schema>
+  <xsd:schema xmlns:xsd="http://www.w3.org/2001/XMLSchema" xmlns:xs="http://www.w3.org/2001/XMLSchema" xmlns:dms="http://schemas.microsoft.com/office/2006/documentManagement/types" xmlns:pc="http://schemas.microsoft.com/office/infopath/2007/PartnerControls" targetNamespace="f105ad54-119a-4495-aa55-0e28b6b4ad2f" elementFormDefault="qualified">
+    <xsd:import namespace="http://schemas.microsoft.com/office/2006/documentManagement/types"/>
+    <xsd:import namespace="http://schemas.microsoft.com/office/infopath/2007/PartnerControls"/>
+    <xsd:element name="AcquiredFrom" ma:index="1" nillable="true" ma:displayName="Acquired From" ma:default="Internal MS" ma:internalName="AcquiredFrom" ma:readOnly="false">
+      <xsd:simpleType>
+        <xsd:restriction base="dms:Choice">
+          <xsd:enumeration value="Internal MS"/>
+          <xsd:enumeration value="Community"/>
+          <xsd:enumeration value="MVP"/>
+          <xsd:enumeration value="Publisher"/>
+          <xsd:enumeration value="Partner"/>
+          <xsd:enumeration value="None"/>
+        </xsd:restriction>
+      </xsd:simpleType>
+    </xsd:element>
+    <xsd:element name="UACurrentWords" ma:index="2" nillable="true" ma:displayName="Actual Word Count" ma:default="" ma:internalName="UACurrentWords" ma:readOnly="false">
+      <xsd:simpleType>
+        <xsd:restriction base="dms:Unknown"/>
+      </xsd:simpleType>
+    </xsd:element>
+    <xsd:element name="TPApplication" ma:index="3" nillable="true" ma:displayName="Application to Open Template With" ma:default="" ma:internalName="TPApplication">
+      <xsd:simpleType>
+        <xsd:restriction base="dms:Text"/>
+      </xsd:simpleType>
+    </xsd:element>
+    <xsd:element name="ApprovalLog" ma:index="4" nillable="true" ma:displayName="Approval Log" ma:default="" ma:hidden="true" ma:internalName="ApprovalLog" ma:readOnly="false">
+      <xsd:simpleType>
+        <xsd:restriction base="dms:Note"/>
+      </xsd:simpleType>
+    </xsd:element>
+    <xsd:element name="ApprovalStatus" ma:index="5" nillable="true" ma:displayName="Approval Status" ma:default="InProgress" ma:internalName="ApprovalStatus" ma:readOnly="false">
+      <xsd:simpleType>
+        <xsd:restriction base="dms:Choice">
+          <xsd:enumeration value="InProgress"/>
+          <xsd:enumeration value="Rejected"/>
+          <xsd:enumeration value="Questionable"/>
+          <xsd:enumeration value="ApprovedAutomatic"/>
+          <xsd:enumeration value="ApprovedManual"/>
+          <xsd:enumeration value="On Hold"/>
+          <xsd:enumeration value="Needs Review"/>
+          <xsd:enumeration value="A Violation"/>
+          <xsd:enumeration value="Unpublished Violation"/>
+        </xsd:restriction>
+      </xsd:simpleType>
+    </xsd:element>
+    <xsd:element name="AssetStart" ma:index="6" nillable="true" ma:displayName="Asset Begin Date" ma:default="[Today]" ma:internalName="AssetStart" ma:readOnly="false">
+      <xsd:simpleType>
+        <xsd:restriction base="dms:DateTime"/>
+      </xsd:simpleType>
+    </xsd:element>
+    <xsd:element name="AssetExpire" ma:index="7" nillable="true" ma:displayName="Asset End Date" ma:default="2029-01-01T00:00:00Z" ma:internalName="AssetExpire" ma:readOnly="false">
+      <xsd:simpleType>
+        <xsd:restriction base="dms:DateTime"/>
+      </xsd:simpleType>
+    </xsd:element>
+    <xsd:element name="AssetId" ma:index="8" nillable="true" ma:displayName="Asset ID" ma:default="" ma:indexed="true" ma:internalName="AssetId" ma:readOnly="false">
+      <xsd:simpleType>
+        <xsd:restriction base="dms:Text">
+          <xsd:maxLength value="255"/>
+        </xsd:restriction>
+      </xsd:simpleType>
+    </xsd:element>
+    <xsd:element name="IsSearchable" ma:index="9" nillable="true" ma:displayName="Asset Searchable?" ma:default="true" ma:internalName="IsSearchable" ma:readOnly="false">
+      <xsd:simpleType>
+        <xsd:restriction base="dms:Boolean"/>
+      </xsd:simpleType>
+    </xsd:element>
+    <xsd:element name="AssetType" ma:index="10" nillable="true" ma:displayName="Asset Type" ma:default="" ma:internalName="AssetType" ma:readOnly="false">
+      <xsd:simpleType>
+        <xsd:restriction base="dms:Unknown"/>
+      </xsd:simpleType>
+    </xsd:element>
+    <xsd:element name="APAuthor" ma:index="11" nillable="true" ma:displayName="Author" ma:default="" ma:list="UserInfo" ma:internalName="APAuthor" ma:readOnly="false">
+      <xsd:complexType>
+        <xsd:complexContent>
+          <xsd:extension base="dms:User">
+            <xsd:sequence>
+              <xsd:element name="UserInfo" minOccurs="0" maxOccurs="unbounded">
+                <xsd:complexType>
+                  <xsd:sequence>
+                    <xsd:element name="DisplayName" type="xsd:string" minOccurs="0"/>
+                    <xsd:element name="AccountId" type="dms:UserId" minOccurs="0" nillable="true"/>
+                    <xsd:element name="AccountType" type="xsd:string" minOccurs="0"/>
+                  </xsd:sequence>
+                </xsd:complexType>
+              </xsd:element>
+            </xsd:sequence>
+          </xsd:extension>
+        </xsd:complexContent>
+      </xsd:complexType>
+    </xsd:element>
+    <xsd:element name="AverageRating" ma:index="12" nillable="true" ma:displayName="Average Rating" ma:internalName="AverageRating" ma:readOnly="false">
+      <xsd:simpleType>
+        <xsd:restriction base="dms:Text"/>
+      </xsd:simpleType>
+    </xsd:element>
+    <xsd:element name="BlockPublish" ma:index="13" nillable="true" ma:displayName="Block from Publishing?" ma:default="" ma:internalName="BlockPublish" ma:readOnly="false">
+      <xsd:simpleType>
+        <xsd:restriction base="dms:Boolean"/>
+      </xsd:simpleType>
+    </xsd:element>
+    <xsd:element name="BugNumber" ma:index="14" nillable="true" ma:displayName="Bug Number" ma:default="" ma:internalName="BugNumber" ma:readOnly="false">
+      <xsd:simpleType>
+        <xsd:restriction base="dms:Text"/>
+      </xsd:simpleType>
+    </xsd:element>
+    <xsd:element name="CampaignTagsTaxHTField0" ma:index="16" nillable="true" ma:taxonomy="true" ma:internalName="CampaignTagsTaxHTField0" ma:taxonomyFieldName="CampaignTags" ma:displayName="Campaigns" ma:readOnly="false" ma:default="" ma:fieldId="{fcc66ca1-c804-4edc-95c8-efd5040409e2}" ma:taxonomyMulti="true" ma:sspId="8f79753a-75d3-41f5-8ca3-40b843941b4f" ma:termSetId="ca0e50d4-faa1-44ce-961e-bb1441c60e66" ma:anchorId="00000000-0000-0000-0000-000000000000" ma:open="false" ma:isKeyword="false">
+      <xsd:complexType>
+        <xsd:sequence>
+          <xsd:element ref="pc:Terms" minOccurs="0" maxOccurs="1"/>
+        </xsd:sequence>
+      </xsd:complexType>
+    </xsd:element>
+    <xsd:element name="TPClientViewer" ma:index="17" nillable="true" ma:displayName="Client Viewer" ma:default="" ma:internalName="TPClientViewer">
+      <xsd:simpleType>
+        <xsd:restriction base="dms:Text"/>
+      </xsd:simpleType>
+    </xsd:element>
+    <xsd:element name="ClipArtFilename" ma:index="18" nillable="true" ma:displayName="Clip Art Name" ma:default="" ma:internalName="ClipArtFilename" ma:readOnly="false">
+      <xsd:simpleType>
+        <xsd:restriction base="dms:Text"/>
+      </xsd:simpleType>
+    </xsd:element>
+    <xsd:element name="TPCommandLine" ma:index="19" nillable="true" ma:displayName="Command Line" ma:default="" ma:internalName="TPCommandLine">
+      <xsd:simpleType>
+        <xsd:restriction base="dms:Text"/>
+      </xsd:simpleType>
+    </xsd:element>
+    <xsd:element name="TPComponent" ma:index="20" nillable="true" ma:displayName="Component" ma:default="" ma:internalName="TPComponent">
+      <xsd:simpleType>
+        <xsd:restriction base="dms:Text"/>
+      </xsd:simpleType>
+    </xsd:element>
+    <xsd:element name="ContentItem" ma:index="21" nillable="true" ma:displayName="Content Item" ma:default="" ma:hidden="true" ma:internalName="ContentItem" ma:readOnly="false">
+      <xsd:simpleType>
+        <xsd:restriction base="dms:Unknown"/>
+      </xsd:simpleType>
+    </xsd:element>
+    <xsd:element name="CrawlForDependencies" ma:index="23" nillable="true" ma:displayName="Crawl for Dependencies?" ma:default="true" ma:internalName="CrawlForDependencies" ma:readOnly="false">
+      <xsd:simpleType>
+        <xsd:restriction base="dms:Boolean"/>
+      </xsd:simpleType>
+    </xsd:element>
+    <xsd:element name="CSXHash" ma:index="26" nillable="true" ma:displayName="CSX Hash" ma:default="" ma:indexed="true" ma:internalName="CSXHash" ma:readOnly="false">
+      <xsd:simpleType>
+        <xsd:restriction base="dms:Text"/>
+      </xsd:simpleType>
+    </xsd:element>
+    <xsd:element name="CSXSubmissionMarket" ma:index="27" nillable="true" ma:displayName="CSX Submission Market" ma:default="" ma:list="{77ED1C39-458B-43CB-92CF-2BB5034D6716}" ma:internalName="CSXSubmissionMarket" ma:readOnly="false" ma:showField="MarketName" ma:web="f105ad54-119a-4495-aa55-0e28b6b4ad2f">
+      <xsd:simpleType>
+        <xsd:restriction base="dms:Lookup"/>
+      </xsd:simpleType>
+    </xsd:element>
+    <xsd:element name="CSXUpdate" ma:index="28" nillable="true" ma:displayName="CSX Updated?" ma:default="false" ma:internalName="CSXUpdate" ma:readOnly="false">
+      <xsd:simpleType>
+        <xsd:restriction base="dms:Boolean"/>
+      </xsd:simpleType>
+    </xsd:element>
+    <xsd:element name="IntlLangReviewDate" ma:index="29" nillable="true" ma:displayName="Date to Complete Intl QA" ma:default="" ma:internalName="IntlLangReviewDate" ma:readOnly="false">
+      <xsd:simpleType>
+        <xsd:restriction base="dms:DateTime"/>
+      </xsd:simpleType>
+    </xsd:element>
+    <xsd:element name="IsDeleted" ma:index="30" nillable="true" ma:displayName="Deleted?" ma:default="" ma:internalName="IsDeleted" ma:readOnly="false">
+      <xsd:simpleType>
+        <xsd:restriction base="dms:Boolean"/>
+      </xsd:simpleType>
+    </xsd:element>
+    <xsd:element name="APDescription" ma:index="31" nillable="true" ma:displayName="Description" ma:default="" ma:internalName="APDescription" ma:readOnly="false">
+      <xsd:simpleType>
+        <xsd:restriction base="dms:Note"/>
+      </xsd:simpleType>
+    </xsd:element>
+    <xsd:element name="DirectSourceMarket" ma:index="32" nillable="true" ma:displayName="Direct Source Market Group" ma:default="" ma:internalName="DirectSourceMarket" ma:readOnly="false">
+      <xsd:simpleType>
+        <xsd:restriction base="dms:Text"/>
+      </xsd:simpleType>
+    </xsd:element>
+    <xsd:element name="Downloads" ma:index="33" nillable="true" ma:displayName="Downloads" ma:default="0" ma:hidden="true" ma:internalName="Downloads" ma:readOnly="false">
+      <xsd:simpleType>
+        <xsd:restriction base="dms:Unknown"/>
+      </xsd:simpleType>
+    </xsd:element>
+    <xsd:element name="DSATActionTaken" ma:index="34" nillable="true" ma:displayName="DSAT Action Taken" ma:default="" ma:internalName="DSATActionTaken" ma:readOnly="false">
+      <xsd:simpleType>
+        <xsd:restriction base="dms:Choice">
+          <xsd:enumeration value="Best Bets"/>
+          <xsd:enumeration value="Expire"/>
+          <xsd:enumeration value="Hide"/>
+          <xsd:enumeration value="None"/>
+        </xsd:restriction>
+      </xsd:simpleType>
+    </xsd:element>
+    <xsd:element name="APEditor" ma:index="35" nillable="true" ma:displayName="Editor" ma:default="" ma:list="UserInfo" ma:internalName="APEditor" ma:readOnly="false">
+      <xsd:complexType>
+        <xsd:complexContent>
+          <xsd:extension base="dms:User">
+            <xsd:sequence>
+              <xsd:element name="UserInfo" minOccurs="0" maxOccurs="unbounded">
+                <xsd:complexType>
+                  <xsd:sequence>
+                    <xsd:element name="DisplayName" type="xsd:string" minOccurs="0"/>
+                    <xsd:element name="AccountId" type="dms:UserId" minOccurs="0" nillable="true"/>
+                    <xsd:element name="AccountType" type="xsd:string" minOccurs="0"/>
+                  </xsd:sequence>
+                </xsd:complexType>
+              </xsd:element>
+            </xsd:sequence>
+          </xsd:extension>
+        </xsd:complexContent>
+      </xsd:complexType>
+    </xsd:element>
+    <xsd:element name="EditorialStatus" ma:index="36" nillable="true" ma:displayName="Editorial Status" ma:default="" ma:internalName="EditorialStatus" ma:readOnly="false">
+      <xsd:simpleType>
+        <xsd:restriction base="dms:Unknown"/>
+      </xsd:simpleType>
+    </xsd:element>
+    <xsd:element name="EditorialTags" ma:index="37" nillable="true" ma:displayName="Editorial Tags" ma:default="" ma:internalName="EditorialTags">
+      <xsd:simpleType>
+        <xsd:restriction base="dms:Unknown"/>
+      </xsd:simpleType>
+    </xsd:element>
+    <xsd:element name="TPExecutable" ma:index="38" nillable="true" ma:displayName="Executable" ma:default="" ma:internalName="TPExecutable">
+      <xsd:simpleType>
+        <xsd:restriction base="dms:Text"/>
+      </xsd:simpleType>
+    </xsd:element>
+    <xsd:element name="FeatureTagsTaxHTField0" ma:index="40" nillable="true" ma:taxonomy="true" ma:internalName="FeatureTagsTaxHTField0" ma:taxonomyFieldName="FeatureTags" ma:displayName="Features" ma:readOnly="false" ma:default="" ma:fieldId="{6cd481e8-ffbe-48c6-a0d2-a06a66f62d0e}" ma:taxonomyMulti="true" ma:sspId="8f79753a-75d3-41f5-8ca3-40b843941b4f" ma:termSetId="f1ab6845-967d-4854-a0ba-4ec07f0f8113" ma:anchorId="00000000-0000-0000-0000-000000000000" ma:open="false" ma:isKeyword="false">
+      <xsd:complexType>
+        <xsd:sequence>
+          <xsd:element ref="pc:Terms" minOccurs="0" maxOccurs="1"/>
+        </xsd:sequence>
+      </xsd:complexType>
+    </xsd:element>
+    <xsd:element name="TPFriendlyName" ma:index="41" nillable="true" ma:displayName="Friendly Name" ma:default="" ma:internalName="TPFriendlyName">
+      <xsd:simpleType>
+        <xsd:restriction base="dms:Text"/>
+      </xsd:simpleType>
+    </xsd:element>
+    <xsd:element name="FriendlyTitle" ma:index="42" nillable="true" ma:displayName="Friendly Title" ma:default="" ma:description="Shorter title to be used when displaying search results" ma:internalName="FriendlyTitle" ma:readOnly="false">
+      <xsd:simpleType>
+        <xsd:restriction base="dms:Text"/>
+      </xsd:simpleType>
+    </xsd:element>
+    <xsd:element name="PrimaryImageGen" ma:index="43" nillable="true" ma:displayName="Generate Images?" ma:default="true" ma:internalName="PrimaryImageGen">
+      <xsd:simpleType>
+        <xsd:restriction base="dms:Boolean"/>
+      </xsd:simpleType>
+    </xsd:element>
+    <xsd:element name="HandoffToMSDN" ma:index="44" nillable="true" ma:displayName="Handoff To MSDN Date" ma:default="" ma:internalName="HandoffToMSDN" ma:readOnly="false">
+      <xsd:simpleType>
+        <xsd:restriction base="dms:DateTime"/>
+      </xsd:simpleType>
+    </xsd:element>
+    <xsd:element name="InProjectListLookup" ma:index="45" nillable="true" ma:displayName="InProjectListLookup" ma:list="{48E76E2C-5BED-4E0E-9D91-D053B66F5ED2}" ma:internalName="InProjectListLookup" ma:readOnly="true" ma:showField="InProjectList" ma:web="f105ad54-119a-4495-aa55-0e28b6b4ad2f">
+      <xsd:complexType>
+        <xsd:complexContent>
+          <xsd:extension base="dms:MultiChoiceLookup">
+            <xsd:sequence>
+              <xsd:element name="Value" type="dms:Lookup" maxOccurs="unbounded" minOccurs="0" nillable="true"/>
+            </xsd:sequence>
+          </xsd:extension>
+        </xsd:complexContent>
+      </xsd:complexType>
+    </xsd:element>
+    <xsd:element name="TPInstallLocation" ma:index="46" nillable="true" ma:displayName="Install Location" ma:default="" ma:internalName="TPInstallLocation">
+      <xsd:simpleType>
+        <xsd:restriction base="dms:Text"/>
+      </xsd:simpleType>
+    </xsd:element>
+    <xsd:element name="InternalTagsTaxHTField0" ma:index="48" nillable="true" ma:taxonomy="true" ma:internalName="InternalTagsTaxHTField0" ma:taxonomyFieldName="InternalTags" ma:displayName="Internal Tags" ma:readOnly="false" ma:default="" ma:fieldId="{49953ee0-cdd8-4a42-ac76-36ba2a8fee2f}" ma:taxonomyMulti="true" ma:sspId="8f79753a-75d3-41f5-8ca3-40b843941b4f" ma:termSetId="82b6639e-f7fc-4c18-ad2d-003a6e707765" ma:anchorId="00000000-0000-0000-0000-000000000000" ma:open="false" ma:isKeyword="false">
+      <xsd:complexType>
+        <xsd:sequence>
+          <xsd:element ref="pc:Terms" minOccurs="0" maxOccurs="1"/>
+        </xsd:sequence>
+      </xsd:complexType>
+    </xsd:element>
+    <xsd:element name="IntlLangReview" ma:index="49" nillable="true" ma:displayName="Intl Lang QA Review Required?" ma:default="" ma:internalName="IntlLangReview" ma:readOnly="false">
+      <xsd:simpleType>
+        <xsd:restriction base="dms:Boolean"/>
+      </xsd:simpleType>
+    </xsd:element>
+    <xsd:element name="IntlLangReviewer" ma:index="50" nillable="true" ma:displayName="Intl Lang QA Reviewer" ma:default="" ma:internalName="IntlLangReviewer" ma:readOnly="false">
+      <xsd:simpleType>
+        <xsd:restriction base="dms:Text"/>
+      </xsd:simpleType>
+    </xsd:element>
+    <xsd:element name="MarketSpecific" ma:index="51" nillable="true" ma:displayName="Is Market Specific?" ma:default="" ma:internalName="MarketSpecific" ma:readOnly="false">
+      <xsd:simpleType>
+        <xsd:restriction base="dms:Boolean"/>
+      </xsd:simpleType>
+    </xsd:element>
+    <xsd:element name="LastCompleteVersionLookup" ma:index="52" nillable="true" ma:displayName="Last Complete Version Lookup" ma:default="" ma:list="{48E76E2C-5BED-4E0E-9D91-D053B66F5ED2}" ma:internalName="LastCompleteVersionLookup" ma:readOnly="true" ma:showField="LastCompleteVersion" ma:web="f105ad54-119a-4495-aa55-0e28b6b4ad2f">
+      <xsd:complexType>
+        <xsd:complexContent>
+          <xsd:extension base="dms:MultiChoiceLookup">
+            <xsd:sequence>
+              <xsd:element name="Value" type="dms:Lookup" maxOccurs="unbounded" minOccurs="0" nillable="true"/>
+            </xsd:sequence>
+          </xsd:extension>
+        </xsd:complexContent>
+      </xsd:complexType>
+    </xsd:element>
+    <xsd:element name="LastHandOff" ma:index="53" nillable="true" ma:displayName="Last Hand-off" ma:default="" ma:internalName="LastHandOff" ma:readOnly="false">
+      <xsd:simpleType>
+        <xsd:restriction base="dms:DateTime"/>
+      </xsd:simpleType>
+    </xsd:element>
+    <xsd:element name="LastModifiedDateTime" ma:index="54" nillable="true" ma:displayName="Last Modified Date" ma:default="" ma:internalName="LastModifiedDateTime" ma:readOnly="false">
+      <xsd:simpleType>
+        <xsd:restriction base="dms:DateTime"/>
+      </xsd:simpleType>
+    </xsd:element>
+    <xsd:element name="LastPreviewErrorLookup" ma:index="55" nillable="true" ma:displayName="Last Preview Attempt Error" ma:default="" ma:list="{48E76E2C-5BED-4E0E-9D91-D053B66F5ED2}" ma:internalName="LastPreviewErrorLookup" ma:readOnly="true" ma:showField="LastPreviewError" ma:web="f105ad54-119a-4495-aa55-0e28b6b4ad2f">
+      <xsd:complexType>
+        <xsd:complexContent>
+          <xsd:extension base="dms:MultiChoiceLookup">
+            <xsd:sequence>
+              <xsd:element name="Value" type="dms:Lookup" maxOccurs="unbounded" minOccurs="0" nillable="true"/>
+            </xsd:sequence>
+          </xsd:extension>
+        </xsd:complexContent>
+      </xsd:complexType>
+    </xsd:element>
+    <xsd:element name="LastPreviewResultLookup" ma:index="56" nillable="true" ma:displayName="Last Preview Attempt Result" ma:default="" ma:list="{48E76E2C-5BED-4E0E-9D91-D053B66F5ED2}" ma:internalName="LastPreviewResultLookup" ma:readOnly="true" ma:showField="LastPreviewResult" ma:web="f105ad54-119a-4495-aa55-0e28b6b4ad2f">
+      <xsd:complexType>
+        <xsd:complexContent>
+          <xsd:extension base="dms:MultiChoiceLookup">
+            <xsd:sequence>
+              <xsd:element name="Value" type="dms:Lookup" maxOccurs="unbounded" minOccurs="0" nillable="true"/>
+            </xsd:sequence>
+          </xsd:extension>
+        </xsd:complexContent>
+      </xsd:complexType>
+    </xsd:element>
+    <xsd:element name="LastPreviewAttemptDateLookup" ma:index="57" nillable="true" ma:displayName="Last Preview Attempted On" ma:default="" ma:list="{48E76E2C-5BED-4E0E-9D91-D053B66F5ED2}" ma:internalName="LastPreviewAttemptDateLookup" ma:readOnly="true" ma:showField="LastPreviewAttemptDate" ma:web="f105ad54-119a-4495-aa55-0e28b6b4ad2f">
+      <xsd:complexType>
+        <xsd:complexContent>
+          <xsd:extension base="dms:MultiChoiceLookup">
+            <xsd:sequence>
+              <xsd:element name="Value" type="dms:Lookup" maxOccurs="unbounded" minOccurs="0" nillable="true"/>
+            </xsd:sequence>
+          </xsd:extension>
+        </xsd:complexContent>
+      </xsd:complexType>
+    </xsd:element>
+    <xsd:element name="LastPreviewedByLookup" ma:index="58" nillable="true" ma:displayName="Last Previewed By" ma:default="" ma:list="{48E76E2C-5BED-4E0E-9D91-D053B66F5ED2}" ma:internalName="LastPreviewedByLookup" ma:readOnly="true" ma:showField="LastPreviewedBy" ma:web="f105ad54-119a-4495-aa55-0e28b6b4ad2f">
+      <xsd:complexType>
+        <xsd:complexContent>
+          <xsd:extension base="dms:MultiChoiceLookup">
+            <xsd:sequence>
+              <xsd:element name="Value" type="dms:Lookup" maxOccurs="unbounded" minOccurs="0" nillable="true"/>
+            </xsd:sequence>
+          </xsd:extension>
+        </xsd:complexContent>
+      </xsd:complexType>
+    </xsd:element>
+    <xsd:element name="LastPreviewTimeLookup" ma:index="59" nillable="true" ma:displayName="Last Previewed Date" ma:default="" ma:list="{48E76E2C-5BED-4E0E-9D91-D053B66F5ED2}" ma:internalName="LastPreviewTimeLookup" ma:readOnly="true" ma:showField="LastPreviewTime" ma:web="f105ad54-119a-4495-aa55-0e28b6b4ad2f">
+      <xsd:complexType>
+        <xsd:complexContent>
+          <xsd:extension base="dms:MultiChoiceLookup">
+            <xsd:sequence>
+              <xsd:element name="Value" type="dms:Lookup" maxOccurs="unbounded" minOccurs="0" nillable="true"/>
+            </xsd:sequence>
+          </xsd:extension>
+        </xsd:complexContent>
+      </xsd:complexType>
+    </xsd:element>
+    <xsd:element name="LastPreviewVersionLookup" ma:index="60" nillable="true" ma:displayName="Last Previewed Version" ma:default="" ma:list="{48E76E2C-5BED-4E0E-9D91-D053B66F5ED2}" ma:internalName="LastPreviewVersionLookup" ma:readOnly="true" ma:showField="LastPreviewVersion" ma:web="f105ad54-119a-4495-aa55-0e28b6b4ad2f">
+      <xsd:complexType>
+        <xsd:complexContent>
+          <xsd:extension base="dms:MultiChoiceLookup">
+            <xsd:sequence>
+              <xsd:element name="Value" type="dms:Lookup" maxOccurs="unbounded" minOccurs="0" nillable="true"/>
+            </xsd:sequence>
+          </xsd:extension>
+        </xsd:complexContent>
+      </xsd:complexType>
+    </xsd:element>
+    <xsd:element name="LastPublishErrorLookup" ma:index="61" nillable="true" ma:displayName="Last Publish Attempt Error" ma:default="" ma:list="{48E76E2C-5BED-4E0E-9D91-D053B66F5ED2}" ma:internalName="LastPublishErrorLookup" ma:readOnly="true" ma:showField="LastPublishError" ma:web="f105ad54-119a-4495-aa55-0e28b6b4ad2f">
+      <xsd:complexType>
+        <xsd:complexContent>
+          <xsd:extension base="dms:MultiChoiceLookup">
+            <xsd:sequence>
+              <xsd:element name="Value" type="dms:Lookup" maxOccurs="unbounded" minOccurs="0" nillable="true"/>
+            </xsd:sequence>
+          </xsd:extension>
+        </xsd:complexContent>
+      </xsd:complexType>
+    </xsd:element>
+    <xsd:element name="LastPublishResultLookup" ma:index="62" nillable="true" ma:displayName="Last Publish Attempt Result" ma:default="" ma:list="{48E76E2C-5BED-4E0E-9D91-D053B66F5ED2}" ma:internalName="LastPublishResultLookup" ma:readOnly="true" ma:showField="LastPublishResult" ma:web="f105ad54-119a-4495-aa55-0e28b6b4ad2f">
+      <xsd:complexType>
+        <xsd:complexContent>
+          <xsd:extension base="dms:MultiChoiceLookup">
+            <xsd:sequence>
+              <xsd:element name="Value" type="dms:Lookup" maxOccurs="unbounded" minOccurs="0" nillable="true"/>
+            </xsd:sequence>
+          </xsd:extension>
+        </xsd:complexContent>
+      </xsd:complexType>
+    </xsd:element>
+    <xsd:element name="LastPublishAttemptDateLookup" ma:index="63" nillable="true" ma:displayName="Last Publish Attempted On" ma:default="" ma:list="{48E76E2C-5BED-4E0E-9D91-D053B66F5ED2}" ma:internalName="LastPublishAttemptDateLookup" ma:readOnly="true" ma:showField="LastPublishAttemptDate" ma:web="f105ad54-119a-4495-aa55-0e28b6b4ad2f">
+      <xsd:complexType>
+        <xsd:complexContent>
+          <xsd:extension base="dms:MultiChoiceLookup">
+            <xsd:sequence>
+              <xsd:element name="Value" type="dms:Lookup" maxOccurs="unbounded" minOccurs="0" nillable="true"/>
+            </xsd:sequence>
+          </xsd:extension>
+        </xsd:complexContent>
+      </xsd:complexType>
+    </xsd:element>
+    <xsd:element name="LastPublishedByLookup" ma:index="64" nillable="true" ma:displayName="Last Published By" ma:default="" ma:list="{48E76E2C-5BED-4E0E-9D91-D053B66F5ED2}" ma:internalName="LastPublishedByLookup" ma:readOnly="true" ma:showField="LastPublishedBy" ma:web="f105ad54-119a-4495-aa55-0e28b6b4ad2f">
+      <xsd:complexType>
+        <xsd:complexContent>
+          <xsd:extension base="dms:MultiChoiceLookup">
+            <xsd:sequence>
+              <xsd:element name="Value" type="dms:Lookup" maxOccurs="unbounded" minOccurs="0" nillable="true"/>
+            </xsd:sequence>
+          </xsd:extension>
+        </xsd:complexContent>
+      </xsd:complexType>
+    </xsd:element>
+    <xsd:element name="LastPublishTimeLookup" ma:index="65" nillable="true" ma:displayName="Last Published Date" ma:default="" ma:list="{48E76E2C-5BED-4E0E-9D91-D053B66F5ED2}" ma:internalName="LastPublishTimeLookup" ma:readOnly="true" ma:showField="LastPublishTime" ma:web="f105ad54-119a-4495-aa55-0e28b6b4ad2f">
+      <xsd:complexType>
+        <xsd:complexContent>
+          <xsd:extension base="dms:MultiChoiceLookup">
+            <xsd:sequence>
+              <xsd:element name="Value" type="dms:Lookup" maxOccurs="unbounded" minOccurs="0" nillable="true"/>
+            </xsd:sequence>
+          </xsd:extension>
+        </xsd:complexContent>
+      </xsd:complexType>
+    </xsd:element>
+    <xsd:element name="LastPublishVersionLookup" ma:index="66" nillable="true" ma:displayName="Last Published Version" ma:default="" ma:list="{48E76E2C-5BED-4E0E-9D91-D053B66F5ED2}" ma:internalName="LastPublishVersionLookup" ma:readOnly="true" ma:showField="LastPublishVersion" ma:web="f105ad54-119a-4495-aa55-0e28b6b4ad2f">
+      <xsd:complexType>
+        <xsd:complexContent>
+          <xsd:extension base="dms:MultiChoiceLookup">
+            <xsd:sequence>
+              <xsd:element name="Value" type="dms:Lookup" maxOccurs="unbounded" minOccurs="0" nillable="true"/>
+            </xsd:sequence>
+          </xsd:extension>
+        </xsd:complexContent>
+      </xsd:complexType>
+    </xsd:element>
+    <xsd:element name="TPLaunchHelpLinkType" ma:index="67" nillable="true" ma:displayName="Launch Help Link Type" ma:default="Template" ma:internalName="TPLaunchHelpLinkType">
+      <xsd:simpleType>
+        <xsd:restriction base="dms:Choice">
+          <xsd:enumeration value="Template"/>
+          <xsd:enumeration value="Training"/>
+          <xsd:enumeration value="URL"/>
+          <xsd:enumeration value="None"/>
+        </xsd:restriction>
+      </xsd:simpleType>
+    </xsd:element>
+    <xsd:element name="LegacyData" ma:index="68" nillable="true" ma:displayName="Legacy Data" ma:default="" ma:internalName="LegacyData" ma:readOnly="false">
+      <xsd:simpleType>
+        <xsd:restriction base="dms:Note"/>
+      </xsd:simpleType>
+    </xsd:element>
+    <xsd:element name="TPLaunchHelpLink" ma:index="69" nillable="true" ma:displayName="Link to Launch Help Topic" ma:default="" ma:internalName="TPLaunchHelpLink">
+      <xsd:simpleType>
+        <xsd:restriction base="dms:Text"/>
+      </xsd:simpleType>
+    </xsd:element>
+    <xsd:element name="LocComments" ma:index="70" nillable="true" ma:displayName="Loc Approval Comments" ma:default="" ma:internalName="LocComments" ma:readOnly="false">
+      <xsd:simpleType>
+        <xsd:restriction base="dms:Note"/>
+      </xsd:simpleType>
+    </xsd:element>
+    <xsd:element name="LocLastLocAttemptVersionLookup" ma:index="71" nillable="true" ma:displayName="Loc Last Loc Attempt Version" ma:default="" ma:list="{F611A6F9-FC3A-482F-805C-5B55AA6502C0}" ma:internalName="LocLastLocAttemptVersionLookup" ma:readOnly="false" ma:showField="LastLocAttemptVersion" ma:web="f105ad54-119a-4495-aa55-0e28b6b4ad2f">
+      <xsd:simpleType>
+        <xsd:restriction base="dms:Lookup"/>
+      </xsd:simpleType>
+    </xsd:element>
+    <xsd:element name="LocLastLocAttemptVersionTypeLookup" ma:index="72" nillable="true" ma:displayName="Loc Last Loc Attempt Version Type" ma:default="" ma:list="{F611A6F9-FC3A-482F-805C-5B55AA6502C0}" ma:internalName="LocLastLocAttemptVersionTypeLookup" ma:readOnly="true" ma:showField="LastLocAttemptVersionType" ma:web="f105ad54-119a-4495-aa55-0e28b6b4ad2f">
+      <xsd:simpleType>
+        <xsd:restriction base="dms:Lookup"/>
+      </xsd:simpleType>
+    </xsd:element>
+    <xsd:element name="LocManualTestRequired" ma:index="73" nillable="true" ma:displayName="Loc Manual Test Required" ma:default="" ma:internalName="LocManualTestRequired" ma:readOnly="false">
+      <xsd:simpleType>
+        <xsd:restriction base="dms:Boolean"/>
+      </xsd:simpleType>
+    </xsd:element>
+    <xsd:element name="LocMarketGroupTiers2" ma:index="74" nillable="true" ma:displayName="Loc Market Group Tiers" ma:internalName="LocMarketGroupTiers2" ma:readOnly="false">
+      <xsd:simpleType>
+        <xsd:restriction base="dms:Unknown"/>
+      </xsd:simpleType>
+    </xsd:element>
+    <xsd:element name="LocNewPublishedVersionLookup" ma:index="75" nillable="true" ma:displayName="Loc New Published Version Lookup" ma:default="" ma:list="{F611A6F9-FC3A-482F-805C-5B55AA6502C0}" ma:internalName="LocNewPublishedVersionLookup" ma:readOnly="true" ma:showField="NewPublishedVersion" ma:web="f105ad54-119a-4495-aa55-0e28b6b4ad2f">
+      <xsd:simpleType>
+        <xsd:restriction base="dms:Lookup"/>
+      </xsd:simpleType>
+    </xsd:element>
+    <xsd:element name="LocOverallHandbackStatusLookup" ma:index="76" nillable="true" ma:displayName="Loc Overall Handback Status" ma:default="" ma:list="{F611A6F9-FC3A-482F-805C-5B55AA6502C0}" ma:internalName="LocOverallHandbackStatusLookup" ma:readOnly="true" ma:showField="OverallHandbackStatus" ma:web="f105ad54-119a-4495-aa55-0e28b6b4ad2f">
+      <xsd:simpleType>
+        <xsd:restriction base="dms:Lookup"/>
+      </xsd:simpleType>
+    </xsd:element>
+    <xsd:element name="LocOverallLocStatusLookup" ma:index="77" nillable="true" ma:displayName="Loc Overall Localize Status" ma:default="" ma:list="{F611A6F9-FC3A-482F-805C-5B55AA6502C0}" ma:internalName="LocOverallLocStatusLookup" ma:readOnly="true" ma:showField="OverallLocStatus" ma:web="f105ad54-119a-4495-aa55-0e28b6b4ad2f">
+      <xsd:simpleType>
+        <xsd:restriction base="dms:Lookup"/>
+      </xsd:simpleType>
+    </xsd:element>
+    <xsd:element name="LocOverallPreviewStatusLookup" ma:index="78" nillable="true" ma:displayName="Loc Overall Preview Status" ma:default="" ma:list="{F611A6F9-FC3A-482F-805C-5B55AA6502C0}" ma:internalName="LocOverallPreviewStatusLookup" ma:readOnly="true" ma:showField="OverallPreviewStatus" ma:web="f105ad54-119a-4495-aa55-0e28b6b4ad2f">
+      <xsd:simpleType>
+        <xsd:restriction base="dms:Lookup"/>
+      </xsd:simpleType>
+    </xsd:element>
+    <xsd:element name="LocOverallPublishStatusLookup" ma:index="79" nillable="true" ma:displayName="Loc Overall Publish Status" ma:default="" ma:list="{F611A6F9-FC3A-482F-805C-5B55AA6502C0}" ma:internalName="LocOverallPublishStatusLookup" ma:readOnly="true" ma:showField="OverallPublishStatus" ma:web="f105ad54-119a-4495-aa55-0e28b6b4ad2f">
+      <xsd:simpleType>
+        <xsd:restriction base="dms:Lookup"/>
+      </xsd:simpleType>
+    </xsd:element>
+    <xsd:element name="IntlLocPriority" ma:index="80" nillable="true" ma:displayName="Loc Priority" ma:default="" ma:internalName="IntlLocPriority" ma:readOnly="false">
+      <xsd:simpleType>
+        <xsd:restriction base="dms:Unknown"/>
+      </xsd:simpleType>
+    </xsd:element>
+    <xsd:element name="LocProcessedForHandoffsLookup" ma:index="81" nillable="true" ma:displayName="Loc Processed For Handoffs" ma:default="" ma:list="{F611A6F9-FC3A-482F-805C-5B55AA6502C0}" ma:internalName="LocProcessedForHandoffsLookup" ma:readOnly="true" ma:showField="ProcessedForHandoffs" ma:web="f105ad54-119a-4495-aa55-0e28b6b4ad2f">
+      <xsd:simpleType>
+        <xsd:restriction base="dms:Lookup"/>
+      </xsd:simpleType>
+    </xsd:element>
+    <xsd:element name="LocProcessedForMarketsLookup" ma:index="82" nillable="true" ma:displayName="Loc Processed For Markets" ma:default="" ma:list="{F611A6F9-FC3A-482F-805C-5B55AA6502C0}" ma:internalName="LocProcessedForMarketsLookup" ma:readOnly="true" ma:showField="ProcessedForMarkets" ma:web="f105ad54-119a-4495-aa55-0e28b6b4ad2f">
+      <xsd:simpleType>
+        <xsd:restriction base="dms:Lookup"/>
+      </xsd:simpleType>
+    </xsd:element>
+    <xsd:element name="LocPublishedDependentAssetsLookup" ma:index="83" nillable="true" ma:displayName="Loc Published Dependent Assets" ma:default="" ma:list="{F611A6F9-FC3A-482F-805C-5B55AA6502C0}" ma:internalName="LocPublishedDependentAssetsLookup" ma:readOnly="true" ma:showField="PublishedDependentAssets" ma:web="f105ad54-119a-4495-aa55-0e28b6b4ad2f">
+      <xsd:simpleType>
+        <xsd:restriction base="dms:Lookup"/>
+      </xsd:simpleType>
+    </xsd:element>
+    <xsd:element name="LocPublishedLinkedAssetsLookup" ma:index="84" nillable="true" ma:displayName="Loc Published Linked Assets" ma:default="" ma:list="{F611A6F9-FC3A-482F-805C-5B55AA6502C0}" ma:internalName="LocPublishedLinkedAssetsLookup" ma:readOnly="true" ma:showField="PublishedLinkedAssets" ma:web="f105ad54-119a-4495-aa55-0e28b6b4ad2f">
+      <xsd:simpleType>
+        <xsd:restriction base="dms:Lookup"/>
+      </xsd:simpleType>
+    </xsd:element>
+    <xsd:element name="LocRecommendedHandoff" ma:index="85" nillable="true" ma:displayName="Loc Recommended Handoff" ma:default="" ma:indexed="true" ma:internalName="LocRecommendedHandoff" ma:readOnly="false">
+      <xsd:simpleType>
+        <xsd:restriction base="dms:Text"/>
+      </xsd:simpleType>
+    </xsd:element>
+    <xsd:element name="LocalizationTagsTaxHTField0" ma:index="87" nillable="true" ma:taxonomy="true" ma:internalName="LocalizationTagsTaxHTField0" ma:taxonomyFieldName="LocalizationTags" ma:displayName="Localization Tags" ma:readOnly="false" ma:default="" ma:fieldId="{e3ccb7f3-e095-4e60-89e4-99358a9e407b}" ma:taxonomyMulti="true" ma:sspId="8f79753a-75d3-41f5-8ca3-40b843941b4f" ma:termSetId="5b7703a5-8e8b-4b58-8b31-1cea35331da3" ma:anchorId="00000000-0000-0000-0000-000000000000" ma:open="false" ma:isKeyword="false">
+      <xsd:complexType>
+        <xsd:sequence>
+          <xsd:element ref="pc:Terms" minOccurs="0" maxOccurs="1"/>
+        </xsd:sequence>
+      </xsd:complexType>
+    </xsd:element>
+    <xsd:element name="MachineTranslated" ma:index="88" nillable="true" ma:displayName="Machine Translated" ma:default="" ma:internalName="MachineTranslated" ma:readOnly="false">
+      <xsd:simpleType>
+        <xsd:restriction base="dms:Boolean"/>
+      </xsd:simpleType>
+    </xsd:element>
+    <xsd:element name="Manager" ma:index="89" nillable="true" ma:displayName="Manager" ma:hidden="true" ma:internalName="Manager" ma:readOnly="false">
+      <xsd:simpleType>
+        <xsd:restriction base="dms:Text"/>
+      </xsd:simpleType>
+    </xsd:element>
+    <xsd:element name="Markets" ma:index="90" nillable="true" ma:displayName="Markets" ma:default="" ma:description="Leave blank to show in all markets" ma:list="{77ED1C39-458B-43CB-92CF-2BB5034D6716}" ma:internalName="Markets" ma:readOnly="false" ma:showField="MarketName" ma:web="f105ad54-119a-4495-aa55-0e28b6b4ad2f">
+      <xsd:complexType>
+        <xsd:complexContent>
+          <xsd:extension base="dms:MultiChoiceLookup">
+            <xsd:sequence>
+              <xsd:element name="Value" type="dms:Lookup" maxOccurs="unbounded" minOccurs="0" nillable="true"/>
+            </xsd:sequence>
+          </xsd:extension>
+        </xsd:complexContent>
+      </xsd:complexType>
+    </xsd:element>
+    <xsd:element name="Milestone" ma:index="91" nillable="true" ma:displayName="Milestone" ma:default="" ma:internalName="Milestone" ma:readOnly="false">
+      <xsd:simpleType>
+        <xsd:restriction base="dms:Unknown"/>
+      </xsd:simpleType>
+    </xsd:element>
+    <xsd:element name="TPNamespace" ma:index="94" nillable="true" ma:displayName="Namespace" ma:default="" ma:internalName="TPNamespace">
+      <xsd:simpleType>
+        <xsd:restriction base="dms:Text"/>
+      </xsd:simpleType>
+    </xsd:element>
+    <xsd:element name="NumericId" ma:index="95" nillable="true" ma:displayName="Numeric ID" ma:default="" ma:indexed="true" ma:internalName="NumericId" ma:readOnly="false">
+      <xsd:simpleType>
+        <xsd:restriction base="dms:Number"/>
+      </xsd:simpleType>
+    </xsd:element>
+    <xsd:element name="NumOfRatingsLookup" ma:index="96" nillable="true" ma:displayName="NumOfRatings" ma:default="" ma:list="{48E76E2C-5BED-4E0E-9D91-D053B66F5ED2}" ma:internalName="NumOfRatingsLookup" ma:readOnly="true" ma:showField="NumOfRatings" ma:web="f105ad54-119a-4495-aa55-0e28b6b4ad2f">
+      <xsd:complexType>
+        <xsd:complexContent>
+          <xsd:extension base="dms:MultiChoiceLookup">
+            <xsd:sequence>
+              <xsd:element name="Value" type="dms:Lookup" maxOccurs="unbounded" minOccurs="0" nillable="true"/>
+            </xsd:sequence>
+          </xsd:extension>
+        </xsd:complexContent>
+      </xsd:complexType>
+    </xsd:element>
+    <xsd:element name="OOCacheId" ma:index="97" nillable="true" ma:displayName="OOCacheId" ma:internalName="OOCacheId" ma:readOnly="false">
+      <xsd:simpleType>
+        <xsd:restriction base="dms:Text"/>
+      </xsd:simpleType>
+    </xsd:element>
+    <xsd:element name="OpenTemplate" ma:index="98" nillable="true" ma:displayName="Open Template" ma:default="true" ma:internalName="OpenTemplate">
+      <xsd:simpleType>
+        <xsd:restriction base="dms:Boolean"/>
+      </xsd:simpleType>
+    </xsd:element>
+    <xsd:element name="OriginAsset" ma:index="99" nillable="true" ma:displayName="Origin Asset" ma:default="" ma:internalName="OriginAsset" ma:readOnly="false">
+      <xsd:simpleType>
+        <xsd:restriction base="dms:Text"/>
+      </xsd:simpleType>
+    </xsd:element>
+    <xsd:element name="OriginalRelease" ma:index="100" nillable="true" ma:displayName="Original Release" ma:default="15" ma:internalName="OriginalRelease" ma:readOnly="false">
+      <xsd:simpleType>
+        <xsd:restriction base="dms:Choice">
+          <xsd:enumeration value="14"/>
+          <xsd:enumeration value="15"/>
+          <xsd:enumeration value="16"/>
+        </xsd:restriction>
+      </xsd:simpleType>
+    </xsd:element>
+    <xsd:element name="OriginalSourceMarket" ma:index="101" nillable="true" ma:displayName="Original Source Market Group" ma:default="" ma:internalName="OriginalSourceMarket" ma:readOnly="false">
+      <xsd:simpleType>
+        <xsd:restriction base="dms:Text"/>
+      </xsd:simpleType>
+    </xsd:element>
+    <xsd:element name="OutputCachingOn" ma:index="102" nillable="true" ma:displayName="Output Caching" ma:default="true" ma:hidden="true" ma:internalName="OutputCachingOn" ma:readOnly="false">
+      <xsd:simpleType>
+        <xsd:restriction base="dms:Boolean"/>
+      </xsd:simpleType>
+    </xsd:element>
+    <xsd:element name="ParentAssetId" ma:index="103" nillable="true" ma:displayName="Parent Asset Id" ma:default="" ma:internalName="ParentAssetId" ma:readOnly="false">
+      <xsd:simpleType>
+        <xsd:restriction base="dms:Text"/>
+      </xsd:simpleType>
+    </xsd:element>
+    <xsd:element name="PlannedPubDate" ma:index="104" nillable="true" ma:displayName="Planned Publish Date" ma:default="" ma:indexed="true" ma:internalName="PlannedPubDate" ma:readOnly="false">
+      <xsd:simpleType>
+        <xsd:restriction base="dms:DateTime"/>
+      </xsd:simpleType>
+    </xsd:element>
+    <xsd:element name="PolicheckWords" ma:index="105" nillable="true" ma:displayName="Policheck Words" ma:default="" ma:internalName="PolicheckWords" ma:readOnly="false">
+      <xsd:simpleType>
+        <xsd:restriction base="dms:Text"/>
+      </xsd:simpleType>
+    </xsd:element>
+    <xsd:element name="BusinessGroup" ma:index="106" nillable="true" ma:displayName="Product Division Owner" ma:default="" ma:internalName="BusinessGroup" ma:readOnly="false">
+      <xsd:simpleType>
+        <xsd:restriction base="dms:Unknown"/>
+      </xsd:simpleType>
+    </xsd:element>
+    <xsd:element name="UAProjectedTotalWords" ma:index="107" nillable="true" ma:displayName="Projected Word Count" ma:default="" ma:internalName="UAProjectedTotalWords" ma:readOnly="false">
+      <xsd:simpleType>
+        <xsd:restriction base="dms:Unknown"/>
+      </xsd:simpleType>
+    </xsd:element>
+    <xsd:element name="Provider" ma:index="108" nillable="true" ma:displayName="Provider" ma:default="" ma:internalName="Provider" ma:readOnly="false">
+      <xsd:simpleType>
+        <xsd:restriction base="dms:Unknown"/>
+      </xsd:simpleType>
+    </xsd:element>
+    <xsd:element name="Providers" ma:index="109" nillable="true" ma:displayName="Providers" ma:default="" ma:internalName="Providers">
+      <xsd:simpleType>
+        <xsd:restriction base="dms:Unknown"/>
+      </xsd:simpleType>
+    </xsd:element>
+    <xsd:element name="PublishStatusLookup" ma:index="110" nillable="true" ma:displayName="Publish Status" ma:default="" ma:list="{48E76E2C-5BED-4E0E-9D91-D053B66F5ED2}" ma:internalName="PublishStatusLookup" ma:readOnly="false" ma:showField="PublishStatus" ma:web="f105ad54-119a-4495-aa55-0e28b6b4ad2f">
+      <xsd:complexType>
+        <xsd:complexContent>
+          <xsd:extension base="dms:MultiChoiceLookup">
+            <xsd:sequence>
+              <xsd:element name="Value" type="dms:Lookup" maxOccurs="unbounded" minOccurs="0" nillable="true"/>
+            </xsd:sequence>
+          </xsd:extension>
+        </xsd:complexContent>
+      </xsd:complexType>
+    </xsd:element>
+    <xsd:element name="PublishTargets" ma:index="111" nillable="true" ma:displayName="Publish Target" ma:default="OfficeOnlineVNext" ma:internalName="PublishTargets" ma:readOnly="false">
+      <xsd:simpleType>
+        <xsd:restriction base="dms:Unknown"/>
+      </xsd:simpleType>
+    </xsd:element>
+    <xsd:element name="RecommendationsModifier" ma:index="112" nillable="true" ma:displayName="Recommendations Modifier" ma:default="" ma:internalName="RecommendationsModifier" ma:readOnly="false">
+      <xsd:simpleType>
+        <xsd:restriction base="dms:Number"/>
+      </xsd:simpleType>
+    </xsd:element>
+    <xsd:element name="ArtSampleDocs" ma:index="113" nillable="true" ma:displayName="Sample Docs" ma:default="" ma:hidden="true" ma:internalName="ArtSampleDocs" ma:readOnly="false">
+      <xsd:simpleType>
+        <xsd:restriction base="dms:Text"/>
+      </xsd:simpleType>
+    </xsd:element>
+    <xsd:element name="ScenarioTagsTaxHTField0" ma:index="115" nillable="true" ma:taxonomy="true" ma:internalName="ScenarioTagsTaxHTField0" ma:taxonomyFieldName="ScenarioTags" ma:displayName="Scenarios" ma:readOnly="false" ma:default="" ma:fieldId="{faf1e1af-89ff-457d-b189-64e47bbed779}" ma:taxonomyMulti="true" ma:sspId="8f79753a-75d3-41f5-8ca3-40b843941b4f" ma:termSetId="4b7d5f16-e2f2-4fc0-bab3-6e8b931e57d6" ma:anchorId="00000000-0000-0000-0000-000000000000" ma:open="false" ma:isKeyword="false">
+      <xsd:complexType>
+        <xsd:sequence>
+          <xsd:element ref="pc:Terms" minOccurs="0" maxOccurs="1"/>
+        </xsd:sequence>
+      </xsd:complexType>
+    </xsd:element>
+    <xsd:element name="ShowIn" ma:index="117" nillable="true" ma:displayName="Show In" ma:default="Show everywhere" ma:internalName="ShowIn" ma:readOnly="false">
+      <xsd:simpleType>
+        <xsd:restriction base="dms:Choice">
+          <xsd:enumeration value="Hide on web"/>
+          <xsd:enumeration value="On Web no search"/>
+          <xsd:enumeration value="Show everywhere"/>
+          <xsd:enumeration value="Special use only"/>
+        </xsd:restriction>
+      </xsd:simpleType>
+    </xsd:element>
+    <xsd:element name="SourceTitle" ma:index="118" nillable="true" ma:displayName="Source Title" ma:default="" ma:indexed="true" ma:internalName="SourceTitle" ma:readOnly="false">
+      <xsd:simpleType>
+        <xsd:restriction base="dms:Text"/>
+      </xsd:simpleType>
+    </xsd:element>
+    <xsd:element name="CSXSubmissionDate" ma:index="119" nillable="true" ma:displayName="Submission Date" ma:default="" ma:internalName="CSXSubmissionDate" ma:readOnly="false">
+      <xsd:simpleType>
+        <xsd:restriction base="dms:DateTime"/>
+      </xsd:simpleType>
+    </xsd:element>
+    <xsd:element name="SubmitterId" ma:index="120" nillable="true" ma:displayName="Submitter ID" ma:default="" ma:internalName="SubmitterId" ma:readOnly="false">
+      <xsd:simpleType>
+        <xsd:restriction base="dms:Text"/>
+      </xsd:simpleType>
+    </xsd:element>
+    <xsd:element name="TaxCatchAll" ma:index="121" nillable="true" ma:displayName="Taxonomy Catch All Column" ma:hidden="true" ma:list="{14d3419f-9772-4c8d-a0a0-05446c45e95f}" ma:internalName="TaxCatchAll" ma:showField="CatchAllData" ma:web="f105ad54-119a-4495-aa55-0e28b6b4ad2f">
+      <xsd:complexType>
+        <xsd:complexContent>
+          <xsd:extension base="dms:MultiChoiceLookup">
+            <xsd:sequence>
+              <xsd:element name="Value" type="dms:Lookup" maxOccurs="unbounded" minOccurs="0" nillable="true"/>
+            </xsd:sequence>
+          </xsd:extension>
+        </xsd:complexContent>
+      </xsd:complexType>
+    </xsd:element>
+    <xsd:element name="TaxCatchAllLabel" ma:index="122" nillable="true" ma:displayName="Taxonomy Catch All Column1" ma:hidden="true" ma:list="{14d3419f-9772-4c8d-a0a0-05446c45e95f}" ma:internalName="TaxCatchAllLabel" ma:readOnly="true" ma:showField="CatchAllDataLabel" ma:web="f105ad54-119a-4495-aa55-0e28b6b4ad2f">
+      <xsd:complexType>
+        <xsd:complexContent>
+          <xsd:extension base="dms:MultiChoiceLookup">
+            <xsd:sequence>
+              <xsd:element name="Value" type="dms:Lookup" maxOccurs="unbounded" minOccurs="0" nillable="true"/>
+            </xsd:sequence>
+          </xsd:extension>
+        </xsd:complexContent>
+      </xsd:complexType>
+    </xsd:element>
+    <xsd:element name="TemplateStatus" ma:index="123" nillable="true" ma:displayName="Template Status" ma:default="" ma:internalName="TemplateStatus">
+      <xsd:simpleType>
+        <xsd:restriction base="dms:Unknown"/>
+      </xsd:simpleType>
+    </xsd:element>
+    <xsd:element name="TemplateTemplateType" ma:index="124" nillable="true" ma:displayName="Template Type" ma:default="" ma:internalName="TemplateTemplateType">
+      <xsd:simpleType>
+        <xsd:restriction base="dms:Unknown"/>
+      </xsd:simpleType>
+    </xsd:element>
+    <xsd:element name="ThumbnailAssetId" ma:index="125" nillable="true" ma:displayName="Thumbnail Image Asset" ma:default="" ma:internalName="ThumbnailAssetId" ma:readOnly="false">
+      <xsd:simpleType>
+        <xsd:restriction base="dms:Text"/>
+      </xsd:simpleType>
+    </xsd:element>
+    <xsd:element name="TimesCloned" ma:index="126" nillable="true" ma:displayName="Times Cloned" ma:default="" ma:internalName="TimesCloned" ma:readOnly="false">
+      <xsd:simpleType>
+        <xsd:restriction base="dms:Number"/>
+      </xsd:simpleType>
+    </xsd:element>
+    <xsd:element name="TrustLevel" ma:index="128" nillable="true" ma:displayName="Trust Level" ma:default="1 Microsoft Managed Content" ma:internalName="TrustLevel" ma:readOnly="false">
+      <xsd:simpleType>
+        <xsd:restriction base="dms:Unknown"/>
+      </xsd:simpleType>
+    </xsd:element>
+    <xsd:element name="UALocComments" ma:index="129" nillable="true" ma:displayName="UA Loc Comments" ma:default="" ma:internalName="UALocComments" ma:readOnly="false">
+      <xsd:simpleType>
+        <xsd:restriction base="dms:Note"/>
+      </xsd:simpleType>
+    </xsd:element>
+    <xsd:element name="UALocRecommendation" ma:index="130" nillable="true" ma:displayName="UA Loc Recommendation" ma:default="Localize" ma:internalName="UALocRecommendation" ma:readOnly="false">
+      <xsd:simpleType>
+        <xsd:restriction base="dms:Choice">
+          <xsd:enumeration value="Localize"/>
+          <xsd:enumeration value="Never Localize"/>
+          <xsd:enumeration value="Priority Localize"/>
+        </xsd:restriction>
+      </xsd:simpleType>
+    </xsd:element>
+    <xsd:element name="UANotes" ma:index="131" nillable="true" ma:displayName="UA Notes" ma:default="" ma:internalName="UANotes" ma:readOnly="false">
+      <xsd:simpleType>
+        <xsd:restriction base="dms:Note"/>
+      </xsd:simpleType>
+    </xsd:element>
+    <xsd:element name="TPAppVersion" ma:index="132" nillable="true" ma:displayName="Version" ma:default="" ma:internalName="TPAppVersion">
+      <xsd:simpleType>
+        <xsd:restriction base="dms:Text"/>
+      </xsd:simpleType>
+    </xsd:element>
+    <xsd:element name="VoteCount" ma:index="133" nillable="true" ma:displayName="Vote Count" ma:default="" ma:internalName="VoteCount" ma:readOnly="false">
+      <xsd:simpleType>
+        <xsd:restriction base="dms:Unknown"/>
+      </xsd:simpleType>
+    </xsd:element>
+  </xsd:schema>
+  <xsd:schema xmlns:xsd="http://www.w3.org/2001/XMLSchema" xmlns:xs="http://www.w3.org/2001/XMLSchema" xmlns:dms="http://schemas.microsoft.com/office/2006/documentManagement/types" xmlns:pc="http://schemas.microsoft.com/office/infopath/2007/PartnerControls" targetNamespace="c7af2036-029c-470e-8042-297c68a41472" elementFormDefault="qualified">
+    <xsd:import namespace="http://schemas.microsoft.com/office/2006/documentManagement/types"/>
+    <xsd:import namespace="http://schemas.microsoft.com/office/infopath/2007/PartnerControls"/>
+    <xsd:element name="Description0" ma:index="134" nillable="true" ma:displayName="Description" ma:internalName="Description0">
+      <xsd:simpleType>
+        <xsd:restriction base="dms:Note"/>
+      </xsd:simpleType>
+    </xsd:element>
+    <xsd:element name="Component" ma:index="135" nillable="true" ma:displayName="Component" ma:internalName="Component">
+      <xsd:simpleType>
+        <xsd:restriction base="dms:Text">
+          <xsd:maxLength value="255"/>
+        </xsd:restriction>
+      </xsd:simpleType>
+    </xsd:element>
+  </xsd:schema>
+  <xsd:schema xmlns="http://schemas.openxmlformats.org/package/2006/metadata/core-properties" xmlns:xsd="http://www.w3.org/2001/XMLSchema" xmlns:xsi="http://www.w3.org/2001/XMLSchema-instance" xmlns:dc="http://purl.org/dc/elements/1.1/" xmlns:dcterms="http://purl.org/dc/terms/" xmlns:odoc="http://schemas.microsoft.com/internal/obd" targetNamespace="http://schemas.openxmlformats.org/package/2006/metadata/core-properties" elementFormDefault="qualified" attributeFormDefault="unqualified" blockDefault="#all">
+    <xsd:import namespace="http://purl.org/dc/elements/1.1/" schemaLocation="http://dublincore.org/schemas/xmls/qdc/2003/04/02/dc.xsd"/>
+    <xsd:import namespace="http://purl.org/dc/terms/" schemaLocation="http://dublincore.org/schemas/xmls/qdc/2003/04/02/dcterms.xsd"/>
+    <xsd:element name="coreProperties" type="CT_coreProperties"/>
+    <xsd:complexType name="CT_coreProperties">
+      <xsd:all>
+        <xsd:element ref="dc:creator" minOccurs="0" maxOccurs="1"/>
+        <xsd:element ref="dcterms:created" minOccurs="0" maxOccurs="1"/>
+        <xsd:element ref="dc:identifier" minOccurs="0" maxOccurs="1"/>
+        <xsd:element name="contentType" minOccurs="0" maxOccurs="1" type="xsd:string" ma:index="22" ma:displayName="Content Type"/>
+        <xsd:element ref="dc:title" minOccurs="0" maxOccurs="1" ma:index="127" ma:displayName="Title"/>
+        <xsd:element ref="dc:subject" minOccurs="0" maxOccurs="1"/>
+        <xsd:element ref="dc:description" minOccurs="0" maxOccurs="1"/>
+        <xsd:element name="keywords" minOccurs="0" maxOccurs="1" type="xsd:string"/>
+        <xsd:element ref="dc:language" minOccurs="0" maxOccurs="1"/>
+        <xsd:element name="category" minOccurs="0" maxOccurs="1" type="xsd:string"/>
+        <xsd:element name="version" minOccurs="0" maxOccurs="1" type="xsd:string"/>
+        <xsd:element name="revision" minOccurs="0" maxOccurs="1" type="xsd:string">
+          <xsd:annotation>
+            <xsd:documentation>
+                        This value indicates the number of saves or revisions. The application is responsible for updating this value after each revision.
+                    </xsd:documentation>
+          </xsd:annotation>
+        </xsd:element>
+        <xsd:element name="lastModifiedBy" minOccurs="0" maxOccurs="1" type="xsd:string"/>
+        <xsd:element ref="dcterms:modified" minOccurs="0" maxOccurs="1"/>
+        <xsd:element name="contentStatus" minOccurs="0" maxOccurs="1" type="xsd:string"/>
+      </xsd:all>
+    </xsd:complexType>
+  </xsd:schema>
+  <xs:schema xmlns:pc="http://schemas.microsoft.com/office/infopath/2007/PartnerControls" xmlns:xs="http://www.w3.org/2001/XMLSchema" targetNamespace="http://schemas.microsoft.com/office/infopath/2007/PartnerControls" elementFormDefault="qualified" attributeFormDefault="unqualified">
+    <xs:element name="Person">
+      <xs:complexType>
+        <xs:sequence>
+          <xs:element ref="pc:DisplayName" minOccurs="0"/>
+          <xs:element ref="pc:AccountId" minOccurs="0"/>
+          <xs:element ref="pc:AccountType" minOccurs="0"/>
+        </xs:sequence>
+      </xs:complexType>
+    </xs:element>
+    <xs:element name="DisplayName" type="xs:string"/>
+    <xs:element name="AccountId" type="xs:string"/>
+    <xs:element name="AccountType" type="xs:string"/>
+    <xs:element name="BDCAssociatedEntity">
+      <xs:complexType>
+        <xs:sequence>
+          <xs:element ref="pc:BDCEntity" minOccurs="0" maxOccurs="unbounded"/>
+        </xs:sequence>
+        <xs:attribute ref="pc:EntityNamespace"/>
+        <xs:attribute ref="pc:EntityName"/>
+        <xs:attribute ref="pc:SystemInstanceName"/>
+        <xs:attribute ref="pc:AssociationName"/>
+      </xs:complexType>
+    </xs:element>
+    <xs:attribute name="EntityNamespace" type="xs:string"/>
+    <xs:attribute name="EntityName" type="xs:string"/>
+    <xs:attribute name="SystemInstanceName" type="xs:string"/>
+    <xs:attribute name="AssociationName" type="xs:string"/>
+    <xs:element name="BDCEntity">
+      <xs:complexType>
+        <xs:sequence>
+          <xs:element ref="pc:EntityDisplayName" minOccurs="0"/>
+          <xs:element ref="pc:EntityInstanceReference" minOccurs="0"/>
+          <xs:element ref="pc:EntityId1" minOccurs="0"/>
+          <xs:element ref="pc:EntityId2" minOccurs="0"/>
+          <xs:element ref="pc:EntityId3" minOccurs="0"/>
+          <xs:element ref="pc:EntityId4" minOccurs="0"/>
+          <xs:element ref="pc:EntityId5" minOccurs="0"/>
+        </xs:sequence>
+      </xs:complexType>
+    </xs:element>
+    <xs:element name="EntityDisplayName" type="xs:string"/>
+    <xs:element name="EntityInstanceReference" type="xs:string"/>
+    <xs:element name="EntityId1" type="xs:string"/>
+    <xs:element name="EntityId2" type="xs:string"/>
+    <xs:element name="EntityId3" type="xs:string"/>
+    <xs:element name="EntityId4" type="xs:string"/>
+    <xs:element name="EntityId5" type="xs:string"/>
+    <xs:element name="Terms">
+      <xs:complexType>
+        <xs:sequence>
+          <xs:element ref="pc:TermInfo" minOccurs="0" maxOccurs="unbounded"/>
+        </xs:sequence>
+      </xs:complexType>
+    </xs:element>
+    <xs:element name="TermInfo">
+      <xs:complexType>
+        <xs:sequence>
+          <xs:element ref="pc:TermName" minOccurs="0"/>
+          <xs:element ref="pc:TermId" minOccurs="0"/>
+        </xs:sequence>
+      </xs:complexType>
+    </xs:element>
+    <xs:element name="TermName" type="xs:string"/>
+    <xs:element name="TermId" type="xs:string"/>
+  </xs:schema>
+</ct:contentTypeSchema>
 </file>
 
 <file path=customXml/itemProps1.xml><?xml version="1.0" encoding="utf-8"?>
+<ds:datastoreItem xmlns:ds="http://schemas.openxmlformats.org/officeDocument/2006/customXml" ds:itemID="{C201E313-8F9D-4440-B4F7-718C9B2D8E4A}">
+  <ds:schemaRefs>
+    <ds:schemaRef ds:uri="http://schemas.microsoft.com/sharepoint/v3/contenttype/forms"/>
+  </ds:schemaRefs>
+</ds:datastoreItem>
+</file>
+
+<file path=customXml/itemProps2.xml><?xml version="1.0" encoding="utf-8"?>
+<ds:datastoreItem xmlns:ds="http://schemas.openxmlformats.org/officeDocument/2006/customXml" ds:itemID="{E4FF3A48-CEDF-4E2C-93A2-80DD637554A8}">
+  <ds:schemaRefs>
+    <ds:schemaRef ds:uri="http://schemas.microsoft.com/office/2006/metadata/properties"/>
+    <ds:schemaRef ds:uri="http://schemas.microsoft.com/office/infopath/2007/PartnerControls"/>
+    <ds:schemaRef ds:uri="f105ad54-119a-4495-aa55-0e28b6b4ad2f"/>
+    <ds:schemaRef ds:uri="c7af2036-029c-470e-8042-297c68a41472"/>
+  </ds:schemaRefs>
+</ds:datastoreItem>
+</file>
+
+<file path=customXml/itemProps3.xml><?xml version="1.0" encoding="utf-8"?>
 <ds:datastoreItem xmlns:ds="http://schemas.openxmlformats.org/officeDocument/2006/customXml" ds:itemID="{B8850C15-FE45-4039-8C21-B849F0C0C102}">
   <ds:schemaRefs>
     <ds:schemaRef ds:uri="http://schemas.microsoft.com/office/2006/metadata/contentType"/>
@@ -6754,23 +7272,4 @@
     <ds:schemaRef ds:uri="http://schemas.microsoft.com/internal/obd"/>
   </ds:schemaRefs>
 </ds:datastoreItem>
-</file>
-
-<file path=customXml/itemProps2.xml><?xml version="1.0" encoding="utf-8"?>
-<ds:datastoreItem xmlns:ds="http://schemas.openxmlformats.org/officeDocument/2006/customXml" ds:itemID="{E4FF3A48-CEDF-4E2C-93A2-80DD637554A8}">
-  <ds:schemaRefs>
-    <ds:schemaRef ds:uri="http://schemas.microsoft.com/office/2006/metadata/properties"/>
-    <ds:schemaRef ds:uri="http://schemas.microsoft.com/office/infopath/2007/PartnerControls"/>
-    <ds:schemaRef ds:uri="f105ad54-119a-4495-aa55-0e28b6b4ad2f"/>
-    <ds:schemaRef ds:uri="c7af2036-029c-470e-8042-297c68a41472"/>
-  </ds:schemaRefs>
-</ds:datastoreItem>
-</file>
-
-<file path=customXml/itemProps3.xml><?xml version="1.0" encoding="utf-8"?>
-<ds:datastoreItem xmlns:ds="http://schemas.openxmlformats.org/officeDocument/2006/customXml" ds:itemID="{C201E313-8F9D-4440-B4F7-718C9B2D8E4A}">
-  <ds:schemaRefs>
-    <ds:schemaRef ds:uri="http://schemas.microsoft.com/sharepoint/v3/contenttype/forms"/>
-  </ds:schemaRefs>
-</ds:datastoreItem>
 </file>
--- a/Zahnlos GmbH & Co.pptx
+++ b/Zahnlos GmbH & Co.pptx
@@ -388,7 +388,7 @@
               <a:pPr>
                 <a:defRPr lang="de-DE"/>
               </a:pPr>
-              <a:t>‹#›</a:t>
+              <a:t>‹Nr.›</a:t>
             </a:fld>
             <a:endParaRPr lang="de-DE"/>
           </a:p>
@@ -642,7 +642,7 @@
               <a:pPr>
                 <a:defRPr lang="de-DE"/>
               </a:pPr>
-              <a:t>‹#›</a:t>
+              <a:t>‹Nr.›</a:t>
             </a:fld>
             <a:endParaRPr lang="de-DE"/>
           </a:p>
@@ -841,7 +841,7 @@
               <a:pPr>
                 <a:defRPr lang="de-DE"/>
               </a:pPr>
-              <a:t>‹#›</a:t>
+              <a:t>‹Nr.›</a:t>
             </a:fld>
             <a:endParaRPr lang="de-DE"/>
           </a:p>
@@ -939,7 +939,7 @@
               <a:pPr>
                 <a:defRPr lang="de-DE"/>
               </a:pPr>
-              <a:t>‹#›</a:t>
+              <a:t>‹Nr.›</a:t>
             </a:fld>
             <a:endParaRPr lang="de-DE"/>
           </a:p>
@@ -1445,7 +1445,7 @@
               <a:pPr>
                 <a:defRPr lang="de-DE"/>
               </a:pPr>
-              <a:t>‹#›</a:t>
+              <a:t>‹Nr.›</a:t>
             </a:fld>
             <a:endParaRPr lang="de-DE"/>
           </a:p>
@@ -1657,7 +1657,7 @@
               <a:pPr>
                 <a:defRPr lang="de-DE"/>
               </a:pPr>
-              <a:t>‹#›</a:t>
+              <a:t>‹Nr.›</a:t>
             </a:fld>
             <a:endParaRPr lang="de-DE"/>
           </a:p>
@@ -1967,7 +1967,7 @@
               <a:pPr>
                 <a:defRPr lang="de-DE"/>
               </a:pPr>
-              <a:t>‹#›</a:t>
+              <a:t>‹Nr.›</a:t>
             </a:fld>
             <a:endParaRPr lang="de-DE"/>
           </a:p>
@@ -2412,7 +2412,7 @@
               <a:pPr>
                 <a:defRPr lang="de-DE"/>
               </a:pPr>
-              <a:t>‹#›</a:t>
+              <a:t>‹Nr.›</a:t>
             </a:fld>
             <a:endParaRPr lang="de-DE"/>
           </a:p>
@@ -2550,7 +2550,7 @@
               <a:pPr>
                 <a:defRPr lang="de-DE"/>
               </a:pPr>
-              <a:t>‹#›</a:t>
+              <a:t>‹Nr.›</a:t>
             </a:fld>
             <a:endParaRPr lang="de-DE"/>
           </a:p>
@@ -2666,7 +2666,7 @@
               <a:pPr>
                 <a:defRPr lang="de-DE"/>
               </a:pPr>
-              <a:t>‹#›</a:t>
+              <a:t>‹Nr.›</a:t>
             </a:fld>
             <a:endParaRPr lang="de-DE"/>
           </a:p>
@@ -2962,7 +2962,7 @@
               <a:pPr>
                 <a:defRPr lang="de-DE"/>
               </a:pPr>
-              <a:t>‹#›</a:t>
+              <a:t>‹Nr.›</a:t>
             </a:fld>
             <a:endParaRPr lang="de-DE"/>
           </a:p>
@@ -3239,7 +3239,7 @@
               <a:pPr>
                 <a:defRPr lang="de-DE"/>
               </a:pPr>
-              <a:t>‹#›</a:t>
+              <a:t>‹Nr.›</a:t>
             </a:fld>
             <a:endParaRPr lang="de-DE"/>
           </a:p>
@@ -3535,7 +3535,7 @@
               <a:pPr>
                 <a:defRPr lang="de-DE"/>
               </a:pPr>
-              <a:t>‹#›</a:t>
+              <a:t>‹Nr.›</a:t>
             </a:fld>
             <a:endParaRPr lang="de-DE"/>
           </a:p>
@@ -4386,7 +4386,7 @@
                 </a:solidFill>
                 <a:latin typeface="+mj-lt"/>
               </a:rPr>
-              <a:t>Einfach und unkompliziert gewünschten Zahnradtyp</a:t>
+              <a:t>Einfach und unkompliziert den gewünschten Zahnradtyp entwickeln</a:t>
             </a:r>
           </a:p>
           <a:p>
@@ -4450,7 +4450,7 @@
                   </a:schemeClr>
                 </a:solidFill>
               </a:rPr>
-              <a:t>-Verbesserung und Wünsche Besprechen anschließend Umsetzen</a:t>
+              <a:t>-Verbesserung und Wünsche besprechen und anschließend Umsetzen.</a:t>
             </a:r>
           </a:p>
           <a:p>
@@ -5630,44 +5630,15 @@
             <a:pPr marL="0" indent="0">
               <a:buNone/>
             </a:pPr>
+            <a:endParaRPr lang="de-DE" sz="1600" dirty="0"/>
+          </a:p>
+          <a:p>
+            <a:pPr marL="0" indent="0">
+              <a:buNone/>
+            </a:pPr>
             <a:r>
               <a:rPr lang="de-DE" sz="1600" dirty="0"/>
               <a:t>Abb. 1: </a:t>
-            </a:r>
-            <a:r>
-              <a:rPr lang="de-DE" sz="1600" dirty="0">
-                <a:solidFill>
-                  <a:srgbClr val="99CCFF"/>
-                </a:solidFill>
-                <a:hlinkClick r:id="rId2">
-                  <a:extLst>
-                    <a:ext uri="{A12FA001-AC4F-418D-AE19-62706E023703}">
-                      <ahyp:hlinkClr xmlns:ahyp="http://schemas.microsoft.com/office/drawing/2018/hyperlinkcolor" val="tx"/>
-                    </a:ext>
-                  </a:extLst>
-                </a:hlinkClick>
-              </a:rPr>
-              <a:t>https://www.leonardocompany.com/o/adaptive-media/image/5157133/h_560/LDO_banner_software.jpg?t=1550744881800</a:t>
-            </a:r>
-            <a:endParaRPr lang="de-DE" sz="1600" dirty="0">
-              <a:solidFill>
-                <a:srgbClr val="99CCFF"/>
-              </a:solidFill>
-            </a:endParaRPr>
-          </a:p>
-          <a:p>
-            <a:pPr marL="0" indent="0">
-              <a:buNone/>
-            </a:pPr>
-            <a:endParaRPr lang="de-DE" sz="1600" dirty="0"/>
-          </a:p>
-          <a:p>
-            <a:pPr marL="0" indent="0">
-              <a:buNone/>
-            </a:pPr>
-            <a:r>
-              <a:rPr lang="de-DE" sz="1600" dirty="0"/>
-              <a:t>Abb. 2: </a:t>
             </a:r>
             <a:r>
               <a:rPr lang="de-DE" sz="1600" u="sng" dirty="0">
@@ -5690,7 +5661,7 @@
             </a:pPr>
             <a:r>
               <a:rPr lang="de-DE" sz="1600" dirty="0"/>
-              <a:t>Abb. 3: </a:t>
+              <a:t>Abb. 2: </a:t>
             </a:r>
             <a:r>
               <a:rPr lang="de-DE" sz="1600" u="sng" dirty="0">
@@ -6555,1062 +6526,12 @@
 </file>
 
 <file path=customXml/item1.xml><?xml version="1.0" encoding="utf-8"?>
-<ct:contentTypeSchema xmlns:ct="http://schemas.microsoft.com/office/2006/metadata/contentType" xmlns:ma="http://schemas.microsoft.com/office/2006/metadata/properties/metaAttributes" ct:_="" ma:_="" ma:contentTypeName="TemplateFile" ma:contentTypeID="0x01010037696D9D1D95EC45A9440548E782419D04008C4669C20C93454ABB50E332FADBDDBE" ma:contentTypeVersion="55" ma:contentTypeDescription="Create a new document." ma:contentTypeScope="" ma:versionID="0862fa1d3c98dca9116b8c2bbf050b2c">
-  <xsd:schema xmlns:xsd="http://www.w3.org/2001/XMLSchema" xmlns:xs="http://www.w3.org/2001/XMLSchema" xmlns:p="http://schemas.microsoft.com/office/2006/metadata/properties" xmlns:ns2="f105ad54-119a-4495-aa55-0e28b6b4ad2f" xmlns:ns3="c7af2036-029c-470e-8042-297c68a41472" targetNamespace="http://schemas.microsoft.com/office/2006/metadata/properties" ma:root="true" ma:fieldsID="efcf89ea05a71204977c7c6a0a118372" ns2:_="" ns3:_="">
-    <xsd:import namespace="f105ad54-119a-4495-aa55-0e28b6b4ad2f"/>
-    <xsd:import namespace="c7af2036-029c-470e-8042-297c68a41472"/>
-    <xsd:element name="properties">
-      <xsd:complexType>
-        <xsd:sequence>
-          <xsd:element name="documentManagement">
-            <xsd:complexType>
-              <xsd:all>
-                <xsd:element ref="ns2:AcquiredFrom" minOccurs="0"/>
-                <xsd:element ref="ns2:UACurrentWords" minOccurs="0"/>
-                <xsd:element ref="ns2:TPApplication" minOccurs="0"/>
-                <xsd:element ref="ns2:ApprovalLog" minOccurs="0"/>
-                <xsd:element ref="ns2:ApprovalStatus" minOccurs="0"/>
-                <xsd:element ref="ns2:AssetStart" minOccurs="0"/>
-                <xsd:element ref="ns2:AssetExpire" minOccurs="0"/>
-                <xsd:element ref="ns2:AssetId" minOccurs="0"/>
-                <xsd:element ref="ns2:IsSearchable" minOccurs="0"/>
-                <xsd:element ref="ns2:AssetType" minOccurs="0"/>
-                <xsd:element ref="ns2:APAuthor" minOccurs="0"/>
-                <xsd:element ref="ns2:AverageRating" minOccurs="0"/>
-                <xsd:element ref="ns2:BlockPublish" minOccurs="0"/>
-                <xsd:element ref="ns2:BugNumber" minOccurs="0"/>
-                <xsd:element ref="ns2:CampaignTagsTaxHTField0" minOccurs="0"/>
-                <xsd:element ref="ns2:TPClientViewer" minOccurs="0"/>
-                <xsd:element ref="ns2:ClipArtFilename" minOccurs="0"/>
-                <xsd:element ref="ns2:TPCommandLine" minOccurs="0"/>
-                <xsd:element ref="ns2:TPComponent" minOccurs="0"/>
-                <xsd:element ref="ns2:ContentItem" minOccurs="0"/>
-                <xsd:element ref="ns2:CrawlForDependencies" minOccurs="0"/>
-                <xsd:element ref="ns2:CSXHash" minOccurs="0"/>
-                <xsd:element ref="ns2:CSXSubmissionMarket" minOccurs="0"/>
-                <xsd:element ref="ns2:CSXUpdate" minOccurs="0"/>
-                <xsd:element ref="ns2:IntlLangReviewDate" minOccurs="0"/>
-                <xsd:element ref="ns2:IsDeleted" minOccurs="0"/>
-                <xsd:element ref="ns2:APDescription" minOccurs="0"/>
-                <xsd:element ref="ns2:DirectSourceMarket" minOccurs="0"/>
-                <xsd:element ref="ns2:Downloads" minOccurs="0"/>
-                <xsd:element ref="ns2:DSATActionTaken" minOccurs="0"/>
-                <xsd:element ref="ns2:APEditor" minOccurs="0"/>
-                <xsd:element ref="ns2:EditorialStatus" minOccurs="0"/>
-                <xsd:element ref="ns2:EditorialTags" minOccurs="0"/>
-                <xsd:element ref="ns2:TPExecutable" minOccurs="0"/>
-                <xsd:element ref="ns2:FeatureTagsTaxHTField0" minOccurs="0"/>
-                <xsd:element ref="ns2:TPFriendlyName" minOccurs="0"/>
-                <xsd:element ref="ns2:FriendlyTitle" minOccurs="0"/>
-                <xsd:element ref="ns2:PrimaryImageGen" minOccurs="0"/>
-                <xsd:element ref="ns2:HandoffToMSDN" minOccurs="0"/>
-                <xsd:element ref="ns2:InProjectListLookup" minOccurs="0"/>
-                <xsd:element ref="ns2:TPInstallLocation" minOccurs="0"/>
-                <xsd:element ref="ns2:InternalTagsTaxHTField0" minOccurs="0"/>
-                <xsd:element ref="ns2:IntlLangReview" minOccurs="0"/>
-                <xsd:element ref="ns2:IntlLangReviewer" minOccurs="0"/>
-                <xsd:element ref="ns2:MarketSpecific" minOccurs="0"/>
-                <xsd:element ref="ns2:LastCompleteVersionLookup" minOccurs="0"/>
-                <xsd:element ref="ns2:LastHandOff" minOccurs="0"/>
-                <xsd:element ref="ns2:LastModifiedDateTime" minOccurs="0"/>
-                <xsd:element ref="ns2:LastPreviewErrorLookup" minOccurs="0"/>
-                <xsd:element ref="ns2:LastPreviewResultLookup" minOccurs="0"/>
-                <xsd:element ref="ns2:LastPreviewAttemptDateLookup" minOccurs="0"/>
-                <xsd:element ref="ns2:LastPreviewedByLookup" minOccurs="0"/>
-                <xsd:element ref="ns2:LastPreviewTimeLookup" minOccurs="0"/>
-                <xsd:element ref="ns2:LastPreviewVersionLookup" minOccurs="0"/>
-                <xsd:element ref="ns2:LastPublishErrorLookup" minOccurs="0"/>
-                <xsd:element ref="ns2:LastPublishResultLookup" minOccurs="0"/>
-                <xsd:element ref="ns2:LastPublishAttemptDateLookup" minOccurs="0"/>
-                <xsd:element ref="ns2:LastPublishedByLookup" minOccurs="0"/>
-                <xsd:element ref="ns2:LastPublishTimeLookup" minOccurs="0"/>
-                <xsd:element ref="ns2:LastPublishVersionLookup" minOccurs="0"/>
-                <xsd:element ref="ns2:TPLaunchHelpLinkType" minOccurs="0"/>
-                <xsd:element ref="ns2:LegacyData" minOccurs="0"/>
-                <xsd:element ref="ns2:TPLaunchHelpLink" minOccurs="0"/>
-                <xsd:element ref="ns2:LocComments" minOccurs="0"/>
-                <xsd:element ref="ns2:LocLastLocAttemptVersionLookup" minOccurs="0"/>
-                <xsd:element ref="ns2:LocLastLocAttemptVersionTypeLookup" minOccurs="0"/>
-                <xsd:element ref="ns2:LocManualTestRequired" minOccurs="0"/>
-                <xsd:element ref="ns2:LocMarketGroupTiers2" minOccurs="0"/>
-                <xsd:element ref="ns2:LocNewPublishedVersionLookup" minOccurs="0"/>
-                <xsd:element ref="ns2:LocOverallHandbackStatusLookup" minOccurs="0"/>
-                <xsd:element ref="ns2:LocOverallLocStatusLookup" minOccurs="0"/>
-                <xsd:element ref="ns2:LocOverallPreviewStatusLookup" minOccurs="0"/>
-                <xsd:element ref="ns2:LocOverallPublishStatusLookup" minOccurs="0"/>
-                <xsd:element ref="ns2:IntlLocPriority" minOccurs="0"/>
-                <xsd:element ref="ns2:LocProcessedForHandoffsLookup" minOccurs="0"/>
-                <xsd:element ref="ns2:LocProcessedForMarketsLookup" minOccurs="0"/>
-                <xsd:element ref="ns2:LocPublishedDependentAssetsLookup" minOccurs="0"/>
-                <xsd:element ref="ns2:LocPublishedLinkedAssetsLookup" minOccurs="0"/>
-                <xsd:element ref="ns2:LocRecommendedHandoff" minOccurs="0"/>
-                <xsd:element ref="ns2:LocalizationTagsTaxHTField0" minOccurs="0"/>
-                <xsd:element ref="ns2:MachineTranslated" minOccurs="0"/>
-                <xsd:element ref="ns2:Manager" minOccurs="0"/>
-                <xsd:element ref="ns2:Markets" minOccurs="0"/>
-                <xsd:element ref="ns2:Milestone" minOccurs="0"/>
-                <xsd:element ref="ns2:TPNamespace" minOccurs="0"/>
-                <xsd:element ref="ns2:NumericId" minOccurs="0"/>
-                <xsd:element ref="ns2:NumOfRatingsLookup" minOccurs="0"/>
-                <xsd:element ref="ns2:OOCacheId" minOccurs="0"/>
-                <xsd:element ref="ns2:OpenTemplate" minOccurs="0"/>
-                <xsd:element ref="ns2:OriginAsset" minOccurs="0"/>
-                <xsd:element ref="ns2:OriginalRelease" minOccurs="0"/>
-                <xsd:element ref="ns2:OriginalSourceMarket" minOccurs="0"/>
-                <xsd:element ref="ns2:OutputCachingOn" minOccurs="0"/>
-                <xsd:element ref="ns2:ParentAssetId" minOccurs="0"/>
-                <xsd:element ref="ns2:PlannedPubDate" minOccurs="0"/>
-                <xsd:element ref="ns2:PolicheckWords" minOccurs="0"/>
-                <xsd:element ref="ns2:BusinessGroup" minOccurs="0"/>
-                <xsd:element ref="ns2:UAProjectedTotalWords" minOccurs="0"/>
-                <xsd:element ref="ns2:Provider" minOccurs="0"/>
-                <xsd:element ref="ns2:Providers" minOccurs="0"/>
-                <xsd:element ref="ns2:PublishStatusLookup" minOccurs="0"/>
-                <xsd:element ref="ns2:PublishTargets" minOccurs="0"/>
-                <xsd:element ref="ns2:RecommendationsModifier" minOccurs="0"/>
-                <xsd:element ref="ns2:ArtSampleDocs" minOccurs="0"/>
-                <xsd:element ref="ns2:ScenarioTagsTaxHTField0" minOccurs="0"/>
-                <xsd:element ref="ns2:ShowIn" minOccurs="0"/>
-                <xsd:element ref="ns2:SourceTitle" minOccurs="0"/>
-                <xsd:element ref="ns2:CSXSubmissionDate" minOccurs="0"/>
-                <xsd:element ref="ns2:SubmitterId" minOccurs="0"/>
-                <xsd:element ref="ns2:TaxCatchAll" minOccurs="0"/>
-                <xsd:element ref="ns2:TaxCatchAllLabel" minOccurs="0"/>
-                <xsd:element ref="ns2:TemplateStatus" minOccurs="0"/>
-                <xsd:element ref="ns2:TemplateTemplateType" minOccurs="0"/>
-                <xsd:element ref="ns2:ThumbnailAssetId" minOccurs="0"/>
-                <xsd:element ref="ns2:TimesCloned" minOccurs="0"/>
-                <xsd:element ref="ns2:TrustLevel" minOccurs="0"/>
-                <xsd:element ref="ns2:UALocComments" minOccurs="0"/>
-                <xsd:element ref="ns2:UALocRecommendation" minOccurs="0"/>
-                <xsd:element ref="ns2:UANotes" minOccurs="0"/>
-                <xsd:element ref="ns2:TPAppVersion" minOccurs="0"/>
-                <xsd:element ref="ns2:VoteCount" minOccurs="0"/>
-                <xsd:element ref="ns3:Description0" minOccurs="0"/>
-                <xsd:element ref="ns3:Component" minOccurs="0"/>
-              </xsd:all>
-            </xsd:complexType>
-          </xsd:element>
-        </xsd:sequence>
-      </xsd:complexType>
-    </xsd:element>
-  </xsd:schema>
-  <xsd:schema xmlns:xsd="http://www.w3.org/2001/XMLSchema" xmlns:xs="http://www.w3.org/2001/XMLSchema" xmlns:dms="http://schemas.microsoft.com/office/2006/documentManagement/types" xmlns:pc="http://schemas.microsoft.com/office/infopath/2007/PartnerControls" targetNamespace="f105ad54-119a-4495-aa55-0e28b6b4ad2f" elementFormDefault="qualified">
-    <xsd:import namespace="http://schemas.microsoft.com/office/2006/documentManagement/types"/>
-    <xsd:import namespace="http://schemas.microsoft.com/office/infopath/2007/PartnerControls"/>
-    <xsd:element name="AcquiredFrom" ma:index="1" nillable="true" ma:displayName="Acquired From" ma:default="Internal MS" ma:internalName="AcquiredFrom" ma:readOnly="false">
-      <xsd:simpleType>
-        <xsd:restriction base="dms:Choice">
-          <xsd:enumeration value="Internal MS"/>
-          <xsd:enumeration value="Community"/>
-          <xsd:enumeration value="MVP"/>
-          <xsd:enumeration value="Publisher"/>
-          <xsd:enumeration value="Partner"/>
-          <xsd:enumeration value="None"/>
-        </xsd:restriction>
-      </xsd:simpleType>
-    </xsd:element>
-    <xsd:element name="UACurrentWords" ma:index="2" nillable="true" ma:displayName="Actual Word Count" ma:default="" ma:internalName="UACurrentWords" ma:readOnly="false">
-      <xsd:simpleType>
-        <xsd:restriction base="dms:Unknown"/>
-      </xsd:simpleType>
-    </xsd:element>
-    <xsd:element name="TPApplication" ma:index="3" nillable="true" ma:displayName="Application to Open Template With" ma:default="" ma:internalName="TPApplication">
-      <xsd:simpleType>
-        <xsd:restriction base="dms:Text"/>
-      </xsd:simpleType>
-    </xsd:element>
-    <xsd:element name="ApprovalLog" ma:index="4" nillable="true" ma:displayName="Approval Log" ma:default="" ma:hidden="true" ma:internalName="ApprovalLog" ma:readOnly="false">
-      <xsd:simpleType>
-        <xsd:restriction base="dms:Note"/>
-      </xsd:simpleType>
-    </xsd:element>
-    <xsd:element name="ApprovalStatus" ma:index="5" nillable="true" ma:displayName="Approval Status" ma:default="InProgress" ma:internalName="ApprovalStatus" ma:readOnly="false">
-      <xsd:simpleType>
-        <xsd:restriction base="dms:Choice">
-          <xsd:enumeration value="InProgress"/>
-          <xsd:enumeration value="Rejected"/>
-          <xsd:enumeration value="Questionable"/>
-          <xsd:enumeration value="ApprovedAutomatic"/>
-          <xsd:enumeration value="ApprovedManual"/>
-          <xsd:enumeration value="On Hold"/>
-          <xsd:enumeration value="Needs Review"/>
-          <xsd:enumeration value="A Violation"/>
-          <xsd:enumeration value="Unpublished Violation"/>
-        </xsd:restriction>
-      </xsd:simpleType>
-    </xsd:element>
-    <xsd:element name="AssetStart" ma:index="6" nillable="true" ma:displayName="Asset Begin Date" ma:default="[Today]" ma:internalName="AssetStart" ma:readOnly="false">
-      <xsd:simpleType>
-        <xsd:restriction base="dms:DateTime"/>
-      </xsd:simpleType>
-    </xsd:element>
-    <xsd:element name="AssetExpire" ma:index="7" nillable="true" ma:displayName="Asset End Date" ma:default="2029-01-01T00:00:00Z" ma:internalName="AssetExpire" ma:readOnly="false">
-      <xsd:simpleType>
-        <xsd:restriction base="dms:DateTime"/>
-      </xsd:simpleType>
-    </xsd:element>
-    <xsd:element name="AssetId" ma:index="8" nillable="true" ma:displayName="Asset ID" ma:default="" ma:indexed="true" ma:internalName="AssetId" ma:readOnly="false">
-      <xsd:simpleType>
-        <xsd:restriction base="dms:Text">
-          <xsd:maxLength value="255"/>
-        </xsd:restriction>
-      </xsd:simpleType>
-    </xsd:element>
-    <xsd:element name="IsSearchable" ma:index="9" nillable="true" ma:displayName="Asset Searchable?" ma:default="true" ma:internalName="IsSearchable" ma:readOnly="false">
-      <xsd:simpleType>
-        <xsd:restriction base="dms:Boolean"/>
-      </xsd:simpleType>
-    </xsd:element>
-    <xsd:element name="AssetType" ma:index="10" nillable="true" ma:displayName="Asset Type" ma:default="" ma:internalName="AssetType" ma:readOnly="false">
-      <xsd:simpleType>
-        <xsd:restriction base="dms:Unknown"/>
-      </xsd:simpleType>
-    </xsd:element>
-    <xsd:element name="APAuthor" ma:index="11" nillable="true" ma:displayName="Author" ma:default="" ma:list="UserInfo" ma:internalName="APAuthor" ma:readOnly="false">
-      <xsd:complexType>
-        <xsd:complexContent>
-          <xsd:extension base="dms:User">
-            <xsd:sequence>
-              <xsd:element name="UserInfo" minOccurs="0" maxOccurs="unbounded">
-                <xsd:complexType>
-                  <xsd:sequence>
-                    <xsd:element name="DisplayName" type="xsd:string" minOccurs="0"/>
-                    <xsd:element name="AccountId" type="dms:UserId" minOccurs="0" nillable="true"/>
-                    <xsd:element name="AccountType" type="xsd:string" minOccurs="0"/>
-                  </xsd:sequence>
-                </xsd:complexType>
-              </xsd:element>
-            </xsd:sequence>
-          </xsd:extension>
-        </xsd:complexContent>
-      </xsd:complexType>
-    </xsd:element>
-    <xsd:element name="AverageRating" ma:index="12" nillable="true" ma:displayName="Average Rating" ma:internalName="AverageRating" ma:readOnly="false">
-      <xsd:simpleType>
-        <xsd:restriction base="dms:Text"/>
-      </xsd:simpleType>
-    </xsd:element>
-    <xsd:element name="BlockPublish" ma:index="13" nillable="true" ma:displayName="Block from Publishing?" ma:default="" ma:internalName="BlockPublish" ma:readOnly="false">
-      <xsd:simpleType>
-        <xsd:restriction base="dms:Boolean"/>
-      </xsd:simpleType>
-    </xsd:element>
-    <xsd:element name="BugNumber" ma:index="14" nillable="true" ma:displayName="Bug Number" ma:default="" ma:internalName="BugNumber" ma:readOnly="false">
-      <xsd:simpleType>
-        <xsd:restriction base="dms:Text"/>
-      </xsd:simpleType>
-    </xsd:element>
-    <xsd:element name="CampaignTagsTaxHTField0" ma:index="16" nillable="true" ma:taxonomy="true" ma:internalName="CampaignTagsTaxHTField0" ma:taxonomyFieldName="CampaignTags" ma:displayName="Campaigns" ma:readOnly="false" ma:default="" ma:fieldId="{fcc66ca1-c804-4edc-95c8-efd5040409e2}" ma:taxonomyMulti="true" ma:sspId="8f79753a-75d3-41f5-8ca3-40b843941b4f" ma:termSetId="ca0e50d4-faa1-44ce-961e-bb1441c60e66" ma:anchorId="00000000-0000-0000-0000-000000000000" ma:open="false" ma:isKeyword="false">
-      <xsd:complexType>
-        <xsd:sequence>
-          <xsd:element ref="pc:Terms" minOccurs="0" maxOccurs="1"/>
-        </xsd:sequence>
-      </xsd:complexType>
-    </xsd:element>
-    <xsd:element name="TPClientViewer" ma:index="17" nillable="true" ma:displayName="Client Viewer" ma:default="" ma:internalName="TPClientViewer">
-      <xsd:simpleType>
-        <xsd:restriction base="dms:Text"/>
-      </xsd:simpleType>
-    </xsd:element>
-    <xsd:element name="ClipArtFilename" ma:index="18" nillable="true" ma:displayName="Clip Art Name" ma:default="" ma:internalName="ClipArtFilename" ma:readOnly="false">
-      <xsd:simpleType>
-        <xsd:restriction base="dms:Text"/>
-      </xsd:simpleType>
-    </xsd:element>
-    <xsd:element name="TPCommandLine" ma:index="19" nillable="true" ma:displayName="Command Line" ma:default="" ma:internalName="TPCommandLine">
-      <xsd:simpleType>
-        <xsd:restriction base="dms:Text"/>
-      </xsd:simpleType>
-    </xsd:element>
-    <xsd:element name="TPComponent" ma:index="20" nillable="true" ma:displayName="Component" ma:default="" ma:internalName="TPComponent">
-      <xsd:simpleType>
-        <xsd:restriction base="dms:Text"/>
-      </xsd:simpleType>
-    </xsd:element>
-    <xsd:element name="ContentItem" ma:index="21" nillable="true" ma:displayName="Content Item" ma:default="" ma:hidden="true" ma:internalName="ContentItem" ma:readOnly="false">
-      <xsd:simpleType>
-        <xsd:restriction base="dms:Unknown"/>
-      </xsd:simpleType>
-    </xsd:element>
-    <xsd:element name="CrawlForDependencies" ma:index="23" nillable="true" ma:displayName="Crawl for Dependencies?" ma:default="true" ma:internalName="CrawlForDependencies" ma:readOnly="false">
-      <xsd:simpleType>
-        <xsd:restriction base="dms:Boolean"/>
-      </xsd:simpleType>
-    </xsd:element>
-    <xsd:element name="CSXHash" ma:index="26" nillable="true" ma:displayName="CSX Hash" ma:default="" ma:indexed="true" ma:internalName="CSXHash" ma:readOnly="false">
-      <xsd:simpleType>
-        <xsd:restriction base="dms:Text"/>
-      </xsd:simpleType>
-    </xsd:element>
-    <xsd:element name="CSXSubmissionMarket" ma:index="27" nillable="true" ma:displayName="CSX Submission Market" ma:default="" ma:list="{77ED1C39-458B-43CB-92CF-2BB5034D6716}" ma:internalName="CSXSubmissionMarket" ma:readOnly="false" ma:showField="MarketName" ma:web="f105ad54-119a-4495-aa55-0e28b6b4ad2f">
-      <xsd:simpleType>
-        <xsd:restriction base="dms:Lookup"/>
-      </xsd:simpleType>
-    </xsd:element>
-    <xsd:element name="CSXUpdate" ma:index="28" nillable="true" ma:displayName="CSX Updated?" ma:default="false" ma:internalName="CSXUpdate" ma:readOnly="false">
-      <xsd:simpleType>
-        <xsd:restriction base="dms:Boolean"/>
-      </xsd:simpleType>
-    </xsd:element>
-    <xsd:element name="IntlLangReviewDate" ma:index="29" nillable="true" ma:displayName="Date to Complete Intl QA" ma:default="" ma:internalName="IntlLangReviewDate" ma:readOnly="false">
-      <xsd:simpleType>
-        <xsd:restriction base="dms:DateTime"/>
-      </xsd:simpleType>
-    </xsd:element>
-    <xsd:element name="IsDeleted" ma:index="30" nillable="true" ma:displayName="Deleted?" ma:default="" ma:internalName="IsDeleted" ma:readOnly="false">
-      <xsd:simpleType>
-        <xsd:restriction base="dms:Boolean"/>
-      </xsd:simpleType>
-    </xsd:element>
-    <xsd:element name="APDescription" ma:index="31" nillable="true" ma:displayName="Description" ma:default="" ma:internalName="APDescription" ma:readOnly="false">
-      <xsd:simpleType>
-        <xsd:restriction base="dms:Note"/>
-      </xsd:simpleType>
-    </xsd:element>
-    <xsd:element name="DirectSourceMarket" ma:index="32" nillable="true" ma:displayName="Direct Source Market Group" ma:default="" ma:internalName="DirectSourceMarket" ma:readOnly="false">
-      <xsd:simpleType>
-        <xsd:restriction base="dms:Text"/>
-      </xsd:simpleType>
-    </xsd:element>
-    <xsd:element name="Downloads" ma:index="33" nillable="true" ma:displayName="Downloads" ma:default="0" ma:hidden="true" ma:internalName="Downloads" ma:readOnly="false">
-      <xsd:simpleType>
-        <xsd:restriction base="dms:Unknown"/>
-      </xsd:simpleType>
-    </xsd:element>
-    <xsd:element name="DSATActionTaken" ma:index="34" nillable="true" ma:displayName="DSAT Action Taken" ma:default="" ma:internalName="DSATActionTaken" ma:readOnly="false">
-      <xsd:simpleType>
-        <xsd:restriction base="dms:Choice">
-          <xsd:enumeration value="Best Bets"/>
-          <xsd:enumeration value="Expire"/>
-          <xsd:enumeration value="Hide"/>
-          <xsd:enumeration value="None"/>
-        </xsd:restriction>
-      </xsd:simpleType>
-    </xsd:element>
-    <xsd:element name="APEditor" ma:index="35" nillable="true" ma:displayName="Editor" ma:default="" ma:list="UserInfo" ma:internalName="APEditor" ma:readOnly="false">
-      <xsd:complexType>
-        <xsd:complexContent>
-          <xsd:extension base="dms:User">
-            <xsd:sequence>
-              <xsd:element name="UserInfo" minOccurs="0" maxOccurs="unbounded">
-                <xsd:complexType>
-                  <xsd:sequence>
-                    <xsd:element name="DisplayName" type="xsd:string" minOccurs="0"/>
-                    <xsd:element name="AccountId" type="dms:UserId" minOccurs="0" nillable="true"/>
-                    <xsd:element name="AccountType" type="xsd:string" minOccurs="0"/>
-                  </xsd:sequence>
-                </xsd:complexType>
-              </xsd:element>
-            </xsd:sequence>
-          </xsd:extension>
-        </xsd:complexContent>
-      </xsd:complexType>
-    </xsd:element>
-    <xsd:element name="EditorialStatus" ma:index="36" nillable="true" ma:displayName="Editorial Status" ma:default="" ma:internalName="EditorialStatus" ma:readOnly="false">
-      <xsd:simpleType>
-        <xsd:restriction base="dms:Unknown"/>
-      </xsd:simpleType>
-    </xsd:element>
-    <xsd:element name="EditorialTags" ma:index="37" nillable="true" ma:displayName="Editorial Tags" ma:default="" ma:internalName="EditorialTags">
-      <xsd:simpleType>
-        <xsd:restriction base="dms:Unknown"/>
-      </xsd:simpleType>
-    </xsd:element>
-    <xsd:element name="TPExecutable" ma:index="38" nillable="true" ma:displayName="Executable" ma:default="" ma:internalName="TPExecutable">
-      <xsd:simpleType>
-        <xsd:restriction base="dms:Text"/>
-      </xsd:simpleType>
-    </xsd:element>
-    <xsd:element name="FeatureTagsTaxHTField0" ma:index="40" nillable="true" ma:taxonomy="true" ma:internalName="FeatureTagsTaxHTField0" ma:taxonomyFieldName="FeatureTags" ma:displayName="Features" ma:readOnly="false" ma:default="" ma:fieldId="{6cd481e8-ffbe-48c6-a0d2-a06a66f62d0e}" ma:taxonomyMulti="true" ma:sspId="8f79753a-75d3-41f5-8ca3-40b843941b4f" ma:termSetId="f1ab6845-967d-4854-a0ba-4ec07f0f8113" ma:anchorId="00000000-0000-0000-0000-000000000000" ma:open="false" ma:isKeyword="false">
-      <xsd:complexType>
-        <xsd:sequence>
-          <xsd:element ref="pc:Terms" minOccurs="0" maxOccurs="1"/>
-        </xsd:sequence>
-      </xsd:complexType>
-    </xsd:element>
-    <xsd:element name="TPFriendlyName" ma:index="41" nillable="true" ma:displayName="Friendly Name" ma:default="" ma:internalName="TPFriendlyName">
-      <xsd:simpleType>
-        <xsd:restriction base="dms:Text"/>
-      </xsd:simpleType>
-    </xsd:element>
-    <xsd:element name="FriendlyTitle" ma:index="42" nillable="true" ma:displayName="Friendly Title" ma:default="" ma:description="Shorter title to be used when displaying search results" ma:internalName="FriendlyTitle" ma:readOnly="false">
-      <xsd:simpleType>
-        <xsd:restriction base="dms:Text"/>
-      </xsd:simpleType>
-    </xsd:element>
-    <xsd:element name="PrimaryImageGen" ma:index="43" nillable="true" ma:displayName="Generate Images?" ma:default="true" ma:internalName="PrimaryImageGen">
-      <xsd:simpleType>
-        <xsd:restriction base="dms:Boolean"/>
-      </xsd:simpleType>
-    </xsd:element>
-    <xsd:element name="HandoffToMSDN" ma:index="44" nillable="true" ma:displayName="Handoff To MSDN Date" ma:default="" ma:internalName="HandoffToMSDN" ma:readOnly="false">
-      <xsd:simpleType>
-        <xsd:restriction base="dms:DateTime"/>
-      </xsd:simpleType>
-    </xsd:element>
-    <xsd:element name="InProjectListLookup" ma:index="45" nillable="true" ma:displayName="InProjectListLookup" ma:list="{48E76E2C-5BED-4E0E-9D91-D053B66F5ED2}" ma:internalName="InProjectListLookup" ma:readOnly="true" ma:showField="InProjectList" ma:web="f105ad54-119a-4495-aa55-0e28b6b4ad2f">
-      <xsd:complexType>
-        <xsd:complexContent>
-          <xsd:extension base="dms:MultiChoiceLookup">
-            <xsd:sequence>
-              <xsd:element name="Value" type="dms:Lookup" maxOccurs="unbounded" minOccurs="0" nillable="true"/>
-            </xsd:sequence>
-          </xsd:extension>
-        </xsd:complexContent>
-      </xsd:complexType>
-    </xsd:element>
-    <xsd:element name="TPInstallLocation" ma:index="46" nillable="true" ma:displayName="Install Location" ma:default="" ma:internalName="TPInstallLocation">
-      <xsd:simpleType>
-        <xsd:restriction base="dms:Text"/>
-      </xsd:simpleType>
-    </xsd:element>
-    <xsd:element name="InternalTagsTaxHTField0" ma:index="48" nillable="true" ma:taxonomy="true" ma:internalName="InternalTagsTaxHTField0" ma:taxonomyFieldName="InternalTags" ma:displayName="Internal Tags" ma:readOnly="false" ma:default="" ma:fieldId="{49953ee0-cdd8-4a42-ac76-36ba2a8fee2f}" ma:taxonomyMulti="true" ma:sspId="8f79753a-75d3-41f5-8ca3-40b843941b4f" ma:termSetId="82b6639e-f7fc-4c18-ad2d-003a6e707765" ma:anchorId="00000000-0000-0000-0000-000000000000" ma:open="false" ma:isKeyword="false">
-      <xsd:complexType>
-        <xsd:sequence>
-          <xsd:element ref="pc:Terms" minOccurs="0" maxOccurs="1"/>
-        </xsd:sequence>
-      </xsd:complexType>
-    </xsd:element>
-    <xsd:element name="IntlLangReview" ma:index="49" nillable="true" ma:displayName="Intl Lang QA Review Required?" ma:default="" ma:internalName="IntlLangReview" ma:readOnly="false">
-      <xsd:simpleType>
-        <xsd:restriction base="dms:Boolean"/>
-      </xsd:simpleType>
-    </xsd:element>
-    <xsd:element name="IntlLangReviewer" ma:index="50" nillable="true" ma:displayName="Intl Lang QA Reviewer" ma:default="" ma:internalName="IntlLangReviewer" ma:readOnly="false">
-      <xsd:simpleType>
-        <xsd:restriction base="dms:Text"/>
-      </xsd:simpleType>
-    </xsd:element>
-    <xsd:element name="MarketSpecific" ma:index="51" nillable="true" ma:displayName="Is Market Specific?" ma:default="" ma:internalName="MarketSpecific" ma:readOnly="false">
-      <xsd:simpleType>
-        <xsd:restriction base="dms:Boolean"/>
-      </xsd:simpleType>
-    </xsd:element>
-    <xsd:element name="LastCompleteVersionLookup" ma:index="52" nillable="true" ma:displayName="Last Complete Version Lookup" ma:default="" ma:list="{48E76E2C-5BED-4E0E-9D91-D053B66F5ED2}" ma:internalName="LastCompleteVersionLookup" ma:readOnly="true" ma:showField="LastCompleteVersion" ma:web="f105ad54-119a-4495-aa55-0e28b6b4ad2f">
-      <xsd:complexType>
-        <xsd:complexContent>
-          <xsd:extension base="dms:MultiChoiceLookup">
-            <xsd:sequence>
-              <xsd:element name="Value" type="dms:Lookup" maxOccurs="unbounded" minOccurs="0" nillable="true"/>
-            </xsd:sequence>
-          </xsd:extension>
-        </xsd:complexContent>
-      </xsd:complexType>
-    </xsd:element>
-    <xsd:element name="LastHandOff" ma:index="53" nillable="true" ma:displayName="Last Hand-off" ma:default="" ma:internalName="LastHandOff" ma:readOnly="false">
-      <xsd:simpleType>
-        <xsd:restriction base="dms:DateTime"/>
-      </xsd:simpleType>
-    </xsd:element>
-    <xsd:element name="LastModifiedDateTime" ma:index="54" nillable="true" ma:displayName="Last Modified Date" ma:default="" ma:internalName="LastModifiedDateTime" ma:readOnly="false">
-      <xsd:simpleType>
-        <xsd:restriction base="dms:DateTime"/>
-      </xsd:simpleType>
-    </xsd:element>
-    <xsd:element name="LastPreviewErrorLookup" ma:index="55" nillable="true" ma:displayName="Last Preview Attempt Error" ma:default="" ma:list="{48E76E2C-5BED-4E0E-9D91-D053B66F5ED2}" ma:internalName="LastPreviewErrorLookup" ma:readOnly="true" ma:showField="LastPreviewError" ma:web="f105ad54-119a-4495-aa55-0e28b6b4ad2f">
-      <xsd:complexType>
-        <xsd:complexContent>
-          <xsd:extension base="dms:MultiChoiceLookup">
-            <xsd:sequence>
-              <xsd:element name="Value" type="dms:Lookup" maxOccurs="unbounded" minOccurs="0" nillable="true"/>
-            </xsd:sequence>
-          </xsd:extension>
-        </xsd:complexContent>
-      </xsd:complexType>
-    </xsd:element>
-    <xsd:element name="LastPreviewResultLookup" ma:index="56" nillable="true" ma:displayName="Last Preview Attempt Result" ma:default="" ma:list="{48E76E2C-5BED-4E0E-9D91-D053B66F5ED2}" ma:internalName="LastPreviewResultLookup" ma:readOnly="true" ma:showField="LastPreviewResult" ma:web="f105ad54-119a-4495-aa55-0e28b6b4ad2f">
-      <xsd:complexType>
-        <xsd:complexContent>
-          <xsd:extension base="dms:MultiChoiceLookup">
-            <xsd:sequence>
-              <xsd:element name="Value" type="dms:Lookup" maxOccurs="unbounded" minOccurs="0" nillable="true"/>
-            </xsd:sequence>
-          </xsd:extension>
-        </xsd:complexContent>
-      </xsd:complexType>
-    </xsd:element>
-    <xsd:element name="LastPreviewAttemptDateLookup" ma:index="57" nillable="true" ma:displayName="Last Preview Attempted On" ma:default="" ma:list="{48E76E2C-5BED-4E0E-9D91-D053B66F5ED2}" ma:internalName="LastPreviewAttemptDateLookup" ma:readOnly="true" ma:showField="LastPreviewAttemptDate" ma:web="f105ad54-119a-4495-aa55-0e28b6b4ad2f">
-      <xsd:complexType>
-        <xsd:complexContent>
-          <xsd:extension base="dms:MultiChoiceLookup">
-            <xsd:sequence>
-              <xsd:element name="Value" type="dms:Lookup" maxOccurs="unbounded" minOccurs="0" nillable="true"/>
-            </xsd:sequence>
-          </xsd:extension>
-        </xsd:complexContent>
-      </xsd:complexType>
-    </xsd:element>
-    <xsd:element name="LastPreviewedByLookup" ma:index="58" nillable="true" ma:displayName="Last Previewed By" ma:default="" ma:list="{48E76E2C-5BED-4E0E-9D91-D053B66F5ED2}" ma:internalName="LastPreviewedByLookup" ma:readOnly="true" ma:showField="LastPreviewedBy" ma:web="f105ad54-119a-4495-aa55-0e28b6b4ad2f">
-      <xsd:complexType>
-        <xsd:complexContent>
-          <xsd:extension base="dms:MultiChoiceLookup">
-            <xsd:sequence>
-              <xsd:element name="Value" type="dms:Lookup" maxOccurs="unbounded" minOccurs="0" nillable="true"/>
-            </xsd:sequence>
-          </xsd:extension>
-        </xsd:complexContent>
-      </xsd:complexType>
-    </xsd:element>
-    <xsd:element name="LastPreviewTimeLookup" ma:index="59" nillable="true" ma:displayName="Last Previewed Date" ma:default="" ma:list="{48E76E2C-5BED-4E0E-9D91-D053B66F5ED2}" ma:internalName="LastPreviewTimeLookup" ma:readOnly="true" ma:showField="LastPreviewTime" ma:web="f105ad54-119a-4495-aa55-0e28b6b4ad2f">
-      <xsd:complexType>
-        <xsd:complexContent>
-          <xsd:extension base="dms:MultiChoiceLookup">
-            <xsd:sequence>
-              <xsd:element name="Value" type="dms:Lookup" maxOccurs="unbounded" minOccurs="0" nillable="true"/>
-            </xsd:sequence>
-          </xsd:extension>
-        </xsd:complexContent>
-      </xsd:complexType>
-    </xsd:element>
-    <xsd:element name="LastPreviewVersionLookup" ma:index="60" nillable="true" ma:displayName="Last Previewed Version" ma:default="" ma:list="{48E76E2C-5BED-4E0E-9D91-D053B66F5ED2}" ma:internalName="LastPreviewVersionLookup" ma:readOnly="true" ma:showField="LastPreviewVersion" ma:web="f105ad54-119a-4495-aa55-0e28b6b4ad2f">
-      <xsd:complexType>
-        <xsd:complexContent>
-          <xsd:extension base="dms:MultiChoiceLookup">
-            <xsd:sequence>
-              <xsd:element name="Value" type="dms:Lookup" maxOccurs="unbounded" minOccurs="0" nillable="true"/>
-            </xsd:sequence>
-          </xsd:extension>
-        </xsd:complexContent>
-      </xsd:complexType>
-    </xsd:element>
-    <xsd:element name="LastPublishErrorLookup" ma:index="61" nillable="true" ma:displayName="Last Publish Attempt Error" ma:default="" ma:list="{48E76E2C-5BED-4E0E-9D91-D053B66F5ED2}" ma:internalName="LastPublishErrorLookup" ma:readOnly="true" ma:showField="LastPublishError" ma:web="f105ad54-119a-4495-aa55-0e28b6b4ad2f">
-      <xsd:complexType>
-        <xsd:complexContent>
-          <xsd:extension base="dms:MultiChoiceLookup">
-            <xsd:sequence>
-              <xsd:element name="Value" type="dms:Lookup" maxOccurs="unbounded" minOccurs="0" nillable="true"/>
-            </xsd:sequence>
-          </xsd:extension>
-        </xsd:complexContent>
-      </xsd:complexType>
-    </xsd:element>
-    <xsd:element name="LastPublishResultLookup" ma:index="62" nillable="true" ma:displayName="Last Publish Attempt Result" ma:default="" ma:list="{48E76E2C-5BED-4E0E-9D91-D053B66F5ED2}" ma:internalName="LastPublishResultLookup" ma:readOnly="true" ma:showField="LastPublishResult" ma:web="f105ad54-119a-4495-aa55-0e28b6b4ad2f">
-      <xsd:complexType>
-        <xsd:complexContent>
-          <xsd:extension base="dms:MultiChoiceLookup">
-            <xsd:sequence>
-              <xsd:element name="Value" type="dms:Lookup" maxOccurs="unbounded" minOccurs="0" nillable="true"/>
-            </xsd:sequence>
-          </xsd:extension>
-        </xsd:complexContent>
-      </xsd:complexType>
-    </xsd:element>
-    <xsd:element name="LastPublishAttemptDateLookup" ma:index="63" nillable="true" ma:displayName="Last Publish Attempted On" ma:default="" ma:list="{48E76E2C-5BED-4E0E-9D91-D053B66F5ED2}" ma:internalName="LastPublishAttemptDateLookup" ma:readOnly="true" ma:showField="LastPublishAttemptDate" ma:web="f105ad54-119a-4495-aa55-0e28b6b4ad2f">
-      <xsd:complexType>
-        <xsd:complexContent>
-          <xsd:extension base="dms:MultiChoiceLookup">
-            <xsd:sequence>
-              <xsd:element name="Value" type="dms:Lookup" maxOccurs="unbounded" minOccurs="0" nillable="true"/>
-            </xsd:sequence>
-          </xsd:extension>
-        </xsd:complexContent>
-      </xsd:complexType>
-    </xsd:element>
-    <xsd:element name="LastPublishedByLookup" ma:index="64" nillable="true" ma:displayName="Last Published By" ma:default="" ma:list="{48E76E2C-5BED-4E0E-9D91-D053B66F5ED2}" ma:internalName="LastPublishedByLookup" ma:readOnly="true" ma:showField="LastPublishedBy" ma:web="f105ad54-119a-4495-aa55-0e28b6b4ad2f">
-      <xsd:complexType>
-        <xsd:complexContent>
-          <xsd:extension base="dms:MultiChoiceLookup">
-            <xsd:sequence>
-              <xsd:element name="Value" type="dms:Lookup" maxOccurs="unbounded" minOccurs="0" nillable="true"/>
-            </xsd:sequence>
-          </xsd:extension>
-        </xsd:complexContent>
-      </xsd:complexType>
-    </xsd:element>
-    <xsd:element name="LastPublishTimeLookup" ma:index="65" nillable="true" ma:displayName="Last Published Date" ma:default="" ma:list="{48E76E2C-5BED-4E0E-9D91-D053B66F5ED2}" ma:internalName="LastPublishTimeLookup" ma:readOnly="true" ma:showField="LastPublishTime" ma:web="f105ad54-119a-4495-aa55-0e28b6b4ad2f">
-      <xsd:complexType>
-        <xsd:complexContent>
-          <xsd:extension base="dms:MultiChoiceLookup">
-            <xsd:sequence>
-              <xsd:element name="Value" type="dms:Lookup" maxOccurs="unbounded" minOccurs="0" nillable="true"/>
-            </xsd:sequence>
-          </xsd:extension>
-        </xsd:complexContent>
-      </xsd:complexType>
-    </xsd:element>
-    <xsd:element name="LastPublishVersionLookup" ma:index="66" nillable="true" ma:displayName="Last Published Version" ma:default="" ma:list="{48E76E2C-5BED-4E0E-9D91-D053B66F5ED2}" ma:internalName="LastPublishVersionLookup" ma:readOnly="true" ma:showField="LastPublishVersion" ma:web="f105ad54-119a-4495-aa55-0e28b6b4ad2f">
-      <xsd:complexType>
-        <xsd:complexContent>
-          <xsd:extension base="dms:MultiChoiceLookup">
-            <xsd:sequence>
-              <xsd:element name="Value" type="dms:Lookup" maxOccurs="unbounded" minOccurs="0" nillable="true"/>
-            </xsd:sequence>
-          </xsd:extension>
-        </xsd:complexContent>
-      </xsd:complexType>
-    </xsd:element>
-    <xsd:element name="TPLaunchHelpLinkType" ma:index="67" nillable="true" ma:displayName="Launch Help Link Type" ma:default="Template" ma:internalName="TPLaunchHelpLinkType">
-      <xsd:simpleType>
-        <xsd:restriction base="dms:Choice">
-          <xsd:enumeration value="Template"/>
-          <xsd:enumeration value="Training"/>
-          <xsd:enumeration value="URL"/>
-          <xsd:enumeration value="None"/>
-        </xsd:restriction>
-      </xsd:simpleType>
-    </xsd:element>
-    <xsd:element name="LegacyData" ma:index="68" nillable="true" ma:displayName="Legacy Data" ma:default="" ma:internalName="LegacyData" ma:readOnly="false">
-      <xsd:simpleType>
-        <xsd:restriction base="dms:Note"/>
-      </xsd:simpleType>
-    </xsd:element>
-    <xsd:element name="TPLaunchHelpLink" ma:index="69" nillable="true" ma:displayName="Link to Launch Help Topic" ma:default="" ma:internalName="TPLaunchHelpLink">
-      <xsd:simpleType>
-        <xsd:restriction base="dms:Text"/>
-      </xsd:simpleType>
-    </xsd:element>
-    <xsd:element name="LocComments" ma:index="70" nillable="true" ma:displayName="Loc Approval Comments" ma:default="" ma:internalName="LocComments" ma:readOnly="false">
-      <xsd:simpleType>
-        <xsd:restriction base="dms:Note"/>
-      </xsd:simpleType>
-    </xsd:element>
-    <xsd:element name="LocLastLocAttemptVersionLookup" ma:index="71" nillable="true" ma:displayName="Loc Last Loc Attempt Version" ma:default="" ma:list="{F611A6F9-FC3A-482F-805C-5B55AA6502C0}" ma:internalName="LocLastLocAttemptVersionLookup" ma:readOnly="false" ma:showField="LastLocAttemptVersion" ma:web="f105ad54-119a-4495-aa55-0e28b6b4ad2f">
-      <xsd:simpleType>
-        <xsd:restriction base="dms:Lookup"/>
-      </xsd:simpleType>
-    </xsd:element>
-    <xsd:element name="LocLastLocAttemptVersionTypeLookup" ma:index="72" nillable="true" ma:displayName="Loc Last Loc Attempt Version Type" ma:default="" ma:list="{F611A6F9-FC3A-482F-805C-5B55AA6502C0}" ma:internalName="LocLastLocAttemptVersionTypeLookup" ma:readOnly="true" ma:showField="LastLocAttemptVersionType" ma:web="f105ad54-119a-4495-aa55-0e28b6b4ad2f">
-      <xsd:simpleType>
-        <xsd:restriction base="dms:Lookup"/>
-      </xsd:simpleType>
-    </xsd:element>
-    <xsd:element name="LocManualTestRequired" ma:index="73" nillable="true" ma:displayName="Loc Manual Test Required" ma:default="" ma:internalName="LocManualTestRequired" ma:readOnly="false">
-      <xsd:simpleType>
-        <xsd:restriction base="dms:Boolean"/>
-      </xsd:simpleType>
-    </xsd:element>
-    <xsd:element name="LocMarketGroupTiers2" ma:index="74" nillable="true" ma:displayName="Loc Market Group Tiers" ma:internalName="LocMarketGroupTiers2" ma:readOnly="false">
-      <xsd:simpleType>
-        <xsd:restriction base="dms:Unknown"/>
-      </xsd:simpleType>
-    </xsd:element>
-    <xsd:element name="LocNewPublishedVersionLookup" ma:index="75" nillable="true" ma:displayName="Loc New Published Version Lookup" ma:default="" ma:list="{F611A6F9-FC3A-482F-805C-5B55AA6502C0}" ma:internalName="LocNewPublishedVersionLookup" ma:readOnly="true" ma:showField="NewPublishedVersion" ma:web="f105ad54-119a-4495-aa55-0e28b6b4ad2f">
-      <xsd:simpleType>
-        <xsd:restriction base="dms:Lookup"/>
-      </xsd:simpleType>
-    </xsd:element>
-    <xsd:element name="LocOverallHandbackStatusLookup" ma:index="76" nillable="true" ma:displayName="Loc Overall Handback Status" ma:default="" ma:list="{F611A6F9-FC3A-482F-805C-5B55AA6502C0}" ma:internalName="LocOverallHandbackStatusLookup" ma:readOnly="true" ma:showField="OverallHandbackStatus" ma:web="f105ad54-119a-4495-aa55-0e28b6b4ad2f">
-      <xsd:simpleType>
-        <xsd:restriction base="dms:Lookup"/>
-      </xsd:simpleType>
-    </xsd:element>
-    <xsd:element name="LocOverallLocStatusLookup" ma:index="77" nillable="true" ma:displayName="Loc Overall Localize Status" ma:default="" ma:list="{F611A6F9-FC3A-482F-805C-5B55AA6502C0}" ma:internalName="LocOverallLocStatusLookup" ma:readOnly="true" ma:showField="OverallLocStatus" ma:web="f105ad54-119a-4495-aa55-0e28b6b4ad2f">
-      <xsd:simpleType>
-        <xsd:restriction base="dms:Lookup"/>
-      </xsd:simpleType>
-    </xsd:element>
-    <xsd:element name="LocOverallPreviewStatusLookup" ma:index="78" nillable="true" ma:displayName="Loc Overall Preview Status" ma:default="" ma:list="{F611A6F9-FC3A-482F-805C-5B55AA6502C0}" ma:internalName="LocOverallPreviewStatusLookup" ma:readOnly="true" ma:showField="OverallPreviewStatus" ma:web="f105ad54-119a-4495-aa55-0e28b6b4ad2f">
-      <xsd:simpleType>
-        <xsd:restriction base="dms:Lookup"/>
-      </xsd:simpleType>
-    </xsd:element>
-    <xsd:element name="LocOverallPublishStatusLookup" ma:index="79" nillable="true" ma:displayName="Loc Overall Publish Status" ma:default="" ma:list="{F611A6F9-FC3A-482F-805C-5B55AA6502C0}" ma:internalName="LocOverallPublishStatusLookup" ma:readOnly="true" ma:showField="OverallPublishStatus" ma:web="f105ad54-119a-4495-aa55-0e28b6b4ad2f">
-      <xsd:simpleType>
-        <xsd:restriction base="dms:Lookup"/>
-      </xsd:simpleType>
-    </xsd:element>
-    <xsd:element name="IntlLocPriority" ma:index="80" nillable="true" ma:displayName="Loc Priority" ma:default="" ma:internalName="IntlLocPriority" ma:readOnly="false">
-      <xsd:simpleType>
-        <xsd:restriction base="dms:Unknown"/>
-      </xsd:simpleType>
-    </xsd:element>
-    <xsd:element name="LocProcessedForHandoffsLookup" ma:index="81" nillable="true" ma:displayName="Loc Processed For Handoffs" ma:default="" ma:list="{F611A6F9-FC3A-482F-805C-5B55AA6502C0}" ma:internalName="LocProcessedForHandoffsLookup" ma:readOnly="true" ma:showField="ProcessedForHandoffs" ma:web="f105ad54-119a-4495-aa55-0e28b6b4ad2f">
-      <xsd:simpleType>
-        <xsd:restriction base="dms:Lookup"/>
-      </xsd:simpleType>
-    </xsd:element>
-    <xsd:element name="LocProcessedForMarketsLookup" ma:index="82" nillable="true" ma:displayName="Loc Processed For Markets" ma:default="" ma:list="{F611A6F9-FC3A-482F-805C-5B55AA6502C0}" ma:internalName="LocProcessedForMarketsLookup" ma:readOnly="true" ma:showField="ProcessedForMarkets" ma:web="f105ad54-119a-4495-aa55-0e28b6b4ad2f">
-      <xsd:simpleType>
-        <xsd:restriction base="dms:Lookup"/>
-      </xsd:simpleType>
-    </xsd:element>
-    <xsd:element name="LocPublishedDependentAssetsLookup" ma:index="83" nillable="true" ma:displayName="Loc Published Dependent Assets" ma:default="" ma:list="{F611A6F9-FC3A-482F-805C-5B55AA6502C0}" ma:internalName="LocPublishedDependentAssetsLookup" ma:readOnly="true" ma:showField="PublishedDependentAssets" ma:web="f105ad54-119a-4495-aa55-0e28b6b4ad2f">
-      <xsd:simpleType>
-        <xsd:restriction base="dms:Lookup"/>
-      </xsd:simpleType>
-    </xsd:element>
-    <xsd:element name="LocPublishedLinkedAssetsLookup" ma:index="84" nillable="true" ma:displayName="Loc Published Linked Assets" ma:default="" ma:list="{F611A6F9-FC3A-482F-805C-5B55AA6502C0}" ma:internalName="LocPublishedLinkedAssetsLookup" ma:readOnly="true" ma:showField="PublishedLinkedAssets" ma:web="f105ad54-119a-4495-aa55-0e28b6b4ad2f">
-      <xsd:simpleType>
-        <xsd:restriction base="dms:Lookup"/>
-      </xsd:simpleType>
-    </xsd:element>
-    <xsd:element name="LocRecommendedHandoff" ma:index="85" nillable="true" ma:displayName="Loc Recommended Handoff" ma:default="" ma:indexed="true" ma:internalName="LocRecommendedHandoff" ma:readOnly="false">
-      <xsd:simpleType>
-        <xsd:restriction base="dms:Text"/>
-      </xsd:simpleType>
-    </xsd:element>
-    <xsd:element name="LocalizationTagsTaxHTField0" ma:index="87" nillable="true" ma:taxonomy="true" ma:internalName="LocalizationTagsTaxHTField0" ma:taxonomyFieldName="LocalizationTags" ma:displayName="Localization Tags" ma:readOnly="false" ma:default="" ma:fieldId="{e3ccb7f3-e095-4e60-89e4-99358a9e407b}" ma:taxonomyMulti="true" ma:sspId="8f79753a-75d3-41f5-8ca3-40b843941b4f" ma:termSetId="5b7703a5-8e8b-4b58-8b31-1cea35331da3" ma:anchorId="00000000-0000-0000-0000-000000000000" ma:open="false" ma:isKeyword="false">
-      <xsd:complexType>
-        <xsd:sequence>
-          <xsd:element ref="pc:Terms" minOccurs="0" maxOccurs="1"/>
-        </xsd:sequence>
-      </xsd:complexType>
-    </xsd:element>
-    <xsd:element name="MachineTranslated" ma:index="88" nillable="true" ma:displayName="Machine Translated" ma:default="" ma:internalName="MachineTranslated" ma:readOnly="false">
-      <xsd:simpleType>
-        <xsd:restriction base="dms:Boolean"/>
-      </xsd:simpleType>
-    </xsd:element>
-    <xsd:element name="Manager" ma:index="89" nillable="true" ma:displayName="Manager" ma:hidden="true" ma:internalName="Manager" ma:readOnly="false">
-      <xsd:simpleType>
-        <xsd:restriction base="dms:Text"/>
-      </xsd:simpleType>
-    </xsd:element>
-    <xsd:element name="Markets" ma:index="90" nillable="true" ma:displayName="Markets" ma:default="" ma:description="Leave blank to show in all markets" ma:list="{77ED1C39-458B-43CB-92CF-2BB5034D6716}" ma:internalName="Markets" ma:readOnly="false" ma:showField="MarketName" ma:web="f105ad54-119a-4495-aa55-0e28b6b4ad2f">
-      <xsd:complexType>
-        <xsd:complexContent>
-          <xsd:extension base="dms:MultiChoiceLookup">
-            <xsd:sequence>
-              <xsd:element name="Value" type="dms:Lookup" maxOccurs="unbounded" minOccurs="0" nillable="true"/>
-            </xsd:sequence>
-          </xsd:extension>
-        </xsd:complexContent>
-      </xsd:complexType>
-    </xsd:element>
-    <xsd:element name="Milestone" ma:index="91" nillable="true" ma:displayName="Milestone" ma:default="" ma:internalName="Milestone" ma:readOnly="false">
-      <xsd:simpleType>
-        <xsd:restriction base="dms:Unknown"/>
-      </xsd:simpleType>
-    </xsd:element>
-    <xsd:element name="TPNamespace" ma:index="94" nillable="true" ma:displayName="Namespace" ma:default="" ma:internalName="TPNamespace">
-      <xsd:simpleType>
-        <xsd:restriction base="dms:Text"/>
-      </xsd:simpleType>
-    </xsd:element>
-    <xsd:element name="NumericId" ma:index="95" nillable="true" ma:displayName="Numeric ID" ma:default="" ma:indexed="true" ma:internalName="NumericId" ma:readOnly="false">
-      <xsd:simpleType>
-        <xsd:restriction base="dms:Number"/>
-      </xsd:simpleType>
-    </xsd:element>
-    <xsd:element name="NumOfRatingsLookup" ma:index="96" nillable="true" ma:displayName="NumOfRatings" ma:default="" ma:list="{48E76E2C-5BED-4E0E-9D91-D053B66F5ED2}" ma:internalName="NumOfRatingsLookup" ma:readOnly="true" ma:showField="NumOfRatings" ma:web="f105ad54-119a-4495-aa55-0e28b6b4ad2f">
-      <xsd:complexType>
-        <xsd:complexContent>
-          <xsd:extension base="dms:MultiChoiceLookup">
-            <xsd:sequence>
-              <xsd:element name="Value" type="dms:Lookup" maxOccurs="unbounded" minOccurs="0" nillable="true"/>
-            </xsd:sequence>
-          </xsd:extension>
-        </xsd:complexContent>
-      </xsd:complexType>
-    </xsd:element>
-    <xsd:element name="OOCacheId" ma:index="97" nillable="true" ma:displayName="OOCacheId" ma:internalName="OOCacheId" ma:readOnly="false">
-      <xsd:simpleType>
-        <xsd:restriction base="dms:Text"/>
-      </xsd:simpleType>
-    </xsd:element>
-    <xsd:element name="OpenTemplate" ma:index="98" nillable="true" ma:displayName="Open Template" ma:default="true" ma:internalName="OpenTemplate">
-      <xsd:simpleType>
-        <xsd:restriction base="dms:Boolean"/>
-      </xsd:simpleType>
-    </xsd:element>
-    <xsd:element name="OriginAsset" ma:index="99" nillable="true" ma:displayName="Origin Asset" ma:default="" ma:internalName="OriginAsset" ma:readOnly="false">
-      <xsd:simpleType>
-        <xsd:restriction base="dms:Text"/>
-      </xsd:simpleType>
-    </xsd:element>
-    <xsd:element name="OriginalRelease" ma:index="100" nillable="true" ma:displayName="Original Release" ma:default="15" ma:internalName="OriginalRelease" ma:readOnly="false">
-      <xsd:simpleType>
-        <xsd:restriction base="dms:Choice">
-          <xsd:enumeration value="14"/>
-          <xsd:enumeration value="15"/>
-          <xsd:enumeration value="16"/>
-        </xsd:restriction>
-      </xsd:simpleType>
-    </xsd:element>
-    <xsd:element name="OriginalSourceMarket" ma:index="101" nillable="true" ma:displayName="Original Source Market Group" ma:default="" ma:internalName="OriginalSourceMarket" ma:readOnly="false">
-      <xsd:simpleType>
-        <xsd:restriction base="dms:Text"/>
-      </xsd:simpleType>
-    </xsd:element>
-    <xsd:element name="OutputCachingOn" ma:index="102" nillable="true" ma:displayName="Output Caching" ma:default="true" ma:hidden="true" ma:internalName="OutputCachingOn" ma:readOnly="false">
-      <xsd:simpleType>
-        <xsd:restriction base="dms:Boolean"/>
-      </xsd:simpleType>
-    </xsd:element>
-    <xsd:element name="ParentAssetId" ma:index="103" nillable="true" ma:displayName="Parent Asset Id" ma:default="" ma:internalName="ParentAssetId" ma:readOnly="false">
-      <xsd:simpleType>
-        <xsd:restriction base="dms:Text"/>
-      </xsd:simpleType>
-    </xsd:element>
-    <xsd:element name="PlannedPubDate" ma:index="104" nillable="true" ma:displayName="Planned Publish Date" ma:default="" ma:indexed="true" ma:internalName="PlannedPubDate" ma:readOnly="false">
-      <xsd:simpleType>
-        <xsd:restriction base="dms:DateTime"/>
-      </xsd:simpleType>
-    </xsd:element>
-    <xsd:element name="PolicheckWords" ma:index="105" nillable="true" ma:displayName="Policheck Words" ma:default="" ma:internalName="PolicheckWords" ma:readOnly="false">
-      <xsd:simpleType>
-        <xsd:restriction base="dms:Text"/>
-      </xsd:simpleType>
-    </xsd:element>
-    <xsd:element name="BusinessGroup" ma:index="106" nillable="true" ma:displayName="Product Division Owner" ma:default="" ma:internalName="BusinessGroup" ma:readOnly="false">
-      <xsd:simpleType>
-        <xsd:restriction base="dms:Unknown"/>
-      </xsd:simpleType>
-    </xsd:element>
-    <xsd:element name="UAProjectedTotalWords" ma:index="107" nillable="true" ma:displayName="Projected Word Count" ma:default="" ma:internalName="UAProjectedTotalWords" ma:readOnly="false">
-      <xsd:simpleType>
-        <xsd:restriction base="dms:Unknown"/>
-      </xsd:simpleType>
-    </xsd:element>
-    <xsd:element name="Provider" ma:index="108" nillable="true" ma:displayName="Provider" ma:default="" ma:internalName="Provider" ma:readOnly="false">
-      <xsd:simpleType>
-        <xsd:restriction base="dms:Unknown"/>
-      </xsd:simpleType>
-    </xsd:element>
-    <xsd:element name="Providers" ma:index="109" nillable="true" ma:displayName="Providers" ma:default="" ma:internalName="Providers">
-      <xsd:simpleType>
-        <xsd:restriction base="dms:Unknown"/>
-      </xsd:simpleType>
-    </xsd:element>
-    <xsd:element name="PublishStatusLookup" ma:index="110" nillable="true" ma:displayName="Publish Status" ma:default="" ma:list="{48E76E2C-5BED-4E0E-9D91-D053B66F5ED2}" ma:internalName="PublishStatusLookup" ma:readOnly="false" ma:showField="PublishStatus" ma:web="f105ad54-119a-4495-aa55-0e28b6b4ad2f">
-      <xsd:complexType>
-        <xsd:complexContent>
-          <xsd:extension base="dms:MultiChoiceLookup">
-            <xsd:sequence>
-              <xsd:element name="Value" type="dms:Lookup" maxOccurs="unbounded" minOccurs="0" nillable="true"/>
-            </xsd:sequence>
-          </xsd:extension>
-        </xsd:complexContent>
-      </xsd:complexType>
-    </xsd:element>
-    <xsd:element name="PublishTargets" ma:index="111" nillable="true" ma:displayName="Publish Target" ma:default="OfficeOnlineVNext" ma:internalName="PublishTargets" ma:readOnly="false">
-      <xsd:simpleType>
-        <xsd:restriction base="dms:Unknown"/>
-      </xsd:simpleType>
-    </xsd:element>
-    <xsd:element name="RecommendationsModifier" ma:index="112" nillable="true" ma:displayName="Recommendations Modifier" ma:default="" ma:internalName="RecommendationsModifier" ma:readOnly="false">
-      <xsd:simpleType>
-        <xsd:restriction base="dms:Number"/>
-      </xsd:simpleType>
-    </xsd:element>
-    <xsd:element name="ArtSampleDocs" ma:index="113" nillable="true" ma:displayName="Sample Docs" ma:default="" ma:hidden="true" ma:internalName="ArtSampleDocs" ma:readOnly="false">
-      <xsd:simpleType>
-        <xsd:restriction base="dms:Text"/>
-      </xsd:simpleType>
-    </xsd:element>
-    <xsd:element name="ScenarioTagsTaxHTField0" ma:index="115" nillable="true" ma:taxonomy="true" ma:internalName="ScenarioTagsTaxHTField0" ma:taxonomyFieldName="ScenarioTags" ma:displayName="Scenarios" ma:readOnly="false" ma:default="" ma:fieldId="{faf1e1af-89ff-457d-b189-64e47bbed779}" ma:taxonomyMulti="true" ma:sspId="8f79753a-75d3-41f5-8ca3-40b843941b4f" ma:termSetId="4b7d5f16-e2f2-4fc0-bab3-6e8b931e57d6" ma:anchorId="00000000-0000-0000-0000-000000000000" ma:open="false" ma:isKeyword="false">
-      <xsd:complexType>
-        <xsd:sequence>
-          <xsd:element ref="pc:Terms" minOccurs="0" maxOccurs="1"/>
-        </xsd:sequence>
-      </xsd:complexType>
-    </xsd:element>
-    <xsd:element name="ShowIn" ma:index="117" nillable="true" ma:displayName="Show In" ma:default="Show everywhere" ma:internalName="ShowIn" ma:readOnly="false">
-      <xsd:simpleType>
-        <xsd:restriction base="dms:Choice">
-          <xsd:enumeration value="Hide on web"/>
-          <xsd:enumeration value="On Web no search"/>
-          <xsd:enumeration value="Show everywhere"/>
-          <xsd:enumeration value="Special use only"/>
-        </xsd:restriction>
-      </xsd:simpleType>
-    </xsd:element>
-    <xsd:element name="SourceTitle" ma:index="118" nillable="true" ma:displayName="Source Title" ma:default="" ma:indexed="true" ma:internalName="SourceTitle" ma:readOnly="false">
-      <xsd:simpleType>
-        <xsd:restriction base="dms:Text"/>
-      </xsd:simpleType>
-    </xsd:element>
-    <xsd:element name="CSXSubmissionDate" ma:index="119" nillable="true" ma:displayName="Submission Date" ma:default="" ma:internalName="CSXSubmissionDate" ma:readOnly="false">
-      <xsd:simpleType>
-        <xsd:restriction base="dms:DateTime"/>
-      </xsd:simpleType>
-    </xsd:element>
-    <xsd:element name="SubmitterId" ma:index="120" nillable="true" ma:displayName="Submitter ID" ma:default="" ma:internalName="SubmitterId" ma:readOnly="false">
-      <xsd:simpleType>
-        <xsd:restriction base="dms:Text"/>
-      </xsd:simpleType>
-    </xsd:element>
-    <xsd:element name="TaxCatchAll" ma:index="121" nillable="true" ma:displayName="Taxonomy Catch All Column" ma:hidden="true" ma:list="{14d3419f-9772-4c8d-a0a0-05446c45e95f}" ma:internalName="TaxCatchAll" ma:showField="CatchAllData" ma:web="f105ad54-119a-4495-aa55-0e28b6b4ad2f">
-      <xsd:complexType>
-        <xsd:complexContent>
-          <xsd:extension base="dms:MultiChoiceLookup">
-            <xsd:sequence>
-              <xsd:element name="Value" type="dms:Lookup" maxOccurs="unbounded" minOccurs="0" nillable="true"/>
-            </xsd:sequence>
-          </xsd:extension>
-        </xsd:complexContent>
-      </xsd:complexType>
-    </xsd:element>
-    <xsd:element name="TaxCatchAllLabel" ma:index="122" nillable="true" ma:displayName="Taxonomy Catch All Column1" ma:hidden="true" ma:list="{14d3419f-9772-4c8d-a0a0-05446c45e95f}" ma:internalName="TaxCatchAllLabel" ma:readOnly="true" ma:showField="CatchAllDataLabel" ma:web="f105ad54-119a-4495-aa55-0e28b6b4ad2f">
-      <xsd:complexType>
-        <xsd:complexContent>
-          <xsd:extension base="dms:MultiChoiceLookup">
-            <xsd:sequence>
-              <xsd:element name="Value" type="dms:Lookup" maxOccurs="unbounded" minOccurs="0" nillable="true"/>
-            </xsd:sequence>
-          </xsd:extension>
-        </xsd:complexContent>
-      </xsd:complexType>
-    </xsd:element>
-    <xsd:element name="TemplateStatus" ma:index="123" nillable="true" ma:displayName="Template Status" ma:default="" ma:internalName="TemplateStatus">
-      <xsd:simpleType>
-        <xsd:restriction base="dms:Unknown"/>
-      </xsd:simpleType>
-    </xsd:element>
-    <xsd:element name="TemplateTemplateType" ma:index="124" nillable="true" ma:displayName="Template Type" ma:default="" ma:internalName="TemplateTemplateType">
-      <xsd:simpleType>
-        <xsd:restriction base="dms:Unknown"/>
-      </xsd:simpleType>
-    </xsd:element>
-    <xsd:element name="ThumbnailAssetId" ma:index="125" nillable="true" ma:displayName="Thumbnail Image Asset" ma:default="" ma:internalName="ThumbnailAssetId" ma:readOnly="false">
-      <xsd:simpleType>
-        <xsd:restriction base="dms:Text"/>
-      </xsd:simpleType>
-    </xsd:element>
-    <xsd:element name="TimesCloned" ma:index="126" nillable="true" ma:displayName="Times Cloned" ma:default="" ma:internalName="TimesCloned" ma:readOnly="false">
-      <xsd:simpleType>
-        <xsd:restriction base="dms:Number"/>
-      </xsd:simpleType>
-    </xsd:element>
-    <xsd:element name="TrustLevel" ma:index="128" nillable="true" ma:displayName="Trust Level" ma:default="1 Microsoft Managed Content" ma:internalName="TrustLevel" ma:readOnly="false">
-      <xsd:simpleType>
-        <xsd:restriction base="dms:Unknown"/>
-      </xsd:simpleType>
-    </xsd:element>
-    <xsd:element name="UALocComments" ma:index="129" nillable="true" ma:displayName="UA Loc Comments" ma:default="" ma:internalName="UALocComments" ma:readOnly="false">
-      <xsd:simpleType>
-        <xsd:restriction base="dms:Note"/>
-      </xsd:simpleType>
-    </xsd:element>
-    <xsd:element name="UALocRecommendation" ma:index="130" nillable="true" ma:displayName="UA Loc Recommendation" ma:default="Localize" ma:internalName="UALocRecommendation" ma:readOnly="false">
-      <xsd:simpleType>
-        <xsd:restriction base="dms:Choice">
-          <xsd:enumeration value="Localize"/>
-          <xsd:enumeration value="Never Localize"/>
-          <xsd:enumeration value="Priority Localize"/>
-        </xsd:restriction>
-      </xsd:simpleType>
-    </xsd:element>
-    <xsd:element name="UANotes" ma:index="131" nillable="true" ma:displayName="UA Notes" ma:default="" ma:internalName="UANotes" ma:readOnly="false">
-      <xsd:simpleType>
-        <xsd:restriction base="dms:Note"/>
-      </xsd:simpleType>
-    </xsd:element>
-    <xsd:element name="TPAppVersion" ma:index="132" nillable="true" ma:displayName="Version" ma:default="" ma:internalName="TPAppVersion">
-      <xsd:simpleType>
-        <xsd:restriction base="dms:Text"/>
-      </xsd:simpleType>
-    </xsd:element>
-    <xsd:element name="VoteCount" ma:index="133" nillable="true" ma:displayName="Vote Count" ma:default="" ma:internalName="VoteCount" ma:readOnly="false">
-      <xsd:simpleType>
-        <xsd:restriction base="dms:Unknown"/>
-      </xsd:simpleType>
-    </xsd:element>
-  </xsd:schema>
-  <xsd:schema xmlns:xsd="http://www.w3.org/2001/XMLSchema" xmlns:xs="http://www.w3.org/2001/XMLSchema" xmlns:dms="http://schemas.microsoft.com/office/2006/documentManagement/types" xmlns:pc="http://schemas.microsoft.com/office/infopath/2007/PartnerControls" targetNamespace="c7af2036-029c-470e-8042-297c68a41472" elementFormDefault="qualified">
-    <xsd:import namespace="http://schemas.microsoft.com/office/2006/documentManagement/types"/>
-    <xsd:import namespace="http://schemas.microsoft.com/office/infopath/2007/PartnerControls"/>
-    <xsd:element name="Description0" ma:index="134" nillable="true" ma:displayName="Description" ma:internalName="Description0">
-      <xsd:simpleType>
-        <xsd:restriction base="dms:Note"/>
-      </xsd:simpleType>
-    </xsd:element>
-    <xsd:element name="Component" ma:index="135" nillable="true" ma:displayName="Component" ma:internalName="Component">
-      <xsd:simpleType>
-        <xsd:restriction base="dms:Text">
-          <xsd:maxLength value="255"/>
-        </xsd:restriction>
-      </xsd:simpleType>
-    </xsd:element>
-  </xsd:schema>
-  <xsd:schema xmlns="http://schemas.openxmlformats.org/package/2006/metadata/core-properties" xmlns:xsd="http://www.w3.org/2001/XMLSchema" xmlns:xsi="http://www.w3.org/2001/XMLSchema-instance" xmlns:dc="http://purl.org/dc/elements/1.1/" xmlns:dcterms="http://purl.org/dc/terms/" xmlns:odoc="http://schemas.microsoft.com/internal/obd" targetNamespace="http://schemas.openxmlformats.org/package/2006/metadata/core-properties" elementFormDefault="qualified" attributeFormDefault="unqualified" blockDefault="#all">
-    <xsd:import namespace="http://purl.org/dc/elements/1.1/" schemaLocation="http://dublincore.org/schemas/xmls/qdc/2003/04/02/dc.xsd"/>
-    <xsd:import namespace="http://purl.org/dc/terms/" schemaLocation="http://dublincore.org/schemas/xmls/qdc/2003/04/02/dcterms.xsd"/>
-    <xsd:element name="coreProperties" type="CT_coreProperties"/>
-    <xsd:complexType name="CT_coreProperties">
-      <xsd:all>
-        <xsd:element ref="dc:creator" minOccurs="0" maxOccurs="1"/>
-        <xsd:element ref="dcterms:created" minOccurs="0" maxOccurs="1"/>
-        <xsd:element ref="dc:identifier" minOccurs="0" maxOccurs="1"/>
-        <xsd:element name="contentType" minOccurs="0" maxOccurs="1" type="xsd:string" ma:index="22" ma:displayName="Content Type"/>
-        <xsd:element ref="dc:title" minOccurs="0" maxOccurs="1" ma:index="127" ma:displayName="Title"/>
-        <xsd:element ref="dc:subject" minOccurs="0" maxOccurs="1"/>
-        <xsd:element ref="dc:description" minOccurs="0" maxOccurs="1"/>
-        <xsd:element name="keywords" minOccurs="0" maxOccurs="1" type="xsd:string"/>
-        <xsd:element ref="dc:language" minOccurs="0" maxOccurs="1"/>
-        <xsd:element name="category" minOccurs="0" maxOccurs="1" type="xsd:string"/>
-        <xsd:element name="version" minOccurs="0" maxOccurs="1" type="xsd:string"/>
-        <xsd:element name="revision" minOccurs="0" maxOccurs="1" type="xsd:string">
-          <xsd:annotation>
-            <xsd:documentation>
-                        This value indicates the number of saves or revisions. The application is responsible for updating this value after each revision.
-                    </xsd:documentation>
-          </xsd:annotation>
-        </xsd:element>
-        <xsd:element name="lastModifiedBy" minOccurs="0" maxOccurs="1" type="xsd:string"/>
-        <xsd:element ref="dcterms:modified" minOccurs="0" maxOccurs="1"/>
-        <xsd:element name="contentStatus" minOccurs="0" maxOccurs="1" type="xsd:string"/>
-      </xsd:all>
-    </xsd:complexType>
-  </xsd:schema>
-  <xs:schema xmlns:pc="http://schemas.microsoft.com/office/infopath/2007/PartnerControls" xmlns:xs="http://www.w3.org/2001/XMLSchema" targetNamespace="http://schemas.microsoft.com/office/infopath/2007/PartnerControls" elementFormDefault="qualified" attributeFormDefault="unqualified">
-    <xs:element name="Person">
-      <xs:complexType>
-        <xs:sequence>
-          <xs:element ref="pc:DisplayName" minOccurs="0"/>
-          <xs:element ref="pc:AccountId" minOccurs="0"/>
-          <xs:element ref="pc:AccountType" minOccurs="0"/>
-        </xs:sequence>
-      </xs:complexType>
-    </xs:element>
-    <xs:element name="DisplayName" type="xs:string"/>
-    <xs:element name="AccountId" type="xs:string"/>
-    <xs:element name="AccountType" type="xs:string"/>
-    <xs:element name="BDCAssociatedEntity">
-      <xs:complexType>
-        <xs:sequence>
-          <xs:element ref="pc:BDCEntity" minOccurs="0" maxOccurs="unbounded"/>
-        </xs:sequence>
-        <xs:attribute ref="pc:EntityNamespace"/>
-        <xs:attribute ref="pc:EntityName"/>
-        <xs:attribute ref="pc:SystemInstanceName"/>
-        <xs:attribute ref="pc:AssociationName"/>
-      </xs:complexType>
-    </xs:element>
-    <xs:attribute name="EntityNamespace" type="xs:string"/>
-    <xs:attribute name="EntityName" type="xs:string"/>
-    <xs:attribute name="SystemInstanceName" type="xs:string"/>
-    <xs:attribute name="AssociationName" type="xs:string"/>
-    <xs:element name="BDCEntity">
-      <xs:complexType>
-        <xs:sequence>
-          <xs:element ref="pc:EntityDisplayName" minOccurs="0"/>
-          <xs:element ref="pc:EntityInstanceReference" minOccurs="0"/>
-          <xs:element ref="pc:EntityId1" minOccurs="0"/>
-          <xs:element ref="pc:EntityId2" minOccurs="0"/>
-          <xs:element ref="pc:EntityId3" minOccurs="0"/>
-          <xs:element ref="pc:EntityId4" minOccurs="0"/>
-          <xs:element ref="pc:EntityId5" minOccurs="0"/>
-        </xs:sequence>
-      </xs:complexType>
-    </xs:element>
-    <xs:element name="EntityDisplayName" type="xs:string"/>
-    <xs:element name="EntityInstanceReference" type="xs:string"/>
-    <xs:element name="EntityId1" type="xs:string"/>
-    <xs:element name="EntityId2" type="xs:string"/>
-    <xs:element name="EntityId3" type="xs:string"/>
-    <xs:element name="EntityId4" type="xs:string"/>
-    <xs:element name="EntityId5" type="xs:string"/>
-    <xs:element name="Terms">
-      <xs:complexType>
-        <xs:sequence>
-          <xs:element ref="pc:TermInfo" minOccurs="0" maxOccurs="unbounded"/>
-        </xs:sequence>
-      </xs:complexType>
-    </xs:element>
-    <xs:element name="TermInfo">
-      <xs:complexType>
-        <xs:sequence>
-          <xs:element ref="pc:TermName" minOccurs="0"/>
-          <xs:element ref="pc:TermId" minOccurs="0"/>
-        </xs:sequence>
-      </xs:complexType>
-    </xs:element>
-    <xs:element name="TermName" type="xs:string"/>
-    <xs:element name="TermId" type="xs:string"/>
-  </xs:schema>
-</ct:contentTypeSchema>
+<?mso-contentType ?>
+<FormTemplates xmlns="http://schemas.microsoft.com/sharepoint/v3/contenttype/forms">
+  <Display>DocumentLibraryForm</Display>
+  <Edit>AssetEditForm</Edit>
+  <New>DocumentLibraryForm</New>
+</FormTemplates>
 </file>
 
 <file path=customXml/item2.xml><?xml version="1.0" encoding="utf-8"?>
@@ -7754,15 +6675,1084 @@
 </file>
 
 <file path=customXml/item3.xml><?xml version="1.0" encoding="utf-8"?>
-<?mso-contentType ?>
-<FormTemplates xmlns="http://schemas.microsoft.com/sharepoint/v3/contenttype/forms">
-  <Display>DocumentLibraryForm</Display>
-  <Edit>AssetEditForm</Edit>
-  <New>DocumentLibraryForm</New>
-</FormTemplates>
+<ct:contentTypeSchema xmlns:ct="http://schemas.microsoft.com/office/2006/metadata/contentType" xmlns:ma="http://schemas.microsoft.com/office/2006/metadata/properties/metaAttributes" ct:_="" ma:_="" ma:contentTypeName="TemplateFile" ma:contentTypeID="0x01010037696D9D1D95EC45A9440548E782419D04008C4669C20C93454ABB50E332FADBDDBE" ma:contentTypeVersion="55" ma:contentTypeDescription="Create a new document." ma:contentTypeScope="" ma:versionID="0862fa1d3c98dca9116b8c2bbf050b2c">
+  <xsd:schema xmlns:xsd="http://www.w3.org/2001/XMLSchema" xmlns:xs="http://www.w3.org/2001/XMLSchema" xmlns:p="http://schemas.microsoft.com/office/2006/metadata/properties" xmlns:ns2="f105ad54-119a-4495-aa55-0e28b6b4ad2f" xmlns:ns3="c7af2036-029c-470e-8042-297c68a41472" targetNamespace="http://schemas.microsoft.com/office/2006/metadata/properties" ma:root="true" ma:fieldsID="efcf89ea05a71204977c7c6a0a118372" ns2:_="" ns3:_="">
+    <xsd:import namespace="f105ad54-119a-4495-aa55-0e28b6b4ad2f"/>
+    <xsd:import namespace="c7af2036-029c-470e-8042-297c68a41472"/>
+    <xsd:element name="properties">
+      <xsd:complexType>
+        <xsd:sequence>
+          <xsd:element name="documentManagement">
+            <xsd:complexType>
+              <xsd:all>
+                <xsd:element ref="ns2:AcquiredFrom" minOccurs="0"/>
+                <xsd:element ref="ns2:UACurrentWords" minOccurs="0"/>
+                <xsd:element ref="ns2:TPApplication" minOccurs="0"/>
+                <xsd:element ref="ns2:ApprovalLog" minOccurs="0"/>
+                <xsd:element ref="ns2:ApprovalStatus" minOccurs="0"/>
+                <xsd:element ref="ns2:AssetStart" minOccurs="0"/>
+                <xsd:element ref="ns2:AssetExpire" minOccurs="0"/>
+                <xsd:element ref="ns2:AssetId" minOccurs="0"/>
+                <xsd:element ref="ns2:IsSearchable" minOccurs="0"/>
+                <xsd:element ref="ns2:AssetType" minOccurs="0"/>
+                <xsd:element ref="ns2:APAuthor" minOccurs="0"/>
+                <xsd:element ref="ns2:AverageRating" minOccurs="0"/>
+                <xsd:element ref="ns2:BlockPublish" minOccurs="0"/>
+                <xsd:element ref="ns2:BugNumber" minOccurs="0"/>
+                <xsd:element ref="ns2:CampaignTagsTaxHTField0" minOccurs="0"/>
+                <xsd:element ref="ns2:TPClientViewer" minOccurs="0"/>
+                <xsd:element ref="ns2:ClipArtFilename" minOccurs="0"/>
+                <xsd:element ref="ns2:TPCommandLine" minOccurs="0"/>
+                <xsd:element ref="ns2:TPComponent" minOccurs="0"/>
+                <xsd:element ref="ns2:ContentItem" minOccurs="0"/>
+                <xsd:element ref="ns2:CrawlForDependencies" minOccurs="0"/>
+                <xsd:element ref="ns2:CSXHash" minOccurs="0"/>
+                <xsd:element ref="ns2:CSXSubmissionMarket" minOccurs="0"/>
+                <xsd:element ref="ns2:CSXUpdate" minOccurs="0"/>
+                <xsd:element ref="ns2:IntlLangReviewDate" minOccurs="0"/>
+                <xsd:element ref="ns2:IsDeleted" minOccurs="0"/>
+                <xsd:element ref="ns2:APDescription" minOccurs="0"/>
+                <xsd:element ref="ns2:DirectSourceMarket" minOccurs="0"/>
+                <xsd:element ref="ns2:Downloads" minOccurs="0"/>
+                <xsd:element ref="ns2:DSATActionTaken" minOccurs="0"/>
+                <xsd:element ref="ns2:APEditor" minOccurs="0"/>
+                <xsd:element ref="ns2:EditorialStatus" minOccurs="0"/>
+                <xsd:element ref="ns2:EditorialTags" minOccurs="0"/>
+                <xsd:element ref="ns2:TPExecutable" minOccurs="0"/>
+                <xsd:element ref="ns2:FeatureTagsTaxHTField0" minOccurs="0"/>
+                <xsd:element ref="ns2:TPFriendlyName" minOccurs="0"/>
+                <xsd:element ref="ns2:FriendlyTitle" minOccurs="0"/>
+                <xsd:element ref="ns2:PrimaryImageGen" minOccurs="0"/>
+                <xsd:element ref="ns2:HandoffToMSDN" minOccurs="0"/>
+                <xsd:element ref="ns2:InProjectListLookup" minOccurs="0"/>
+                <xsd:element ref="ns2:TPInstallLocation" minOccurs="0"/>
+                <xsd:element ref="ns2:InternalTagsTaxHTField0" minOccurs="0"/>
+                <xsd:element ref="ns2:IntlLangReview" minOccurs="0"/>
+                <xsd:element ref="ns2:IntlLangReviewer" minOccurs="0"/>
+                <xsd:element ref="ns2:MarketSpecific" minOccurs="0"/>
+                <xsd:element ref="ns2:LastCompleteVersionLookup" minOccurs="0"/>
+                <xsd:element ref="ns2:LastHandOff" minOccurs="0"/>
+                <xsd:element ref="ns2:LastModifiedDateTime" minOccurs="0"/>
+                <xsd:element ref="ns2:LastPreviewErrorLookup" minOccurs="0"/>
+                <xsd:element ref="ns2:LastPreviewResultLookup" minOccurs="0"/>
+                <xsd:element ref="ns2:LastPreviewAttemptDateLookup" minOccurs="0"/>
+                <xsd:element ref="ns2:LastPreviewedByLookup" minOccurs="0"/>
+                <xsd:element ref="ns2:LastPreviewTimeLookup" minOccurs="0"/>
+                <xsd:element ref="ns2:LastPreviewVersionLookup" minOccurs="0"/>
+                <xsd:element ref="ns2:LastPublishErrorLookup" minOccurs="0"/>
+                <xsd:element ref="ns2:LastPublishResultLookup" minOccurs="0"/>
+                <xsd:element ref="ns2:LastPublishAttemptDateLookup" minOccurs="0"/>
+                <xsd:element ref="ns2:LastPublishedByLookup" minOccurs="0"/>
+                <xsd:element ref="ns2:LastPublishTimeLookup" minOccurs="0"/>
+                <xsd:element ref="ns2:LastPublishVersionLookup" minOccurs="0"/>
+                <xsd:element ref="ns2:TPLaunchHelpLinkType" minOccurs="0"/>
+                <xsd:element ref="ns2:LegacyData" minOccurs="0"/>
+                <xsd:element ref="ns2:TPLaunchHelpLink" minOccurs="0"/>
+                <xsd:element ref="ns2:LocComments" minOccurs="0"/>
+                <xsd:element ref="ns2:LocLastLocAttemptVersionLookup" minOccurs="0"/>
+                <xsd:element ref="ns2:LocLastLocAttemptVersionTypeLookup" minOccurs="0"/>
+                <xsd:element ref="ns2:LocManualTestRequired" minOccurs="0"/>
+                <xsd:element ref="ns2:LocMarketGroupTiers2" minOccurs="0"/>
+                <xsd:element ref="ns2:LocNewPublishedVersionLookup" minOccurs="0"/>
+                <xsd:element ref="ns2:LocOverallHandbackStatusLookup" minOccurs="0"/>
+                <xsd:element ref="ns2:LocOverallLocStatusLookup" minOccurs="0"/>
+                <xsd:element ref="ns2:LocOverallPreviewStatusLookup" minOccurs="0"/>
+                <xsd:element ref="ns2:LocOverallPublishStatusLookup" minOccurs="0"/>
+                <xsd:element ref="ns2:IntlLocPriority" minOccurs="0"/>
+                <xsd:element ref="ns2:LocProcessedForHandoffsLookup" minOccurs="0"/>
+                <xsd:element ref="ns2:LocProcessedForMarketsLookup" minOccurs="0"/>
+                <xsd:element ref="ns2:LocPublishedDependentAssetsLookup" minOccurs="0"/>
+                <xsd:element ref="ns2:LocPublishedLinkedAssetsLookup" minOccurs="0"/>
+                <xsd:element ref="ns2:LocRecommendedHandoff" minOccurs="0"/>
+                <xsd:element ref="ns2:LocalizationTagsTaxHTField0" minOccurs="0"/>
+                <xsd:element ref="ns2:MachineTranslated" minOccurs="0"/>
+                <xsd:element ref="ns2:Manager" minOccurs="0"/>
+                <xsd:element ref="ns2:Markets" minOccurs="0"/>
+                <xsd:element ref="ns2:Milestone" minOccurs="0"/>
+                <xsd:element ref="ns2:TPNamespace" minOccurs="0"/>
+                <xsd:element ref="ns2:NumericId" minOccurs="0"/>
+                <xsd:element ref="ns2:NumOfRatingsLookup" minOccurs="0"/>
+                <xsd:element ref="ns2:OOCacheId" minOccurs="0"/>
+                <xsd:element ref="ns2:OpenTemplate" minOccurs="0"/>
+                <xsd:element ref="ns2:OriginAsset" minOccurs="0"/>
+                <xsd:element ref="ns2:OriginalRelease" minOccurs="0"/>
+                <xsd:element ref="ns2:OriginalSourceMarket" minOccurs="0"/>
+                <xsd:element ref="ns2:OutputCachingOn" minOccurs="0"/>
+                <xsd:element ref="ns2:ParentAssetId" minOccurs="0"/>
+                <xsd:element ref="ns2:PlannedPubDate" minOccurs="0"/>
+                <xsd:element ref="ns2:PolicheckWords" minOccurs="0"/>
+                <xsd:element ref="ns2:BusinessGroup" minOccurs="0"/>
+                <xsd:element ref="ns2:UAProjectedTotalWords" minOccurs="0"/>
+                <xsd:element ref="ns2:Provider" minOccurs="0"/>
+                <xsd:element ref="ns2:Providers" minOccurs="0"/>
+                <xsd:element ref="ns2:PublishStatusLookup" minOccurs="0"/>
+                <xsd:element ref="ns2:PublishTargets" minOccurs="0"/>
+                <xsd:element ref="ns2:RecommendationsModifier" minOccurs="0"/>
+                <xsd:element ref="ns2:ArtSampleDocs" minOccurs="0"/>
+                <xsd:element ref="ns2:ScenarioTagsTaxHTField0" minOccurs="0"/>
+                <xsd:element ref="ns2:ShowIn" minOccurs="0"/>
+                <xsd:element ref="ns2:SourceTitle" minOccurs="0"/>
+                <xsd:element ref="ns2:CSXSubmissionDate" minOccurs="0"/>
+                <xsd:element ref="ns2:SubmitterId" minOccurs="0"/>
+                <xsd:element ref="ns2:TaxCatchAll" minOccurs="0"/>
+                <xsd:element ref="ns2:TaxCatchAllLabel" minOccurs="0"/>
+                <xsd:element ref="ns2:TemplateStatus" minOccurs="0"/>
+                <xsd:element ref="ns2:TemplateTemplateType" minOccurs="0"/>
+                <xsd:element ref="ns2:ThumbnailAssetId" minOccurs="0"/>
+                <xsd:element ref="ns2:TimesCloned" minOccurs="0"/>
+                <xsd:element ref="ns2:TrustLevel" minOccurs="0"/>
+                <xsd:element ref="ns2:UALocComments" minOccurs="0"/>
+                <xsd:element ref="ns2:UALocRecommendation" minOccurs="0"/>
+                <xsd:element ref="ns2:UANotes" minOccurs="0"/>
+                <xsd:element ref="ns2:TPAppVersion" minOccurs="0"/>
+                <xsd:element ref="ns2:VoteCount" minOccurs="0"/>
+                <xsd:element ref="ns3:Description0" minOccurs="0"/>
+                <xsd:element ref="ns3:Component" minOccurs="0"/>
+              </xsd:all>
+            </xsd:complexType>
+          </xsd:element>
+        </xsd:sequence>
+      </xsd:complexType>
+    </xsd:element>
+  </xsd:schema>
+  <xsd:schema xmlns:xsd="http://www.w3.org/2001/XMLSchema" xmlns:xs="http://www.w3.org/2001/XMLSchema" xmlns:dms="http://schemas.microsoft.com/office/2006/documentManagement/types" xmlns:pc="http://schemas.microsoft.com/office/infopath/2007/PartnerControls" targetNamespace="f105ad54-119a-4495-aa55-0e28b6b4ad2f" elementFormDefault="qualified">
+    <xsd:import namespace="http://schemas.microsoft.com/office/2006/documentManagement/types"/>
+    <xsd:import namespace="http://schemas.microsoft.com/office/infopath/2007/PartnerControls"/>
+    <xsd:element name="AcquiredFrom" ma:index="1" nillable="true" ma:displayName="Acquired From" ma:default="Internal MS" ma:internalName="AcquiredFrom" ma:readOnly="false">
+      <xsd:simpleType>
+        <xsd:restriction base="dms:Choice">
+          <xsd:enumeration value="Internal MS"/>
+          <xsd:enumeration value="Community"/>
+          <xsd:enumeration value="MVP"/>
+          <xsd:enumeration value="Publisher"/>
+          <xsd:enumeration value="Partner"/>
+          <xsd:enumeration value="None"/>
+        </xsd:restriction>
+      </xsd:simpleType>
+    </xsd:element>
+    <xsd:element name="UACurrentWords" ma:index="2" nillable="true" ma:displayName="Actual Word Count" ma:default="" ma:internalName="UACurrentWords" ma:readOnly="false">
+      <xsd:simpleType>
+        <xsd:restriction base="dms:Unknown"/>
+      </xsd:simpleType>
+    </xsd:element>
+    <xsd:element name="TPApplication" ma:index="3" nillable="true" ma:displayName="Application to Open Template With" ma:default="" ma:internalName="TPApplication">
+      <xsd:simpleType>
+        <xsd:restriction base="dms:Text"/>
+      </xsd:simpleType>
+    </xsd:element>
+    <xsd:element name="ApprovalLog" ma:index="4" nillable="true" ma:displayName="Approval Log" ma:default="" ma:hidden="true" ma:internalName="ApprovalLog" ma:readOnly="false">
+      <xsd:simpleType>
+        <xsd:restriction base="dms:Note"/>
+      </xsd:simpleType>
+    </xsd:element>
+    <xsd:element name="ApprovalStatus" ma:index="5" nillable="true" ma:displayName="Approval Status" ma:default="InProgress" ma:internalName="ApprovalStatus" ma:readOnly="false">
+      <xsd:simpleType>
+        <xsd:restriction base="dms:Choice">
+          <xsd:enumeration value="InProgress"/>
+          <xsd:enumeration value="Rejected"/>
+          <xsd:enumeration value="Questionable"/>
+          <xsd:enumeration value="ApprovedAutomatic"/>
+          <xsd:enumeration value="ApprovedManual"/>
+          <xsd:enumeration value="On Hold"/>
+          <xsd:enumeration value="Needs Review"/>
+          <xsd:enumeration value="A Violation"/>
+          <xsd:enumeration value="Unpublished Violation"/>
+        </xsd:restriction>
+      </xsd:simpleType>
+    </xsd:element>
+    <xsd:element name="AssetStart" ma:index="6" nillable="true" ma:displayName="Asset Begin Date" ma:default="[Today]" ma:internalName="AssetStart" ma:readOnly="false">
+      <xsd:simpleType>
+        <xsd:restriction base="dms:DateTime"/>
+      </xsd:simpleType>
+    </xsd:element>
+    <xsd:element name="AssetExpire" ma:index="7" nillable="true" ma:displayName="Asset End Date" ma:default="2029-01-01T00:00:00Z" ma:internalName="AssetExpire" ma:readOnly="false">
+      <xsd:simpleType>
+        <xsd:restriction base="dms:DateTime"/>
+      </xsd:simpleType>
+    </xsd:element>
+    <xsd:element name="AssetId" ma:index="8" nillable="true" ma:displayName="Asset ID" ma:default="" ma:indexed="true" ma:internalName="AssetId" ma:readOnly="false">
+      <xsd:simpleType>
+        <xsd:restriction base="dms:Text">
+          <xsd:maxLength value="255"/>
+        </xsd:restriction>
+      </xsd:simpleType>
+    </xsd:element>
+    <xsd:element name="IsSearchable" ma:index="9" nillable="true" ma:displayName="Asset Searchable?" ma:default="true" ma:internalName="IsSearchable" ma:readOnly="false">
+      <xsd:simpleType>
+        <xsd:restriction base="dms:Boolean"/>
+      </xsd:simpleType>
+    </xsd:element>
+    <xsd:element name="AssetType" ma:index="10" nillable="true" ma:displayName="Asset Type" ma:default="" ma:internalName="AssetType" ma:readOnly="false">
+      <xsd:simpleType>
+        <xsd:restriction base="dms:Unknown"/>
+      </xsd:simpleType>
+    </xsd:element>
+    <xsd:element name="APAuthor" ma:index="11" nillable="true" ma:displayName="Author" ma:default="" ma:list="UserInfo" ma:internalName="APAuthor" ma:readOnly="false">
+      <xsd:complexType>
+        <xsd:complexContent>
+          <xsd:extension base="dms:User">
+            <xsd:sequence>
+              <xsd:element name="UserInfo" minOccurs="0" maxOccurs="unbounded">
+                <xsd:complexType>
+                  <xsd:sequence>
+                    <xsd:element name="DisplayName" type="xsd:string" minOccurs="0"/>
+                    <xsd:element name="AccountId" type="dms:UserId" minOccurs="0" nillable="true"/>
+                    <xsd:element name="AccountType" type="xsd:string" minOccurs="0"/>
+                  </xsd:sequence>
+                </xsd:complexType>
+              </xsd:element>
+            </xsd:sequence>
+          </xsd:extension>
+        </xsd:complexContent>
+      </xsd:complexType>
+    </xsd:element>
+    <xsd:element name="AverageRating" ma:index="12" nillable="true" ma:displayName="Average Rating" ma:internalName="AverageRating" ma:readOnly="false">
+      <xsd:simpleType>
+        <xsd:restriction base="dms:Text"/>
+      </xsd:simpleType>
+    </xsd:element>
+    <xsd:element name="BlockPublish" ma:index="13" nillable="true" ma:displayName="Block from Publishing?" ma:default="" ma:internalName="BlockPublish" ma:readOnly="false">
+      <xsd:simpleType>
+        <xsd:restriction base="dms:Boolean"/>
+      </xsd:simpleType>
+    </xsd:element>
+    <xsd:element name="BugNumber" ma:index="14" nillable="true" ma:displayName="Bug Number" ma:default="" ma:internalName="BugNumber" ma:readOnly="false">
+      <xsd:simpleType>
+        <xsd:restriction base="dms:Text"/>
+      </xsd:simpleType>
+    </xsd:element>
+    <xsd:element name="CampaignTagsTaxHTField0" ma:index="16" nillable="true" ma:taxonomy="true" ma:internalName="CampaignTagsTaxHTField0" ma:taxonomyFieldName="CampaignTags" ma:displayName="Campaigns" ma:readOnly="false" ma:default="" ma:fieldId="{fcc66ca1-c804-4edc-95c8-efd5040409e2}" ma:taxonomyMulti="true" ma:sspId="8f79753a-75d3-41f5-8ca3-40b843941b4f" ma:termSetId="ca0e50d4-faa1-44ce-961e-bb1441c60e66" ma:anchorId="00000000-0000-0000-0000-000000000000" ma:open="false" ma:isKeyword="false">
+      <xsd:complexType>
+        <xsd:sequence>
+          <xsd:element ref="pc:Terms" minOccurs="0" maxOccurs="1"/>
+        </xsd:sequence>
+      </xsd:complexType>
+    </xsd:element>
+    <xsd:element name="TPClientViewer" ma:index="17" nillable="true" ma:displayName="Client Viewer" ma:default="" ma:internalName="TPClientViewer">
+      <xsd:simpleType>
+        <xsd:restriction base="dms:Text"/>
+      </xsd:simpleType>
+    </xsd:element>
+    <xsd:element name="ClipArtFilename" ma:index="18" nillable="true" ma:displayName="Clip Art Name" ma:default="" ma:internalName="ClipArtFilename" ma:readOnly="false">
+      <xsd:simpleType>
+        <xsd:restriction base="dms:Text"/>
+      </xsd:simpleType>
+    </xsd:element>
+    <xsd:element name="TPCommandLine" ma:index="19" nillable="true" ma:displayName="Command Line" ma:default="" ma:internalName="TPCommandLine">
+      <xsd:simpleType>
+        <xsd:restriction base="dms:Text"/>
+      </xsd:simpleType>
+    </xsd:element>
+    <xsd:element name="TPComponent" ma:index="20" nillable="true" ma:displayName="Component" ma:default="" ma:internalName="TPComponent">
+      <xsd:simpleType>
+        <xsd:restriction base="dms:Text"/>
+      </xsd:simpleType>
+    </xsd:element>
+    <xsd:element name="ContentItem" ma:index="21" nillable="true" ma:displayName="Content Item" ma:default="" ma:hidden="true" ma:internalName="ContentItem" ma:readOnly="false">
+      <xsd:simpleType>
+        <xsd:restriction base="dms:Unknown"/>
+      </xsd:simpleType>
+    </xsd:element>
+    <xsd:element name="CrawlForDependencies" ma:index="23" nillable="true" ma:displayName="Crawl for Dependencies?" ma:default="true" ma:internalName="CrawlForDependencies" ma:readOnly="false">
+      <xsd:simpleType>
+        <xsd:restriction base="dms:Boolean"/>
+      </xsd:simpleType>
+    </xsd:element>
+    <xsd:element name="CSXHash" ma:index="26" nillable="true" ma:displayName="CSX Hash" ma:default="" ma:indexed="true" ma:internalName="CSXHash" ma:readOnly="false">
+      <xsd:simpleType>
+        <xsd:restriction base="dms:Text"/>
+      </xsd:simpleType>
+    </xsd:element>
+    <xsd:element name="CSXSubmissionMarket" ma:index="27" nillable="true" ma:displayName="CSX Submission Market" ma:default="" ma:list="{77ED1C39-458B-43CB-92CF-2BB5034D6716}" ma:internalName="CSXSubmissionMarket" ma:readOnly="false" ma:showField="MarketName" ma:web="f105ad54-119a-4495-aa55-0e28b6b4ad2f">
+      <xsd:simpleType>
+        <xsd:restriction base="dms:Lookup"/>
+      </xsd:simpleType>
+    </xsd:element>
+    <xsd:element name="CSXUpdate" ma:index="28" nillable="true" ma:displayName="CSX Updated?" ma:default="false" ma:internalName="CSXUpdate" ma:readOnly="false">
+      <xsd:simpleType>
+        <xsd:restriction base="dms:Boolean"/>
+      </xsd:simpleType>
+    </xsd:element>
+    <xsd:element name="IntlLangReviewDate" ma:index="29" nillable="true" ma:displayName="Date to Complete Intl QA" ma:default="" ma:internalName="IntlLangReviewDate" ma:readOnly="false">
+      <xsd:simpleType>
+        <xsd:restriction base="dms:DateTime"/>
+      </xsd:simpleType>
+    </xsd:element>
+    <xsd:element name="IsDeleted" ma:index="30" nillable="true" ma:displayName="Deleted?" ma:default="" ma:internalName="IsDeleted" ma:readOnly="false">
+      <xsd:simpleType>
+        <xsd:restriction base="dms:Boolean"/>
+      </xsd:simpleType>
+    </xsd:element>
+    <xsd:element name="APDescription" ma:index="31" nillable="true" ma:displayName="Description" ma:default="" ma:internalName="APDescription" ma:readOnly="false">
+      <xsd:simpleType>
+        <xsd:restriction base="dms:Note"/>
+      </xsd:simpleType>
+    </xsd:element>
+    <xsd:element name="DirectSourceMarket" ma:index="32" nillable="true" ma:displayName="Direct Source Market Group" ma:default="" ma:internalName="DirectSourceMarket" ma:readOnly="false">
+      <xsd:simpleType>
+        <xsd:restriction base="dms:Text"/>
+      </xsd:simpleType>
+    </xsd:element>
+    <xsd:element name="Downloads" ma:index="33" nillable="true" ma:displayName="Downloads" ma:default="0" ma:hidden="true" ma:internalName="Downloads" ma:readOnly="false">
+      <xsd:simpleType>
+        <xsd:restriction base="dms:Unknown"/>
+      </xsd:simpleType>
+    </xsd:element>
+    <xsd:element name="DSATActionTaken" ma:index="34" nillable="true" ma:displayName="DSAT Action Taken" ma:default="" ma:internalName="DSATActionTaken" ma:readOnly="false">
+      <xsd:simpleType>
+        <xsd:restriction base="dms:Choice">
+          <xsd:enumeration value="Best Bets"/>
+          <xsd:enumeration value="Expire"/>
+          <xsd:enumeration value="Hide"/>
+          <xsd:enumeration value="None"/>
+        </xsd:restriction>
+      </xsd:simpleType>
+    </xsd:element>
+    <xsd:element name="APEditor" ma:index="35" nillable="true" ma:displayName="Editor" ma:default="" ma:list="UserInfo" ma:internalName="APEditor" ma:readOnly="false">
+      <xsd:complexType>
+        <xsd:complexContent>
+          <xsd:extension base="dms:User">
+            <xsd:sequence>
+              <xsd:element name="UserInfo" minOccurs="0" maxOccurs="unbounded">
+                <xsd:complexType>
+                  <xsd:sequence>
+                    <xsd:element name="DisplayName" type="xsd:string" minOccurs="0"/>
+                    <xsd:element name="AccountId" type="dms:UserId" minOccurs="0" nillable="true"/>
+                    <xsd:element name="AccountType" type="xsd:string" minOccurs="0"/>
+                  </xsd:sequence>
+                </xsd:complexType>
+              </xsd:element>
+            </xsd:sequence>
+          </xsd:extension>
+        </xsd:complexContent>
+      </xsd:complexType>
+    </xsd:element>
+    <xsd:element name="EditorialStatus" ma:index="36" nillable="true" ma:displayName="Editorial Status" ma:default="" ma:internalName="EditorialStatus" ma:readOnly="false">
+      <xsd:simpleType>
+        <xsd:restriction base="dms:Unknown"/>
+      </xsd:simpleType>
+    </xsd:element>
+    <xsd:element name="EditorialTags" ma:index="37" nillable="true" ma:displayName="Editorial Tags" ma:default="" ma:internalName="EditorialTags">
+      <xsd:simpleType>
+        <xsd:restriction base="dms:Unknown"/>
+      </xsd:simpleType>
+    </xsd:element>
+    <xsd:element name="TPExecutable" ma:index="38" nillable="true" ma:displayName="Executable" ma:default="" ma:internalName="TPExecutable">
+      <xsd:simpleType>
+        <xsd:restriction base="dms:Text"/>
+      </xsd:simpleType>
+    </xsd:element>
+    <xsd:element name="FeatureTagsTaxHTField0" ma:index="40" nillable="true" ma:taxonomy="true" ma:internalName="FeatureTagsTaxHTField0" ma:taxonomyFieldName="FeatureTags" ma:displayName="Features" ma:readOnly="false" ma:default="" ma:fieldId="{6cd481e8-ffbe-48c6-a0d2-a06a66f62d0e}" ma:taxonomyMulti="true" ma:sspId="8f79753a-75d3-41f5-8ca3-40b843941b4f" ma:termSetId="f1ab6845-967d-4854-a0ba-4ec07f0f8113" ma:anchorId="00000000-0000-0000-0000-000000000000" ma:open="false" ma:isKeyword="false">
+      <xsd:complexType>
+        <xsd:sequence>
+          <xsd:element ref="pc:Terms" minOccurs="0" maxOccurs="1"/>
+        </xsd:sequence>
+      </xsd:complexType>
+    </xsd:element>
+    <xsd:element name="TPFriendlyName" ma:index="41" nillable="true" ma:displayName="Friendly Name" ma:default="" ma:internalName="TPFriendlyName">
+      <xsd:simpleType>
+        <xsd:restriction base="dms:Text"/>
+      </xsd:simpleType>
+    </xsd:element>
+    <xsd:element name="FriendlyTitle" ma:index="42" nillable="true" ma:displayName="Friendly Title" ma:default="" ma:description="Shorter title to be used when displaying search results" ma:internalName="FriendlyTitle" ma:readOnly="false">
+      <xsd:simpleType>
+        <xsd:restriction base="dms:Text"/>
+      </xsd:simpleType>
+    </xsd:element>
+    <xsd:element name="PrimaryImageGen" ma:index="43" nillable="true" ma:displayName="Generate Images?" ma:default="true" ma:internalName="PrimaryImageGen">
+      <xsd:simpleType>
+        <xsd:restriction base="dms:Boolean"/>
+      </xsd:simpleType>
+    </xsd:element>
+    <xsd:element name="HandoffToMSDN" ma:index="44" nillable="true" ma:displayName="Handoff To MSDN Date" ma:default="" ma:internalName="HandoffToMSDN" ma:readOnly="false">
+      <xsd:simpleType>
+        <xsd:restriction base="dms:DateTime"/>
+      </xsd:simpleType>
+    </xsd:element>
+    <xsd:element name="InProjectListLookup" ma:index="45" nillable="true" ma:displayName="InProjectListLookup" ma:list="{48E76E2C-5BED-4E0E-9D91-D053B66F5ED2}" ma:internalName="InProjectListLookup" ma:readOnly="true" ma:showField="InProjectList" ma:web="f105ad54-119a-4495-aa55-0e28b6b4ad2f">
+      <xsd:complexType>
+        <xsd:complexContent>
+          <xsd:extension base="dms:MultiChoiceLookup">
+            <xsd:sequence>
+              <xsd:element name="Value" type="dms:Lookup" maxOccurs="unbounded" minOccurs="0" nillable="true"/>
+            </xsd:sequence>
+          </xsd:extension>
+        </xsd:complexContent>
+      </xsd:complexType>
+    </xsd:element>
+    <xsd:element name="TPInstallLocation" ma:index="46" nillable="true" ma:displayName="Install Location" ma:default="" ma:internalName="TPInstallLocation">
+      <xsd:simpleType>
+        <xsd:restriction base="dms:Text"/>
+      </xsd:simpleType>
+    </xsd:element>
+    <xsd:element name="InternalTagsTaxHTField0" ma:index="48" nillable="true" ma:taxonomy="true" ma:internalName="InternalTagsTaxHTField0" ma:taxonomyFieldName="InternalTags" ma:displayName="Internal Tags" ma:readOnly="false" ma:default="" ma:fieldId="{49953ee0-cdd8-4a42-ac76-36ba2a8fee2f}" ma:taxonomyMulti="true" ma:sspId="8f79753a-75d3-41f5-8ca3-40b843941b4f" ma:termSetId="82b6639e-f7fc-4c18-ad2d-003a6e707765" ma:anchorId="00000000-0000-0000-0000-000000000000" ma:open="false" ma:isKeyword="false">
+      <xsd:complexType>
+        <xsd:sequence>
+          <xsd:element ref="pc:Terms" minOccurs="0" maxOccurs="1"/>
+        </xsd:sequence>
+      </xsd:complexType>
+    </xsd:element>
+    <xsd:element name="IntlLangReview" ma:index="49" nillable="true" ma:displayName="Intl Lang QA Review Required?" ma:default="" ma:internalName="IntlLangReview" ma:readOnly="false">
+      <xsd:simpleType>
+        <xsd:restriction base="dms:Boolean"/>
+      </xsd:simpleType>
+    </xsd:element>
+    <xsd:element name="IntlLangReviewer" ma:index="50" nillable="true" ma:displayName="Intl Lang QA Reviewer" ma:default="" ma:internalName="IntlLangReviewer" ma:readOnly="false">
+      <xsd:simpleType>
+        <xsd:restriction base="dms:Text"/>
+      </xsd:simpleType>
+    </xsd:element>
+    <xsd:element name="MarketSpecific" ma:index="51" nillable="true" ma:displayName="Is Market Specific?" ma:default="" ma:internalName="MarketSpecific" ma:readOnly="false">
+      <xsd:simpleType>
+        <xsd:restriction base="dms:Boolean"/>
+      </xsd:simpleType>
+    </xsd:element>
+    <xsd:element name="LastCompleteVersionLookup" ma:index="52" nillable="true" ma:displayName="Last Complete Version Lookup" ma:default="" ma:list="{48E76E2C-5BED-4E0E-9D91-D053B66F5ED2}" ma:internalName="LastCompleteVersionLookup" ma:readOnly="true" ma:showField="LastCompleteVersion" ma:web="f105ad54-119a-4495-aa55-0e28b6b4ad2f">
+      <xsd:complexType>
+        <xsd:complexContent>
+          <xsd:extension base="dms:MultiChoiceLookup">
+            <xsd:sequence>
+              <xsd:element name="Value" type="dms:Lookup" maxOccurs="unbounded" minOccurs="0" nillable="true"/>
+            </xsd:sequence>
+          </xsd:extension>
+        </xsd:complexContent>
+      </xsd:complexType>
+    </xsd:element>
+    <xsd:element name="LastHandOff" ma:index="53" nillable="true" ma:displayName="Last Hand-off" ma:default="" ma:internalName="LastHandOff" ma:readOnly="false">
+      <xsd:simpleType>
+        <xsd:restriction base="dms:DateTime"/>
+      </xsd:simpleType>
+    </xsd:element>
+    <xsd:element name="LastModifiedDateTime" ma:index="54" nillable="true" ma:displayName="Last Modified Date" ma:default="" ma:internalName="LastModifiedDateTime" ma:readOnly="false">
+      <xsd:simpleType>
+        <xsd:restriction base="dms:DateTime"/>
+      </xsd:simpleType>
+    </xsd:element>
+    <xsd:element name="LastPreviewErrorLookup" ma:index="55" nillable="true" ma:displayName="Last Preview Attempt Error" ma:default="" ma:list="{48E76E2C-5BED-4E0E-9D91-D053B66F5ED2}" ma:internalName="LastPreviewErrorLookup" ma:readOnly="true" ma:showField="LastPreviewError" ma:web="f105ad54-119a-4495-aa55-0e28b6b4ad2f">
+      <xsd:complexType>
+        <xsd:complexContent>
+          <xsd:extension base="dms:MultiChoiceLookup">
+            <xsd:sequence>
+              <xsd:element name="Value" type="dms:Lookup" maxOccurs="unbounded" minOccurs="0" nillable="true"/>
+            </xsd:sequence>
+          </xsd:extension>
+        </xsd:complexContent>
+      </xsd:complexType>
+    </xsd:element>
+    <xsd:element name="LastPreviewResultLookup" ma:index="56" nillable="true" ma:displayName="Last Preview Attempt Result" ma:default="" ma:list="{48E76E2C-5BED-4E0E-9D91-D053B66F5ED2}" ma:internalName="LastPreviewResultLookup" ma:readOnly="true" ma:showField="LastPreviewResult" ma:web="f105ad54-119a-4495-aa55-0e28b6b4ad2f">
+      <xsd:complexType>
+        <xsd:complexContent>
+          <xsd:extension base="dms:MultiChoiceLookup">
+            <xsd:sequence>
+              <xsd:element name="Value" type="dms:Lookup" maxOccurs="unbounded" minOccurs="0" nillable="true"/>
+            </xsd:sequence>
+          </xsd:extension>
+        </xsd:complexContent>
+      </xsd:complexType>
+    </xsd:element>
+    <xsd:element name="LastPreviewAttemptDateLookup" ma:index="57" nillable="true" ma:displayName="Last Preview Attempted On" ma:default="" ma:list="{48E76E2C-5BED-4E0E-9D91-D053B66F5ED2}" ma:internalName="LastPreviewAttemptDateLookup" ma:readOnly="true" ma:showField="LastPreviewAttemptDate" ma:web="f105ad54-119a-4495-aa55-0e28b6b4ad2f">
+      <xsd:complexType>
+        <xsd:complexContent>
+          <xsd:extension base="dms:MultiChoiceLookup">
+            <xsd:sequence>
+              <xsd:element name="Value" type="dms:Lookup" maxOccurs="unbounded" minOccurs="0" nillable="true"/>
+            </xsd:sequence>
+          </xsd:extension>
+        </xsd:complexContent>
+      </xsd:complexType>
+    </xsd:element>
+    <xsd:element name="LastPreviewedByLookup" ma:index="58" nillable="true" ma:displayName="Last Previewed By" ma:default="" ma:list="{48E76E2C-5BED-4E0E-9D91-D053B66F5ED2}" ma:internalName="LastPreviewedByLookup" ma:readOnly="true" ma:showField="LastPreviewedBy" ma:web="f105ad54-119a-4495-aa55-0e28b6b4ad2f">
+      <xsd:complexType>
+        <xsd:complexContent>
+          <xsd:extension base="dms:MultiChoiceLookup">
+            <xsd:sequence>
+              <xsd:element name="Value" type="dms:Lookup" maxOccurs="unbounded" minOccurs="0" nillable="true"/>
+            </xsd:sequence>
+          </xsd:extension>
+        </xsd:complexContent>
+      </xsd:complexType>
+    </xsd:element>
+    <xsd:element name="LastPreviewTimeLookup" ma:index="59" nillable="true" ma:displayName="Last Previewed Date" ma:default="" ma:list="{48E76E2C-5BED-4E0E-9D91-D053B66F5ED2}" ma:internalName="LastPreviewTimeLookup" ma:readOnly="true" ma:showField="LastPreviewTime" ma:web="f105ad54-119a-4495-aa55-0e28b6b4ad2f">
+      <xsd:complexType>
+        <xsd:complexContent>
+          <xsd:extension base="dms:MultiChoiceLookup">
+            <xsd:sequence>
+              <xsd:element name="Value" type="dms:Lookup" maxOccurs="unbounded" minOccurs="0" nillable="true"/>
+            </xsd:sequence>
+          </xsd:extension>
+        </xsd:complexContent>
+      </xsd:complexType>
+    </xsd:element>
+    <xsd:element name="LastPreviewVersionLookup" ma:index="60" nillable="true" ma:displayName="Last Previewed Version" ma:default="" ma:list="{48E76E2C-5BED-4E0E-9D91-D053B66F5ED2}" ma:internalName="LastPreviewVersionLookup" ma:readOnly="true" ma:showField="LastPreviewVersion" ma:web="f105ad54-119a-4495-aa55-0e28b6b4ad2f">
+      <xsd:complexType>
+        <xsd:complexContent>
+          <xsd:extension base="dms:MultiChoiceLookup">
+            <xsd:sequence>
+              <xsd:element name="Value" type="dms:Lookup" maxOccurs="unbounded" minOccurs="0" nillable="true"/>
+            </xsd:sequence>
+          </xsd:extension>
+        </xsd:complexContent>
+      </xsd:complexType>
+    </xsd:element>
+    <xsd:element name="LastPublishErrorLookup" ma:index="61" nillable="true" ma:displayName="Last Publish Attempt Error" ma:default="" ma:list="{48E76E2C-5BED-4E0E-9D91-D053B66F5ED2}" ma:internalName="LastPublishErrorLookup" ma:readOnly="true" ma:showField="LastPublishError" ma:web="f105ad54-119a-4495-aa55-0e28b6b4ad2f">
+      <xsd:complexType>
+        <xsd:complexContent>
+          <xsd:extension base="dms:MultiChoiceLookup">
+            <xsd:sequence>
+              <xsd:element name="Value" type="dms:Lookup" maxOccurs="unbounded" minOccurs="0" nillable="true"/>
+            </xsd:sequence>
+          </xsd:extension>
+        </xsd:complexContent>
+      </xsd:complexType>
+    </xsd:element>
+    <xsd:element name="LastPublishResultLookup" ma:index="62" nillable="true" ma:displayName="Last Publish Attempt Result" ma:default="" ma:list="{48E76E2C-5BED-4E0E-9D91-D053B66F5ED2}" ma:internalName="LastPublishResultLookup" ma:readOnly="true" ma:showField="LastPublishResult" ma:web="f105ad54-119a-4495-aa55-0e28b6b4ad2f">
+      <xsd:complexType>
+        <xsd:complexContent>
+          <xsd:extension base="dms:MultiChoiceLookup">
+            <xsd:sequence>
+              <xsd:element name="Value" type="dms:Lookup" maxOccurs="unbounded" minOccurs="0" nillable="true"/>
+            </xsd:sequence>
+          </xsd:extension>
+        </xsd:complexContent>
+      </xsd:complexType>
+    </xsd:element>
+    <xsd:element name="LastPublishAttemptDateLookup" ma:index="63" nillable="true" ma:displayName="Last Publish Attempted On" ma:default="" ma:list="{48E76E2C-5BED-4E0E-9D91-D053B66F5ED2}" ma:internalName="LastPublishAttemptDateLookup" ma:readOnly="true" ma:showField="LastPublishAttemptDate" ma:web="f105ad54-119a-4495-aa55-0e28b6b4ad2f">
+      <xsd:complexType>
+        <xsd:complexContent>
+          <xsd:extension base="dms:MultiChoiceLookup">
+            <xsd:sequence>
+              <xsd:element name="Value" type="dms:Lookup" maxOccurs="unbounded" minOccurs="0" nillable="true"/>
+            </xsd:sequence>
+          </xsd:extension>
+        </xsd:complexContent>
+      </xsd:complexType>
+    </xsd:element>
+    <xsd:element name="LastPublishedByLookup" ma:index="64" nillable="true" ma:displayName="Last Published By" ma:default="" ma:list="{48E76E2C-5BED-4E0E-9D91-D053B66F5ED2}" ma:internalName="LastPublishedByLookup" ma:readOnly="true" ma:showField="LastPublishedBy" ma:web="f105ad54-119a-4495-aa55-0e28b6b4ad2f">
+      <xsd:complexType>
+        <xsd:complexContent>
+          <xsd:extension base="dms:MultiChoiceLookup">
+            <xsd:sequence>
+              <xsd:element name="Value" type="dms:Lookup" maxOccurs="unbounded" minOccurs="0" nillable="true"/>
+            </xsd:sequence>
+          </xsd:extension>
+        </xsd:complexContent>
+      </xsd:complexType>
+    </xsd:element>
+    <xsd:element name="LastPublishTimeLookup" ma:index="65" nillable="true" ma:displayName="Last Published Date" ma:default="" ma:list="{48E76E2C-5BED-4E0E-9D91-D053B66F5ED2}" ma:internalName="LastPublishTimeLookup" ma:readOnly="true" ma:showField="LastPublishTime" ma:web="f105ad54-119a-4495-aa55-0e28b6b4ad2f">
+      <xsd:complexType>
+        <xsd:complexContent>
+          <xsd:extension base="dms:MultiChoiceLookup">
+            <xsd:sequence>
+              <xsd:element name="Value" type="dms:Lookup" maxOccurs="unbounded" minOccurs="0" nillable="true"/>
+            </xsd:sequence>
+          </xsd:extension>
+        </xsd:complexContent>
+      </xsd:complexType>
+    </xsd:element>
+    <xsd:element name="LastPublishVersionLookup" ma:index="66" nillable="true" ma:displayName="Last Published Version" ma:default="" ma:list="{48E76E2C-5BED-4E0E-9D91-D053B66F5ED2}" ma:internalName="LastPublishVersionLookup" ma:readOnly="true" ma:showField="LastPublishVersion" ma:web="f105ad54-119a-4495-aa55-0e28b6b4ad2f">
+      <xsd:complexType>
+        <xsd:complexContent>
+          <xsd:extension base="dms:MultiChoiceLookup">
+            <xsd:sequence>
+              <xsd:element name="Value" type="dms:Lookup" maxOccurs="unbounded" minOccurs="0" nillable="true"/>
+            </xsd:sequence>
+          </xsd:extension>
+        </xsd:complexContent>
+      </xsd:complexType>
+    </xsd:element>
+    <xsd:element name="TPLaunchHelpLinkType" ma:index="67" nillable="true" ma:displayName="Launch Help Link Type" ma:default="Template" ma:internalName="TPLaunchHelpLinkType">
+      <xsd:simpleType>
+        <xsd:restriction base="dms:Choice">
+          <xsd:enumeration value="Template"/>
+          <xsd:enumeration value="Training"/>
+          <xsd:enumeration value="URL"/>
+          <xsd:enumeration value="None"/>
+        </xsd:restriction>
+      </xsd:simpleType>
+    </xsd:element>
+    <xsd:element name="LegacyData" ma:index="68" nillable="true" ma:displayName="Legacy Data" ma:default="" ma:internalName="LegacyData" ma:readOnly="false">
+      <xsd:simpleType>
+        <xsd:restriction base="dms:Note"/>
+      </xsd:simpleType>
+    </xsd:element>
+    <xsd:element name="TPLaunchHelpLink" ma:index="69" nillable="true" ma:displayName="Link to Launch Help Topic" ma:default="" ma:internalName="TPLaunchHelpLink">
+      <xsd:simpleType>
+        <xsd:restriction base="dms:Text"/>
+      </xsd:simpleType>
+    </xsd:element>
+    <xsd:element name="LocComments" ma:index="70" nillable="true" ma:displayName="Loc Approval Comments" ma:default="" ma:internalName="LocComments" ma:readOnly="false">
+      <xsd:simpleType>
+        <xsd:restriction base="dms:Note"/>
+      </xsd:simpleType>
+    </xsd:element>
+    <xsd:element name="LocLastLocAttemptVersionLookup" ma:index="71" nillable="true" ma:displayName="Loc Last Loc Attempt Version" ma:default="" ma:list="{F611A6F9-FC3A-482F-805C-5B55AA6502C0}" ma:internalName="LocLastLocAttemptVersionLookup" ma:readOnly="false" ma:showField="LastLocAttemptVersion" ma:web="f105ad54-119a-4495-aa55-0e28b6b4ad2f">
+      <xsd:simpleType>
+        <xsd:restriction base="dms:Lookup"/>
+      </xsd:simpleType>
+    </xsd:element>
+    <xsd:element name="LocLastLocAttemptVersionTypeLookup" ma:index="72" nillable="true" ma:displayName="Loc Last Loc Attempt Version Type" ma:default="" ma:list="{F611A6F9-FC3A-482F-805C-5B55AA6502C0}" ma:internalName="LocLastLocAttemptVersionTypeLookup" ma:readOnly="true" ma:showField="LastLocAttemptVersionType" ma:web="f105ad54-119a-4495-aa55-0e28b6b4ad2f">
+      <xsd:simpleType>
+        <xsd:restriction base="dms:Lookup"/>
+      </xsd:simpleType>
+    </xsd:element>
+    <xsd:element name="LocManualTestRequired" ma:index="73" nillable="true" ma:displayName="Loc Manual Test Required" ma:default="" ma:internalName="LocManualTestRequired" ma:readOnly="false">
+      <xsd:simpleType>
+        <xsd:restriction base="dms:Boolean"/>
+      </xsd:simpleType>
+    </xsd:element>
+    <xsd:element name="LocMarketGroupTiers2" ma:index="74" nillable="true" ma:displayName="Loc Market Group Tiers" ma:internalName="LocMarketGroupTiers2" ma:readOnly="false">
+      <xsd:simpleType>
+        <xsd:restriction base="dms:Unknown"/>
+      </xsd:simpleType>
+    </xsd:element>
+    <xsd:element name="LocNewPublishedVersionLookup" ma:index="75" nillable="true" ma:displayName="Loc New Published Version Lookup" ma:default="" ma:list="{F611A6F9-FC3A-482F-805C-5B55AA6502C0}" ma:internalName="LocNewPublishedVersionLookup" ma:readOnly="true" ma:showField="NewPublishedVersion" ma:web="f105ad54-119a-4495-aa55-0e28b6b4ad2f">
+      <xsd:simpleType>
+        <xsd:restriction base="dms:Lookup"/>
+      </xsd:simpleType>
+    </xsd:element>
+    <xsd:element name="LocOverallHandbackStatusLookup" ma:index="76" nillable="true" ma:displayName="Loc Overall Handback Status" ma:default="" ma:list="{F611A6F9-FC3A-482F-805C-5B55AA6502C0}" ma:internalName="LocOverallHandbackStatusLookup" ma:readOnly="true" ma:showField="OverallHandbackStatus" ma:web="f105ad54-119a-4495-aa55-0e28b6b4ad2f">
+      <xsd:simpleType>
+        <xsd:restriction base="dms:Lookup"/>
+      </xsd:simpleType>
+    </xsd:element>
+    <xsd:element name="LocOverallLocStatusLookup" ma:index="77" nillable="true" ma:displayName="Loc Overall Localize Status" ma:default="" ma:list="{F611A6F9-FC3A-482F-805C-5B55AA6502C0}" ma:internalName="LocOverallLocStatusLookup" ma:readOnly="true" ma:showField="OverallLocStatus" ma:web="f105ad54-119a-4495-aa55-0e28b6b4ad2f">
+      <xsd:simpleType>
+        <xsd:restriction base="dms:Lookup"/>
+      </xsd:simpleType>
+    </xsd:element>
+    <xsd:element name="LocOverallPreviewStatusLookup" ma:index="78" nillable="true" ma:displayName="Loc Overall Preview Status" ma:default="" ma:list="{F611A6F9-FC3A-482F-805C-5B55AA6502C0}" ma:internalName="LocOverallPreviewStatusLookup" ma:readOnly="true" ma:showField="OverallPreviewStatus" ma:web="f105ad54-119a-4495-aa55-0e28b6b4ad2f">
+      <xsd:simpleType>
+        <xsd:restriction base="dms:Lookup"/>
+      </xsd:simpleType>
+    </xsd:element>
+    <xsd:element name="LocOverallPublishStatusLookup" ma:index="79" nillable="true" ma:displayName="Loc Overall Publish Status" ma:default="" ma:list="{F611A6F9-FC3A-482F-805C-5B55AA6502C0}" ma:internalName="LocOverallPublishStatusLookup" ma:readOnly="true" ma:showField="OverallPublishStatus" ma:web="f105ad54-119a-4495-aa55-0e28b6b4ad2f">
+      <xsd:simpleType>
+        <xsd:restriction base="dms:Lookup"/>
+      </xsd:simpleType>
+    </xsd:element>
+    <xsd:element name="IntlLocPriority" ma:index="80" nillable="true" ma:displayName="Loc Priority" ma:default="" ma:internalName="IntlLocPriority" ma:readOnly="false">
+      <xsd:simpleType>
+        <xsd:restriction base="dms:Unknown"/>
+      </xsd:simpleType>
+    </xsd:element>
+    <xsd:element name="LocProcessedForHandoffsLookup" ma:index="81" nillable="true" ma:displayName="Loc Processed For Handoffs" ma:default="" ma:list="{F611A6F9-FC3A-482F-805C-5B55AA6502C0}" ma:internalName="LocProcessedForHandoffsLookup" ma:readOnly="true" ma:showField="ProcessedForHandoffs" ma:web="f105ad54-119a-4495-aa55-0e28b6b4ad2f">
+      <xsd:simpleType>
+        <xsd:restriction base="dms:Lookup"/>
+      </xsd:simpleType>
+    </xsd:element>
+    <xsd:element name="LocProcessedForMarketsLookup" ma:index="82" nillable="true" ma:displayName="Loc Processed For Markets" ma:default="" ma:list="{F611A6F9-FC3A-482F-805C-5B55AA6502C0}" ma:internalName="LocProcessedForMarketsLookup" ma:readOnly="true" ma:showField="ProcessedForMarkets" ma:web="f105ad54-119a-4495-aa55-0e28b6b4ad2f">
+      <xsd:simpleType>
+        <xsd:restriction base="dms:Lookup"/>
+      </xsd:simpleType>
+    </xsd:element>
+    <xsd:element name="LocPublishedDependentAssetsLookup" ma:index="83" nillable="true" ma:displayName="Loc Published Dependent Assets" ma:default="" ma:list="{F611A6F9-FC3A-482F-805C-5B55AA6502C0}" ma:internalName="LocPublishedDependentAssetsLookup" ma:readOnly="true" ma:showField="PublishedDependentAssets" ma:web="f105ad54-119a-4495-aa55-0e28b6b4ad2f">
+      <xsd:simpleType>
+        <xsd:restriction base="dms:Lookup"/>
+      </xsd:simpleType>
+    </xsd:element>
+    <xsd:element name="LocPublishedLinkedAssetsLookup" ma:index="84" nillable="true" ma:displayName="Loc Published Linked Assets" ma:default="" ma:list="{F611A6F9-FC3A-482F-805C-5B55AA6502C0}" ma:internalName="LocPublishedLinkedAssetsLookup" ma:readOnly="true" ma:showField="PublishedLinkedAssets" ma:web="f105ad54-119a-4495-aa55-0e28b6b4ad2f">
+      <xsd:simpleType>
+        <xsd:restriction base="dms:Lookup"/>
+      </xsd:simpleType>
+    </xsd:element>
+    <xsd:element name="LocRecommendedHandoff" ma:index="85" nillable="true" ma:displayName="Loc Recommended Handoff" ma:default="" ma:indexed="true" ma:internalName="LocRecommendedHandoff" ma:readOnly="false">
+      <xsd:simpleType>
+        <xsd:restriction base="dms:Text"/>
+      </xsd:simpleType>
+    </xsd:element>
+    <xsd:element name="LocalizationTagsTaxHTField0" ma:index="87" nillable="true" ma:taxonomy="true" ma:internalName="LocalizationTagsTaxHTField0" ma:taxonomyFieldName="LocalizationTags" ma:displayName="Localization Tags" ma:readOnly="false" ma:default="" ma:fieldId="{e3ccb7f3-e095-4e60-89e4-99358a9e407b}" ma:taxonomyMulti="true" ma:sspId="8f79753a-75d3-41f5-8ca3-40b843941b4f" ma:termSetId="5b7703a5-8e8b-4b58-8b31-1cea35331da3" ma:anchorId="00000000-0000-0000-0000-000000000000" ma:open="false" ma:isKeyword="false">
+      <xsd:complexType>
+        <xsd:sequence>
+          <xsd:element ref="pc:Terms" minOccurs="0" maxOccurs="1"/>
+        </xsd:sequence>
+      </xsd:complexType>
+    </xsd:element>
+    <xsd:element name="MachineTranslated" ma:index="88" nillable="true" ma:displayName="Machine Translated" ma:default="" ma:internalName="MachineTranslated" ma:readOnly="false">
+      <xsd:simpleType>
+        <xsd:restriction base="dms:Boolean"/>
+      </xsd:simpleType>
+    </xsd:element>
+    <xsd:element name="Manager" ma:index="89" nillable="true" ma:displayName="Manager" ma:hidden="true" ma:internalName="Manager" ma:readOnly="false">
+      <xsd:simpleType>
+        <xsd:restriction base="dms:Text"/>
+      </xsd:simpleType>
+    </xsd:element>
+    <xsd:element name="Markets" ma:index="90" nillable="true" ma:displayName="Markets" ma:default="" ma:description="Leave blank to show in all markets" ma:list="{77ED1C39-458B-43CB-92CF-2BB5034D6716}" ma:internalName="Markets" ma:readOnly="false" ma:showField="MarketName" ma:web="f105ad54-119a-4495-aa55-0e28b6b4ad2f">
+      <xsd:complexType>
+        <xsd:complexContent>
+          <xsd:extension base="dms:MultiChoiceLookup">
+            <xsd:sequence>
+              <xsd:element name="Value" type="dms:Lookup" maxOccurs="unbounded" minOccurs="0" nillable="true"/>
+            </xsd:sequence>
+          </xsd:extension>
+        </xsd:complexContent>
+      </xsd:complexType>
+    </xsd:element>
+    <xsd:element name="Milestone" ma:index="91" nillable="true" ma:displayName="Milestone" ma:default="" ma:internalName="Milestone" ma:readOnly="false">
+      <xsd:simpleType>
+        <xsd:restriction base="dms:Unknown"/>
+      </xsd:simpleType>
+    </xsd:element>
+    <xsd:element name="TPNamespace" ma:index="94" nillable="true" ma:displayName="Namespace" ma:default="" ma:internalName="TPNamespace">
+      <xsd:simpleType>
+        <xsd:restriction base="dms:Text"/>
+      </xsd:simpleType>
+    </xsd:element>
+    <xsd:element name="NumericId" ma:index="95" nillable="true" ma:displayName="Numeric ID" ma:default="" ma:indexed="true" ma:internalName="NumericId" ma:readOnly="false">
+      <xsd:simpleType>
+        <xsd:restriction base="dms:Number"/>
+      </xsd:simpleType>
+    </xsd:element>
+    <xsd:element name="NumOfRatingsLookup" ma:index="96" nillable="true" ma:displayName="NumOfRatings" ma:default="" ma:list="{48E76E2C-5BED-4E0E-9D91-D053B66F5ED2}" ma:internalName="NumOfRatingsLookup" ma:readOnly="true" ma:showField="NumOfRatings" ma:web="f105ad54-119a-4495-aa55-0e28b6b4ad2f">
+      <xsd:complexType>
+        <xsd:complexContent>
+          <xsd:extension base="dms:MultiChoiceLookup">
+            <xsd:sequence>
+              <xsd:element name="Value" type="dms:Lookup" maxOccurs="unbounded" minOccurs="0" nillable="true"/>
+            </xsd:sequence>
+          </xsd:extension>
+        </xsd:complexContent>
+      </xsd:complexType>
+    </xsd:element>
+    <xsd:element name="OOCacheId" ma:index="97" nillable="true" ma:displayName="OOCacheId" ma:internalName="OOCacheId" ma:readOnly="false">
+      <xsd:simpleType>
+        <xsd:restriction base="dms:Text"/>
+      </xsd:simpleType>
+    </xsd:element>
+    <xsd:element name="OpenTemplate" ma:index="98" nillable="true" ma:displayName="Open Template" ma:default="true" ma:internalName="OpenTemplate">
+      <xsd:simpleType>
+        <xsd:restriction base="dms:Boolean"/>
+      </xsd:simpleType>
+    </xsd:element>
+    <xsd:element name="OriginAsset" ma:index="99" nillable="true" ma:displayName="Origin Asset" ma:default="" ma:internalName="OriginAsset" ma:readOnly="false">
+      <xsd:simpleType>
+        <xsd:restriction base="dms:Text"/>
+      </xsd:simpleType>
+    </xsd:element>
+    <xsd:element name="OriginalRelease" ma:index="100" nillable="true" ma:displayName="Original Release" ma:default="15" ma:internalName="OriginalRelease" ma:readOnly="false">
+      <xsd:simpleType>
+        <xsd:restriction base="dms:Choice">
+          <xsd:enumeration value="14"/>
+          <xsd:enumeration value="15"/>
+          <xsd:enumeration value="16"/>
+        </xsd:restriction>
+      </xsd:simpleType>
+    </xsd:element>
+    <xsd:element name="OriginalSourceMarket" ma:index="101" nillable="true" ma:displayName="Original Source Market Group" ma:default="" ma:internalName="OriginalSourceMarket" ma:readOnly="false">
+      <xsd:simpleType>
+        <xsd:restriction base="dms:Text"/>
+      </xsd:simpleType>
+    </xsd:element>
+    <xsd:element name="OutputCachingOn" ma:index="102" nillable="true" ma:displayName="Output Caching" ma:default="true" ma:hidden="true" ma:internalName="OutputCachingOn" ma:readOnly="false">
+      <xsd:simpleType>
+        <xsd:restriction base="dms:Boolean"/>
+      </xsd:simpleType>
+    </xsd:element>
+    <xsd:element name="ParentAssetId" ma:index="103" nillable="true" ma:displayName="Parent Asset Id" ma:default="" ma:internalName="ParentAssetId" ma:readOnly="false">
+      <xsd:simpleType>
+        <xsd:restriction base="dms:Text"/>
+      </xsd:simpleType>
+    </xsd:element>
+    <xsd:element name="PlannedPubDate" ma:index="104" nillable="true" ma:displayName="Planned Publish Date" ma:default="" ma:indexed="true" ma:internalName="PlannedPubDate" ma:readOnly="false">
+      <xsd:simpleType>
+        <xsd:restriction base="dms:DateTime"/>
+      </xsd:simpleType>
+    </xsd:element>
+    <xsd:element name="PolicheckWords" ma:index="105" nillable="true" ma:displayName="Policheck Words" ma:default="" ma:internalName="PolicheckWords" ma:readOnly="false">
+      <xsd:simpleType>
+        <xsd:restriction base="dms:Text"/>
+      </xsd:simpleType>
+    </xsd:element>
+    <xsd:element name="BusinessGroup" ma:index="106" nillable="true" ma:displayName="Product Division Owner" ma:default="" ma:internalName="BusinessGroup" ma:readOnly="false">
+      <xsd:simpleType>
+        <xsd:restriction base="dms:Unknown"/>
+      </xsd:simpleType>
+    </xsd:element>
+    <xsd:element name="UAProjectedTotalWords" ma:index="107" nillable="true" ma:displayName="Projected Word Count" ma:default="" ma:internalName="UAProjectedTotalWords" ma:readOnly="false">
+      <xsd:simpleType>
+        <xsd:restriction base="dms:Unknown"/>
+      </xsd:simpleType>
+    </xsd:element>
+    <xsd:element name="Provider" ma:index="108" nillable="true" ma:displayName="Provider" ma:default="" ma:internalName="Provider" ma:readOnly="false">
+      <xsd:simpleType>
+        <xsd:restriction base="dms:Unknown"/>
+      </xsd:simpleType>
+    </xsd:element>
+    <xsd:element name="Providers" ma:index="109" nillable="true" ma:displayName="Providers" ma:default="" ma:internalName="Providers">
+      <xsd:simpleType>
+        <xsd:restriction base="dms:Unknown"/>
+      </xsd:simpleType>
+    </xsd:element>
+    <xsd:element name="PublishStatusLookup" ma:index="110" nillable="true" ma:displayName="Publish Status" ma:default="" ma:list="{48E76E2C-5BED-4E0E-9D91-D053B66F5ED2}" ma:internalName="PublishStatusLookup" ma:readOnly="false" ma:showField="PublishStatus" ma:web="f105ad54-119a-4495-aa55-0e28b6b4ad2f">
+      <xsd:complexType>
+        <xsd:complexContent>
+          <xsd:extension base="dms:MultiChoiceLookup">
+            <xsd:sequence>
+              <xsd:element name="Value" type="dms:Lookup" maxOccurs="unbounded" minOccurs="0" nillable="true"/>
+            </xsd:sequence>
+          </xsd:extension>
+        </xsd:complexContent>
+      </xsd:complexType>
+    </xsd:element>
+    <xsd:element name="PublishTargets" ma:index="111" nillable="true" ma:displayName="Publish Target" ma:default="OfficeOnlineVNext" ma:internalName="PublishTargets" ma:readOnly="false">
+      <xsd:simpleType>
+        <xsd:restriction base="dms:Unknown"/>
+      </xsd:simpleType>
+    </xsd:element>
+    <xsd:element name="RecommendationsModifier" ma:index="112" nillable="true" ma:displayName="Recommendations Modifier" ma:default="" ma:internalName="RecommendationsModifier" ma:readOnly="false">
+      <xsd:simpleType>
+        <xsd:restriction base="dms:Number"/>
+      </xsd:simpleType>
+    </xsd:element>
+    <xsd:element name="ArtSampleDocs" ma:index="113" nillable="true" ma:displayName="Sample Docs" ma:default="" ma:hidden="true" ma:internalName="ArtSampleDocs" ma:readOnly="false">
+      <xsd:simpleType>
+        <xsd:restriction base="dms:Text"/>
+      </xsd:simpleType>
+    </xsd:element>
+    <xsd:element name="ScenarioTagsTaxHTField0" ma:index="115" nillable="true" ma:taxonomy="true" ma:internalName="ScenarioTagsTaxHTField0" ma:taxonomyFieldName="ScenarioTags" ma:displayName="Scenarios" ma:readOnly="false" ma:default="" ma:fieldId="{faf1e1af-89ff-457d-b189-64e47bbed779}" ma:taxonomyMulti="true" ma:sspId="8f79753a-75d3-41f5-8ca3-40b843941b4f" ma:termSetId="4b7d5f16-e2f2-4fc0-bab3-6e8b931e57d6" ma:anchorId="00000000-0000-0000-0000-000000000000" ma:open="false" ma:isKeyword="false">
+      <xsd:complexType>
+        <xsd:sequence>
+          <xsd:element ref="pc:Terms" minOccurs="0" maxOccurs="1"/>
+        </xsd:sequence>
+      </xsd:complexType>
+    </xsd:element>
+    <xsd:element name="ShowIn" ma:index="117" nillable="true" ma:displayName="Show In" ma:default="Show everywhere" ma:internalName="ShowIn" ma:readOnly="false">
+      <xsd:simpleType>
+        <xsd:restriction base="dms:Choice">
+          <xsd:enumeration value="Hide on web"/>
+          <xsd:enumeration value="On Web no search"/>
+          <xsd:enumeration value="Show everywhere"/>
+          <xsd:enumeration value="Special use only"/>
+        </xsd:restriction>
+      </xsd:simpleType>
+    </xsd:element>
+    <xsd:element name="SourceTitle" ma:index="118" nillable="true" ma:displayName="Source Title" ma:default="" ma:indexed="true" ma:internalName="SourceTitle" ma:readOnly="false">
+      <xsd:simpleType>
+        <xsd:restriction base="dms:Text"/>
+      </xsd:simpleType>
+    </xsd:element>
+    <xsd:element name="CSXSubmissionDate" ma:index="119" nillable="true" ma:displayName="Submission Date" ma:default="" ma:internalName="CSXSubmissionDate" ma:readOnly="false">
+      <xsd:simpleType>
+        <xsd:restriction base="dms:DateTime"/>
+      </xsd:simpleType>
+    </xsd:element>
+    <xsd:element name="SubmitterId" ma:index="120" nillable="true" ma:displayName="Submitter ID" ma:default="" ma:internalName="SubmitterId" ma:readOnly="false">
+      <xsd:simpleType>
+        <xsd:restriction base="dms:Text"/>
+      </xsd:simpleType>
+    </xsd:element>
+    <xsd:element name="TaxCatchAll" ma:index="121" nillable="true" ma:displayName="Taxonomy Catch All Column" ma:hidden="true" ma:list="{14d3419f-9772-4c8d-a0a0-05446c45e95f}" ma:internalName="TaxCatchAll" ma:showField="CatchAllData" ma:web="f105ad54-119a-4495-aa55-0e28b6b4ad2f">
+      <xsd:complexType>
+        <xsd:complexContent>
+          <xsd:extension base="dms:MultiChoiceLookup">
+            <xsd:sequence>
+              <xsd:element name="Value" type="dms:Lookup" maxOccurs="unbounded" minOccurs="0" nillable="true"/>
+            </xsd:sequence>
+          </xsd:extension>
+        </xsd:complexContent>
+      </xsd:complexType>
+    </xsd:element>
+    <xsd:element name="TaxCatchAllLabel" ma:index="122" nillable="true" ma:displayName="Taxonomy Catch All Column1" ma:hidden="true" ma:list="{14d3419f-9772-4c8d-a0a0-05446c45e95f}" ma:internalName="TaxCatchAllLabel" ma:readOnly="true" ma:showField="CatchAllDataLabel" ma:web="f105ad54-119a-4495-aa55-0e28b6b4ad2f">
+      <xsd:complexType>
+        <xsd:complexContent>
+          <xsd:extension base="dms:MultiChoiceLookup">
+            <xsd:sequence>
+              <xsd:element name="Value" type="dms:Lookup" maxOccurs="unbounded" minOccurs="0" nillable="true"/>
+            </xsd:sequence>
+          </xsd:extension>
+        </xsd:complexContent>
+      </xsd:complexType>
+    </xsd:element>
+    <xsd:element name="TemplateStatus" ma:index="123" nillable="true" ma:displayName="Template Status" ma:default="" ma:internalName="TemplateStatus">
+      <xsd:simpleType>
+        <xsd:restriction base="dms:Unknown"/>
+      </xsd:simpleType>
+    </xsd:element>
+    <xsd:element name="TemplateTemplateType" ma:index="124" nillable="true" ma:displayName="Template Type" ma:default="" ma:internalName="TemplateTemplateType">
+      <xsd:simpleType>
+        <xsd:restriction base="dms:Unknown"/>
+      </xsd:simpleType>
+    </xsd:element>
+    <xsd:element name="ThumbnailAssetId" ma:index="125" nillable="true" ma:displayName="Thumbnail Image Asset" ma:default="" ma:internalName="ThumbnailAssetId" ma:readOnly="false">
+      <xsd:simpleType>
+        <xsd:restriction base="dms:Text"/>
+      </xsd:simpleType>
+    </xsd:element>
+    <xsd:element name="TimesCloned" ma:index="126" nillable="true" ma:displayName="Times Cloned" ma:default="" ma:internalName="TimesCloned" ma:readOnly="false">
+      <xsd:simpleType>
+        <xsd:restriction base="dms:Number"/>
+      </xsd:simpleType>
+    </xsd:element>
+    <xsd:element name="TrustLevel" ma:index="128" nillable="true" ma:displayName="Trust Level" ma:default="1 Microsoft Managed Content" ma:internalName="TrustLevel" ma:readOnly="false">
+      <xsd:simpleType>
+        <xsd:restriction base="dms:Unknown"/>
+      </xsd:simpleType>
+    </xsd:element>
+    <xsd:element name="UALocComments" ma:index="129" nillable="true" ma:displayName="UA Loc Comments" ma:default="" ma:internalName="UALocComments" ma:readOnly="false">
+      <xsd:simpleType>
+        <xsd:restriction base="dms:Note"/>
+      </xsd:simpleType>
+    </xsd:element>
+    <xsd:element name="UALocRecommendation" ma:index="130" nillable="true" ma:displayName="UA Loc Recommendation" ma:default="Localize" ma:internalName="UALocRecommendation" ma:readOnly="false">
+      <xsd:simpleType>
+        <xsd:restriction base="dms:Choice">
+          <xsd:enumeration value="Localize"/>
+          <xsd:enumeration value="Never Localize"/>
+          <xsd:enumeration value="Priority Localize"/>
+        </xsd:restriction>
+      </xsd:simpleType>
+    </xsd:element>
+    <xsd:element name="UANotes" ma:index="131" nillable="true" ma:displayName="UA Notes" ma:default="" ma:internalName="UANotes" ma:readOnly="false">
+      <xsd:simpleType>
+        <xsd:restriction base="dms:Note"/>
+      </xsd:simpleType>
+    </xsd:element>
+    <xsd:element name="TPAppVersion" ma:index="132" nillable="true" ma:displayName="Version" ma:default="" ma:internalName="TPAppVersion">
+      <xsd:simpleType>
+        <xsd:restriction base="dms:Text"/>
+      </xsd:simpleType>
+    </xsd:element>
+    <xsd:element name="VoteCount" ma:index="133" nillable="true" ma:displayName="Vote Count" ma:default="" ma:internalName="VoteCount" ma:readOnly="false">
+      <xsd:simpleType>
+        <xsd:restriction base="dms:Unknown"/>
+      </xsd:simpleType>
+    </xsd:element>
+  </xsd:schema>
+  <xsd:schema xmlns:xsd="http://www.w3.org/2001/XMLSchema" xmlns:xs="http://www.w3.org/2001/XMLSchema" xmlns:dms="http://schemas.microsoft.com/office/2006/documentManagement/types" xmlns:pc="http://schemas.microsoft.com/office/infopath/2007/PartnerControls" targetNamespace="c7af2036-029c-470e-8042-297c68a41472" elementFormDefault="qualified">
+    <xsd:import namespace="http://schemas.microsoft.com/office/2006/documentManagement/types"/>
+    <xsd:import namespace="http://schemas.microsoft.com/office/infopath/2007/PartnerControls"/>
+    <xsd:element name="Description0" ma:index="134" nillable="true" ma:displayName="Description" ma:internalName="Description0">
+      <xsd:simpleType>
+        <xsd:restriction base="dms:Note"/>
+      </xsd:simpleType>
+    </xsd:element>
+    <xsd:element name="Component" ma:index="135" nillable="true" ma:displayName="Component" ma:internalName="Component">
+      <xsd:simpleType>
+        <xsd:restriction base="dms:Text">
+          <xsd:maxLength value="255"/>
+        </xsd:restriction>
+      </xsd:simpleType>
+    </xsd:element>
+  </xsd:schema>
+  <xsd:schema xmlns="http://schemas.openxmlformats.org/package/2006/metadata/core-properties" xmlns:xsd="http://www.w3.org/2001/XMLSchema" xmlns:xsi="http://www.w3.org/2001/XMLSchema-instance" xmlns:dc="http://purl.org/dc/elements/1.1/" xmlns:dcterms="http://purl.org/dc/terms/" xmlns:odoc="http://schemas.microsoft.com/internal/obd" targetNamespace="http://schemas.openxmlformats.org/package/2006/metadata/core-properties" elementFormDefault="qualified" attributeFormDefault="unqualified" blockDefault="#all">
+    <xsd:import namespace="http://purl.org/dc/elements/1.1/" schemaLocation="http://dublincore.org/schemas/xmls/qdc/2003/04/02/dc.xsd"/>
+    <xsd:import namespace="http://purl.org/dc/terms/" schemaLocation="http://dublincore.org/schemas/xmls/qdc/2003/04/02/dcterms.xsd"/>
+    <xsd:element name="coreProperties" type="CT_coreProperties"/>
+    <xsd:complexType name="CT_coreProperties">
+      <xsd:all>
+        <xsd:element ref="dc:creator" minOccurs="0" maxOccurs="1"/>
+        <xsd:element ref="dcterms:created" minOccurs="0" maxOccurs="1"/>
+        <xsd:element ref="dc:identifier" minOccurs="0" maxOccurs="1"/>
+        <xsd:element name="contentType" minOccurs="0" maxOccurs="1" type="xsd:string" ma:index="22" ma:displayName="Content Type"/>
+        <xsd:element ref="dc:title" minOccurs="0" maxOccurs="1" ma:index="127" ma:displayName="Title"/>
+        <xsd:element ref="dc:subject" minOccurs="0" maxOccurs="1"/>
+        <xsd:element ref="dc:description" minOccurs="0" maxOccurs="1"/>
+        <xsd:element name="keywords" minOccurs="0" maxOccurs="1" type="xsd:string"/>
+        <xsd:element ref="dc:language" minOccurs="0" maxOccurs="1"/>
+        <xsd:element name="category" minOccurs="0" maxOccurs="1" type="xsd:string"/>
+        <xsd:element name="version" minOccurs="0" maxOccurs="1" type="xsd:string"/>
+        <xsd:element name="revision" minOccurs="0" maxOccurs="1" type="xsd:string">
+          <xsd:annotation>
+            <xsd:documentation>
+                        This value indicates the number of saves or revisions. The application is responsible for updating this value after each revision.
+                    </xsd:documentation>
+          </xsd:annotation>
+        </xsd:element>
+        <xsd:element name="lastModifiedBy" minOccurs="0" maxOccurs="1" type="xsd:string"/>
+        <xsd:element ref="dcterms:modified" minOccurs="0" maxOccurs="1"/>
+        <xsd:element name="contentStatus" minOccurs="0" maxOccurs="1" type="xsd:string"/>
+      </xsd:all>
+    </xsd:complexType>
+  </xsd:schema>
+  <xs:schema xmlns:pc="http://schemas.microsoft.com/office/infopath/2007/PartnerControls" xmlns:xs="http://www.w3.org/2001/XMLSchema" targetNamespace="http://schemas.microsoft.com/office/infopath/2007/PartnerControls" elementFormDefault="qualified" attributeFormDefault="unqualified">
+    <xs:element name="Person">
+      <xs:complexType>
+        <xs:sequence>
+          <xs:element ref="pc:DisplayName" minOccurs="0"/>
+          <xs:element ref="pc:AccountId" minOccurs="0"/>
+          <xs:element ref="pc:AccountType" minOccurs="0"/>
+        </xs:sequence>
+      </xs:complexType>
+    </xs:element>
+    <xs:element name="DisplayName" type="xs:string"/>
+    <xs:element name="AccountId" type="xs:string"/>
+    <xs:element name="AccountType" type="xs:string"/>
+    <xs:element name="BDCAssociatedEntity">
+      <xs:complexType>
+        <xs:sequence>
+          <xs:element ref="pc:BDCEntity" minOccurs="0" maxOccurs="unbounded"/>
+        </xs:sequence>
+        <xs:attribute ref="pc:EntityNamespace"/>
+        <xs:attribute ref="pc:EntityName"/>
+        <xs:attribute ref="pc:SystemInstanceName"/>
+        <xs:attribute ref="pc:AssociationName"/>
+      </xs:complexType>
+    </xs:element>
+    <xs:attribute name="EntityNamespace" type="xs:string"/>
+    <xs:attribute name="EntityName" type="xs:string"/>
+    <xs:attribute name="SystemInstanceName" type="xs:string"/>
+    <xs:attribute name="AssociationName" type="xs:string"/>
+    <xs:element name="BDCEntity">
+      <xs:complexType>
+        <xs:sequence>
+          <xs:element ref="pc:EntityDisplayName" minOccurs="0"/>
+          <xs:element ref="pc:EntityInstanceReference" minOccurs="0"/>
+          <xs:element ref="pc:EntityId1" minOccurs="0"/>
+          <xs:element ref="pc:EntityId2" minOccurs="0"/>
+          <xs:element ref="pc:EntityId3" minOccurs="0"/>
+          <xs:element ref="pc:EntityId4" minOccurs="0"/>
+          <xs:element ref="pc:EntityId5" minOccurs="0"/>
+        </xs:sequence>
+      </xs:complexType>
+    </xs:element>
+    <xs:element name="EntityDisplayName" type="xs:string"/>
+    <xs:element name="EntityInstanceReference" type="xs:string"/>
+    <xs:element name="EntityId1" type="xs:string"/>
+    <xs:element name="EntityId2" type="xs:string"/>
+    <xs:element name="EntityId3" type="xs:string"/>
+    <xs:element name="EntityId4" type="xs:string"/>
+    <xs:element name="EntityId5" type="xs:string"/>
+    <xs:element name="Terms">
+      <xs:complexType>
+        <xs:sequence>
+          <xs:element ref="pc:TermInfo" minOccurs="0" maxOccurs="unbounded"/>
+        </xs:sequence>
+      </xs:complexType>
+    </xs:element>
+    <xs:element name="TermInfo">
+      <xs:complexType>
+        <xs:sequence>
+          <xs:element ref="pc:TermName" minOccurs="0"/>
+          <xs:element ref="pc:TermId" minOccurs="0"/>
+        </xs:sequence>
+      </xs:complexType>
+    </xs:element>
+    <xs:element name="TermName" type="xs:string"/>
+    <xs:element name="TermId" type="xs:string"/>
+  </xs:schema>
+</ct:contentTypeSchema>
 </file>
 
 <file path=customXml/itemProps1.xml><?xml version="1.0" encoding="utf-8"?>
+<ds:datastoreItem xmlns:ds="http://schemas.openxmlformats.org/officeDocument/2006/customXml" ds:itemID="{C201E313-8F9D-4440-B4F7-718C9B2D8E4A}">
+  <ds:schemaRefs>
+    <ds:schemaRef ds:uri="http://schemas.microsoft.com/sharepoint/v3/contenttype/forms"/>
+  </ds:schemaRefs>
+</ds:datastoreItem>
+</file>
+
+<file path=customXml/itemProps2.xml><?xml version="1.0" encoding="utf-8"?>
+<ds:datastoreItem xmlns:ds="http://schemas.openxmlformats.org/officeDocument/2006/customXml" ds:itemID="{E4FF3A48-CEDF-4E2C-93A2-80DD637554A8}">
+  <ds:schemaRefs>
+    <ds:schemaRef ds:uri="http://schemas.microsoft.com/office/2006/metadata/properties"/>
+    <ds:schemaRef ds:uri="http://schemas.microsoft.com/office/infopath/2007/PartnerControls"/>
+    <ds:schemaRef ds:uri="f105ad54-119a-4495-aa55-0e28b6b4ad2f"/>
+    <ds:schemaRef ds:uri="c7af2036-029c-470e-8042-297c68a41472"/>
+  </ds:schemaRefs>
+</ds:datastoreItem>
+</file>
+
+<file path=customXml/itemProps3.xml><?xml version="1.0" encoding="utf-8"?>
 <ds:datastoreItem xmlns:ds="http://schemas.openxmlformats.org/officeDocument/2006/customXml" ds:itemID="{B8850C15-FE45-4039-8C21-B849F0C0C102}">
   <ds:schemaRefs>
     <ds:schemaRef ds:uri="http://schemas.microsoft.com/office/2006/metadata/contentType"/>
@@ -7779,23 +7769,4 @@
     <ds:schemaRef ds:uri="http://schemas.microsoft.com/internal/obd"/>
   </ds:schemaRefs>
 </ds:datastoreItem>
-</file>
-
-<file path=customXml/itemProps2.xml><?xml version="1.0" encoding="utf-8"?>
-<ds:datastoreItem xmlns:ds="http://schemas.openxmlformats.org/officeDocument/2006/customXml" ds:itemID="{E4FF3A48-CEDF-4E2C-93A2-80DD637554A8}">
-  <ds:schemaRefs>
-    <ds:schemaRef ds:uri="http://schemas.microsoft.com/office/2006/metadata/properties"/>
-    <ds:schemaRef ds:uri="http://schemas.microsoft.com/office/infopath/2007/PartnerControls"/>
-    <ds:schemaRef ds:uri="f105ad54-119a-4495-aa55-0e28b6b4ad2f"/>
-    <ds:schemaRef ds:uri="c7af2036-029c-470e-8042-297c68a41472"/>
-  </ds:schemaRefs>
-</ds:datastoreItem>
-</file>
-
-<file path=customXml/itemProps3.xml><?xml version="1.0" encoding="utf-8"?>
-<ds:datastoreItem xmlns:ds="http://schemas.openxmlformats.org/officeDocument/2006/customXml" ds:itemID="{C201E313-8F9D-4440-B4F7-718C9B2D8E4A}">
-  <ds:schemaRefs>
-    <ds:schemaRef ds:uri="http://schemas.microsoft.com/sharepoint/v3/contenttype/forms"/>
-  </ds:schemaRefs>
-</ds:datastoreItem>
 </file>